--- a/slides/09_1_ObjectClass.pptx
+++ b/slides/09_1_ObjectClass.pptx
@@ -1,25 +1,25 @@
 
 <file path=ppt/presentation.xml><?xml version="1.0" encoding="utf-8"?>
-<p:presentation xmlns:a="http://schemas.openxmlformats.org/drawingml/2006/main" xmlns:r="http://schemas.openxmlformats.org/officeDocument/2006/relationships" xmlns:p="http://schemas.openxmlformats.org/presentationml/2006/main" xmlns:m="http://schemas.openxmlformats.org/officeDocument/2006/math" xmlns:a14="http://schemas.microsoft.com/office/drawing/2010/main">
+<p:presentation xmlns:a="http://schemas.openxmlformats.org/drawingml/2006/main" xmlns:r="http://schemas.openxmlformats.org/officeDocument/2006/relationships" xmlns:p="http://schemas.openxmlformats.org/presentationml/2006/main">
   <p:sldMasterIdLst>
-    <p:sldMasterId id="2147483648" r:id="rId5"/>
+    <p:sldMasterId id="2147483648" r:id="rId1"/>
   </p:sldMasterIdLst>
   <p:notesMasterIdLst>
-    <p:notesMasterId r:id="rId7"/>
+    <p:notesMasterId r:id="rId14"/>
   </p:notesMasterIdLst>
   <p:sldIdLst>
-    <p:sldId id="256" r:id="rId8"/>
-    <p:sldId id="257" r:id="rId9"/>
-    <p:sldId id="258" r:id="rId10"/>
-    <p:sldId id="259" r:id="rId11"/>
-    <p:sldId id="260" r:id="rId12"/>
-    <p:sldId id="261" r:id="rId13"/>
-    <p:sldId id="262" r:id="rId14"/>
-    <p:sldId id="263" r:id="rId15"/>
-    <p:sldId id="264" r:id="rId16"/>
-    <p:sldId id="265" r:id="rId17"/>
-    <p:sldId id="266" r:id="rId18"/>
-    <p:sldId id="267" r:id="rId19"/>
+    <p:sldId id="256" r:id="rId2"/>
+    <p:sldId id="257" r:id="rId3"/>
+    <p:sldId id="258" r:id="rId4"/>
+    <p:sldId id="259" r:id="rId5"/>
+    <p:sldId id="260" r:id="rId6"/>
+    <p:sldId id="261" r:id="rId7"/>
+    <p:sldId id="262" r:id="rId8"/>
+    <p:sldId id="263" r:id="rId9"/>
+    <p:sldId id="264" r:id="rId10"/>
+    <p:sldId id="265" r:id="rId11"/>
+    <p:sldId id="266" r:id="rId12"/>
+    <p:sldId id="267" r:id="rId13"/>
   </p:sldIdLst>
   <p:sldSz cx="12192000" cy="6858000"/>
   <p:notesSz cx="6858000" cy="9144000"/>
@@ -39,7 +39,7 @@
       <a:buFontTx/>
       <a:buNone/>
       <a:tabLst/>
-      <a:defRPr b="0" baseline="0" cap="none" i="0" spc="0" strike="noStrike" sz="1800" u="none" kumimoji="0" normalizeH="0">
+      <a:defRPr kumimoji="0" sz="1800" b="0" i="0" u="none" strike="noStrike" cap="none" spc="0" normalizeH="0" baseline="0">
         <a:ln>
           <a:noFill/>
         </a:ln>
@@ -65,7 +65,7 @@
       <a:buFontTx/>
       <a:buNone/>
       <a:tabLst/>
-      <a:defRPr b="0" baseline="0" cap="none" i="0" spc="0" strike="noStrike" sz="1800" u="none" kumimoji="0" normalizeH="0">
+      <a:defRPr kumimoji="0" sz="1800" b="0" i="0" u="none" strike="noStrike" cap="none" spc="0" normalizeH="0" baseline="0">
         <a:ln>
           <a:noFill/>
         </a:ln>
@@ -95,7 +95,7 @@
       <a:buFontTx/>
       <a:buNone/>
       <a:tabLst/>
-      <a:defRPr b="0" baseline="0" cap="none" i="0" spc="0" strike="noStrike" sz="1800" u="none" kumimoji="0" normalizeH="0">
+      <a:defRPr kumimoji="0" sz="1800" b="0" i="0" u="none" strike="noStrike" cap="none" spc="0" normalizeH="0" baseline="0">
         <a:ln>
           <a:noFill/>
         </a:ln>
@@ -125,7 +125,7 @@
       <a:buFontTx/>
       <a:buNone/>
       <a:tabLst/>
-      <a:defRPr b="0" baseline="0" cap="none" i="0" spc="0" strike="noStrike" sz="1800" u="none" kumimoji="0" normalizeH="0">
+      <a:defRPr kumimoji="0" sz="1800" b="0" i="0" u="none" strike="noStrike" cap="none" spc="0" normalizeH="0" baseline="0">
         <a:ln>
           <a:noFill/>
         </a:ln>
@@ -155,7 +155,7 @@
       <a:buFontTx/>
       <a:buNone/>
       <a:tabLst/>
-      <a:defRPr b="0" baseline="0" cap="none" i="0" spc="0" strike="noStrike" sz="1800" u="none" kumimoji="0" normalizeH="0">
+      <a:defRPr kumimoji="0" sz="1800" b="0" i="0" u="none" strike="noStrike" cap="none" spc="0" normalizeH="0" baseline="0">
         <a:ln>
           <a:noFill/>
         </a:ln>
@@ -185,7 +185,7 @@
       <a:buFontTx/>
       <a:buNone/>
       <a:tabLst/>
-      <a:defRPr b="0" baseline="0" cap="none" i="0" spc="0" strike="noStrike" sz="1800" u="none" kumimoji="0" normalizeH="0">
+      <a:defRPr kumimoji="0" sz="1800" b="0" i="0" u="none" strike="noStrike" cap="none" spc="0" normalizeH="0" baseline="0">
         <a:ln>
           <a:noFill/>
         </a:ln>
@@ -215,7 +215,7 @@
       <a:buFontTx/>
       <a:buNone/>
       <a:tabLst/>
-      <a:defRPr b="0" baseline="0" cap="none" i="0" spc="0" strike="noStrike" sz="1800" u="none" kumimoji="0" normalizeH="0">
+      <a:defRPr kumimoji="0" sz="1800" b="0" i="0" u="none" strike="noStrike" cap="none" spc="0" normalizeH="0" baseline="0">
         <a:ln>
           <a:noFill/>
         </a:ln>
@@ -245,7 +245,7 @@
       <a:buFontTx/>
       <a:buNone/>
       <a:tabLst/>
-      <a:defRPr b="0" baseline="0" cap="none" i="0" spc="0" strike="noStrike" sz="1800" u="none" kumimoji="0" normalizeH="0">
+      <a:defRPr kumimoji="0" sz="1800" b="0" i="0" u="none" strike="noStrike" cap="none" spc="0" normalizeH="0" baseline="0">
         <a:ln>
           <a:noFill/>
         </a:ln>
@@ -275,7 +275,7 @@
       <a:buFontTx/>
       <a:buNone/>
       <a:tabLst/>
-      <a:defRPr b="0" baseline="0" cap="none" i="0" spc="0" strike="noStrike" sz="1800" u="none" kumimoji="0" normalizeH="0">
+      <a:defRPr kumimoji="0" sz="1800" b="0" i="0" u="none" strike="noStrike" cap="none" spc="0" normalizeH="0" baseline="0">
         <a:ln>
           <a:noFill/>
         </a:ln>
@@ -305,7 +305,7 @@
       <a:buFontTx/>
       <a:buNone/>
       <a:tabLst/>
-      <a:defRPr b="0" baseline="0" cap="none" i="0" spc="0" strike="noStrike" sz="1800" u="none" kumimoji="0" normalizeH="0">
+      <a:defRPr kumimoji="0" sz="1800" b="0" i="0" u="none" strike="noStrike" cap="none" spc="0" normalizeH="0" baseline="0">
         <a:ln>
           <a:noFill/>
         </a:ln>
@@ -324,13 +324,14 @@
 </p:presentation>
 </file>
 
-<file path=ppt/commentAuthors.xml><?xml version="1.0" encoding="utf-8"?>
-<p:cmAuthorLst xmlns:a="http://schemas.openxmlformats.org/drawingml/2006/main" xmlns:r="http://schemas.openxmlformats.org/officeDocument/2006/relationships" xmlns:p="http://schemas.openxmlformats.org/presentationml/2006/main" xmlns:m="http://schemas.openxmlformats.org/officeDocument/2006/math" xmlns:a14="http://schemas.microsoft.com/office/drawing/2010/main"/>
-</file>
-
 <file path=ppt/notesMasters/notesMaster1.xml><?xml version="1.0" encoding="utf-8"?>
-<p:notesMaster xmlns:a="http://schemas.openxmlformats.org/drawingml/2006/main" xmlns:r="http://schemas.openxmlformats.org/officeDocument/2006/relationships" xmlns:p="http://schemas.openxmlformats.org/presentationml/2006/main" xmlns:m="http://schemas.openxmlformats.org/officeDocument/2006/math" xmlns:a14="http://schemas.microsoft.com/office/drawing/2010/main">
+<p:notesMaster xmlns:a="http://schemas.openxmlformats.org/drawingml/2006/main" xmlns:r="http://schemas.openxmlformats.org/officeDocument/2006/relationships" xmlns:p="http://schemas.openxmlformats.org/presentationml/2006/main">
   <p:cSld>
+    <p:bg>
+      <p:bgRef idx="1001">
+        <a:schemeClr val="bg1"/>
+      </p:bgRef>
+    </p:bg>
     <p:spTree>
       <p:nvGrpSpPr>
         <p:cNvPr id="1" name=""/>
@@ -348,7 +349,9 @@
       <p:sp>
         <p:nvSpPr>
           <p:cNvPr id="28" name="Shape 28"/>
-          <p:cNvSpPr/>
+          <p:cNvSpPr>
+            <a:spLocks noGrp="1" noRot="1" noChangeAspect="1"/>
+          </p:cNvSpPr>
           <p:nvPr>
             <p:ph type="sldImg"/>
           </p:nvPr>
@@ -366,14 +369,16 @@
           <a:bodyPr/>
           <a:lstStyle/>
           <a:p>
-            <a:pPr/>
+            <a:endParaRPr/>
           </a:p>
         </p:txBody>
       </p:sp>
       <p:sp>
         <p:nvSpPr>
           <p:cNvPr id="29" name="Shape 29"/>
-          <p:cNvSpPr/>
+          <p:cNvSpPr>
+            <a:spLocks noGrp="1"/>
+          </p:cNvSpPr>
           <p:nvPr>
             <p:ph type="body" sz="quarter" idx="1"/>
           </p:nvPr>
@@ -391,7 +396,7 @@
           <a:bodyPr/>
           <a:lstStyle/>
           <a:p>
-            <a:pPr/>
+            <a:endParaRPr/>
           </a:p>
         </p:txBody>
       </p:sp>
@@ -476,7 +481,7 @@
 </file>
 
 <file path=ppt/notesSlides/notesSlide1.xml><?xml version="1.0" encoding="utf-8"?>
-<p:notes xmlns:a="http://schemas.openxmlformats.org/drawingml/2006/main" xmlns:r="http://schemas.openxmlformats.org/officeDocument/2006/relationships" xmlns:p="http://schemas.openxmlformats.org/presentationml/2006/main" xmlns:m="http://schemas.openxmlformats.org/officeDocument/2006/math" xmlns:a14="http://schemas.microsoft.com/office/drawing/2010/main" showMasterSp="1" showMasterPhAnim="1">
+<p:notes xmlns:a="http://schemas.openxmlformats.org/drawingml/2006/main" xmlns:r="http://schemas.openxmlformats.org/officeDocument/2006/relationships" xmlns:p="http://schemas.openxmlformats.org/presentationml/2006/main">
   <p:cSld>
     <p:spTree>
       <p:nvGrpSpPr>
@@ -495,7 +500,9 @@
       <p:sp>
         <p:nvSpPr>
           <p:cNvPr id="33" name="Shape 33"/>
-          <p:cNvSpPr/>
+          <p:cNvSpPr>
+            <a:spLocks noGrp="1" noRot="1" noChangeAspect="1"/>
+          </p:cNvSpPr>
           <p:nvPr>
             <p:ph type="sldImg"/>
           </p:nvPr>
@@ -509,14 +516,16 @@
           <a:bodyPr/>
           <a:lstStyle/>
           <a:p>
-            <a:pPr/>
+            <a:endParaRPr/>
           </a:p>
         </p:txBody>
       </p:sp>
       <p:sp>
         <p:nvSpPr>
           <p:cNvPr id="34" name="Shape 34"/>
-          <p:cNvSpPr/>
+          <p:cNvSpPr>
+            <a:spLocks noGrp="1"/>
+          </p:cNvSpPr>
           <p:nvPr>
             <p:ph type="body" sz="quarter" idx="1"/>
           </p:nvPr>
@@ -530,7 +539,6 @@
           <a:bodyPr/>
           <a:lstStyle/>
           <a:p>
-            <a:pPr/>
             <a:r>
               <a:t>Object class에 대해 강의하겠습니다. </a:t>
             </a:r>
@@ -546,7 +554,7 @@
 </file>
 
 <file path=ppt/notesSlides/notesSlide10.xml><?xml version="1.0" encoding="utf-8"?>
-<p:notes xmlns:a="http://schemas.openxmlformats.org/drawingml/2006/main" xmlns:r="http://schemas.openxmlformats.org/officeDocument/2006/relationships" xmlns:p="http://schemas.openxmlformats.org/presentationml/2006/main" xmlns:m="http://schemas.openxmlformats.org/officeDocument/2006/math" xmlns:a14="http://schemas.microsoft.com/office/drawing/2010/main" showMasterSp="1" showMasterPhAnim="1">
+<p:notes xmlns:a="http://schemas.openxmlformats.org/drawingml/2006/main" xmlns:r="http://schemas.openxmlformats.org/officeDocument/2006/relationships" xmlns:p="http://schemas.openxmlformats.org/presentationml/2006/main">
   <p:cSld>
     <p:spTree>
       <p:nvGrpSpPr>
@@ -565,7 +573,9 @@
       <p:sp>
         <p:nvSpPr>
           <p:cNvPr id="97" name="Shape 97"/>
-          <p:cNvSpPr/>
+          <p:cNvSpPr>
+            <a:spLocks noGrp="1" noRot="1" noChangeAspect="1"/>
+          </p:cNvSpPr>
           <p:nvPr>
             <p:ph type="sldImg"/>
           </p:nvPr>
@@ -579,14 +589,16 @@
           <a:bodyPr/>
           <a:lstStyle/>
           <a:p>
-            <a:pPr/>
+            <a:endParaRPr/>
           </a:p>
         </p:txBody>
       </p:sp>
       <p:sp>
         <p:nvSpPr>
           <p:cNvPr id="98" name="Shape 98"/>
-          <p:cNvSpPr/>
+          <p:cNvSpPr>
+            <a:spLocks noGrp="1"/>
+          </p:cNvSpPr>
           <p:nvPr>
             <p:ph type="body" sz="quarter" idx="1"/>
           </p:nvPr>
@@ -600,103 +612,90 @@
           <a:bodyPr/>
           <a:lstStyle/>
           <a:p>
-            <a:pPr/>
             <a:r>
               <a:t>페이지 10</a:t>
             </a:r>
           </a:p>
           <a:p>
-            <a:pPr/>
-          </a:p>
-          <a:p>
-            <a:pPr/>
+            <a:endParaRPr/>
+          </a:p>
+          <a:p>
             <a:r>
               <a:t>이번에는 hierarchy가 있는 class들간에 polymorphism을 고려할 때</a:t>
             </a:r>
           </a:p>
           <a:p>
-            <a:pPr/>
             <a:r>
               <a:t>equals method의 구현에 주의해야 하는 점을 예를 들어 설명하겠습니다. </a:t>
             </a:r>
           </a:p>
           <a:p>
-            <a:pPr/>
             <a:r>
               <a:t>polymorphism의 개념을 간단히 복습해 보면</a:t>
             </a:r>
           </a:p>
           <a:p>
-            <a:pPr/>
             <a:r>
               <a:t>descendant type object를 ancestor type의 reference variable에</a:t>
             </a:r>
           </a:p>
           <a:p>
-            <a:pPr/>
             <a:r>
               <a:t>assign할 수 있다는 것이며</a:t>
             </a:r>
           </a:p>
           <a:p>
-            <a:pPr/>
             <a:r>
               <a:t>이 때 descendant type class에서 overriding 된 method를 </a:t>
             </a:r>
           </a:p>
           <a:p>
-            <a:pPr/>
             <a:r>
               <a:t>그 type들에 따라 다르게 적용할 수 있다는 것이었습니다. </a:t>
             </a:r>
           </a:p>
           <a:p>
-            <a:pPr/>
             <a:r>
               <a:t>이제 base class로 AClass를 고려해 보겠습니다</a:t>
             </a:r>
           </a:p>
           <a:p>
-            <a:pPr/>
             <a:r>
               <a:t>AClass에는 int x 가 유일한 instance variable 입니다. </a:t>
             </a:r>
           </a:p>
           <a:p>
-            <a:pPr/>
             <a:r>
               <a:t>Constructor가 정의되어 있고</a:t>
             </a:r>
           </a:p>
           <a:p>
-            <a:pPr/>
             <a:r>
               <a:t>equals는 적절한 test를 거친 후 this.x와 other.x가 같은지 비교하는 것으로</a:t>
             </a:r>
           </a:p>
           <a:p>
-            <a:pPr/>
             <a:r>
               <a:t>구현되어 override되어 있습니다. </a:t>
             </a:r>
           </a:p>
           <a:p>
-            <a:pPr/>
-          </a:p>
-          <a:p>
-            <a:pPr/>
-          </a:p>
-          <a:p>
-            <a:pPr/>
-          </a:p>
-          <a:p>
-            <a:pPr/>
-          </a:p>
-          <a:p>
-            <a:pPr/>
-          </a:p>
-          <a:p>
-            <a:pPr/>
+            <a:endParaRPr/>
+          </a:p>
+          <a:p>
+            <a:endParaRPr/>
+          </a:p>
+          <a:p>
+            <a:endParaRPr/>
+          </a:p>
+          <a:p>
+            <a:endParaRPr/>
+          </a:p>
+          <a:p>
+            <a:endParaRPr/>
+          </a:p>
+          <a:p>
+            <a:endParaRPr/>
           </a:p>
         </p:txBody>
       </p:sp>
@@ -709,7 +708,7 @@
 </file>
 
 <file path=ppt/notesSlides/notesSlide11.xml><?xml version="1.0" encoding="utf-8"?>
-<p:notes xmlns:a="http://schemas.openxmlformats.org/drawingml/2006/main" xmlns:r="http://schemas.openxmlformats.org/officeDocument/2006/relationships" xmlns:p="http://schemas.openxmlformats.org/presentationml/2006/main" xmlns:m="http://schemas.openxmlformats.org/officeDocument/2006/math" xmlns:a14="http://schemas.microsoft.com/office/drawing/2010/main" showMasterSp="1" showMasterPhAnim="1">
+<p:notes xmlns:a="http://schemas.openxmlformats.org/drawingml/2006/main" xmlns:r="http://schemas.openxmlformats.org/officeDocument/2006/relationships" xmlns:p="http://schemas.openxmlformats.org/presentationml/2006/main">
   <p:cSld>
     <p:spTree>
       <p:nvGrpSpPr>
@@ -728,7 +727,9 @@
       <p:sp>
         <p:nvSpPr>
           <p:cNvPr id="103" name="Shape 103"/>
-          <p:cNvSpPr/>
+          <p:cNvSpPr>
+            <a:spLocks noGrp="1" noRot="1" noChangeAspect="1"/>
+          </p:cNvSpPr>
           <p:nvPr>
             <p:ph type="sldImg"/>
           </p:nvPr>
@@ -742,14 +743,16 @@
           <a:bodyPr/>
           <a:lstStyle/>
           <a:p>
-            <a:pPr/>
+            <a:endParaRPr/>
           </a:p>
         </p:txBody>
       </p:sp>
       <p:sp>
         <p:nvSpPr>
           <p:cNvPr id="104" name="Shape 104"/>
-          <p:cNvSpPr/>
+          <p:cNvSpPr>
+            <a:spLocks noGrp="1"/>
+          </p:cNvSpPr>
           <p:nvPr>
             <p:ph type="body" sz="quarter" idx="1"/>
           </p:nvPr>
@@ -763,64 +766,54 @@
           <a:bodyPr/>
           <a:lstStyle/>
           <a:p>
-            <a:pPr/>
             <a:r>
               <a:t>페이지 11</a:t>
             </a:r>
           </a:p>
           <a:p>
-            <a:pPr/>
-          </a:p>
-          <a:p>
-            <a:pPr/>
+            <a:endParaRPr/>
+          </a:p>
+          <a:p>
             <a:r>
               <a:t>AClass의 child인 BClass에는 </a:t>
             </a:r>
           </a:p>
           <a:p>
-            <a:pPr/>
             <a:r>
               <a:t>int y 하나가 더 instance variable로 추가되었습니다. </a:t>
             </a:r>
           </a:p>
           <a:p>
-            <a:pPr/>
             <a:r>
               <a:t>overriding된 equals method에서는</a:t>
             </a:r>
           </a:p>
           <a:p>
-            <a:pPr/>
             <a:r>
               <a:t>super.equals를 이용하여 x가 같은지를 확인하고 </a:t>
             </a:r>
           </a:p>
           <a:p>
-            <a:pPr/>
             <a:r>
               <a:t>this.y 와 other.y가 같은지를 더 체크하여 </a:t>
             </a:r>
           </a:p>
           <a:p>
-            <a:pPr/>
             <a:r>
               <a:t>결과를 return합니다. </a:t>
             </a:r>
           </a:p>
           <a:p>
-            <a:pPr/>
             <a:r>
               <a:t>CClass는 AClass와 BClass의 hierarchy에 속해있지 않은</a:t>
             </a:r>
           </a:p>
           <a:p>
-            <a:pPr/>
             <a:r>
               <a:t>독자적인 class로서</a:t>
             </a:r>
           </a:p>
           <a:p>
-            <a:pPr/>
             <a:r>
               <a:t>String name 하나만을 instance variable로 가지고 있습니다</a:t>
             </a:r>
@@ -836,7 +829,7 @@
 </file>
 
 <file path=ppt/notesSlides/notesSlide12.xml><?xml version="1.0" encoding="utf-8"?>
-<p:notes xmlns:a="http://schemas.openxmlformats.org/drawingml/2006/main" xmlns:r="http://schemas.openxmlformats.org/officeDocument/2006/relationships" xmlns:p="http://schemas.openxmlformats.org/presentationml/2006/main" xmlns:m="http://schemas.openxmlformats.org/officeDocument/2006/math" xmlns:a14="http://schemas.microsoft.com/office/drawing/2010/main" showMasterSp="1" showMasterPhAnim="1">
+<p:notes xmlns:a="http://schemas.openxmlformats.org/drawingml/2006/main" xmlns:r="http://schemas.openxmlformats.org/officeDocument/2006/relationships" xmlns:p="http://schemas.openxmlformats.org/presentationml/2006/main">
   <p:cSld>
     <p:spTree>
       <p:nvGrpSpPr>
@@ -855,7 +848,9 @@
       <p:sp>
         <p:nvSpPr>
           <p:cNvPr id="109" name="Shape 109"/>
-          <p:cNvSpPr/>
+          <p:cNvSpPr>
+            <a:spLocks noGrp="1" noRot="1" noChangeAspect="1"/>
+          </p:cNvSpPr>
           <p:nvPr>
             <p:ph type="sldImg"/>
           </p:nvPr>
@@ -869,14 +864,16 @@
           <a:bodyPr/>
           <a:lstStyle/>
           <a:p>
-            <a:pPr/>
+            <a:endParaRPr/>
           </a:p>
         </p:txBody>
       </p:sp>
       <p:sp>
         <p:nvSpPr>
           <p:cNvPr id="110" name="Shape 110"/>
-          <p:cNvSpPr/>
+          <p:cNvSpPr>
+            <a:spLocks noGrp="1"/>
+          </p:cNvSpPr>
           <p:nvPr>
             <p:ph type="body" sz="quarter" idx="1"/>
           </p:nvPr>
@@ -890,130 +887,109 @@
           <a:bodyPr/>
           <a:lstStyle/>
           <a:p>
-            <a:pPr/>
             <a:r>
               <a:t>페이지 12</a:t>
             </a:r>
           </a:p>
           <a:p>
-            <a:pPr/>
-          </a:p>
-          <a:p>
-            <a:pPr/>
+            <a:endParaRPr/>
+          </a:p>
+          <a:p>
             <a:r>
               <a:t>Main class에서 먼저 AClass object인 a1과 a2을 생성하여</a:t>
             </a:r>
           </a:p>
           <a:p>
-            <a:pPr/>
             <a:r>
               <a:t>x값에 각각 3과 7을 assign 하였습니다. </a:t>
             </a:r>
           </a:p>
           <a:p>
-            <a:pPr/>
             <a:r>
               <a:t>BClass object인 b1과 b2에는 x와 y를 각각 (3, 5) 그리고 (7,9) 를 assign했습니다. </a:t>
             </a:r>
           </a:p>
           <a:p>
-            <a:pPr/>
             <a:r>
               <a:t>CClass인 object c는 “Korea” 를 String name에 assign 하였습니다. </a:t>
             </a:r>
           </a:p>
           <a:p>
-            <a:pPr/>
             <a:r>
               <a:t>먼저 a1.equals(a1) 을 call 했는데, a1 자신과 자신을 비교하는 것이니까 </a:t>
             </a:r>
           </a:p>
           <a:p>
-            <a:pPr/>
             <a:r>
               <a:t>당연히 같게 되고, 답은 true가 나옵니다. </a:t>
             </a:r>
           </a:p>
           <a:p>
-            <a:pPr/>
             <a:r>
               <a:t>a1.equals(b1) 을 call 할 때 a1.equals의 formal parameter type이 Object이고 </a:t>
             </a:r>
           </a:p>
           <a:p>
-            <a:pPr/>
             <a:r>
               <a:t>BClass는 어쨌든 Object의 descendant이기 때문에</a:t>
             </a:r>
           </a:p>
           <a:p>
-            <a:pPr/>
             <a:r>
               <a:t>polymorphism이 적용되어 BClass object인 b1을 </a:t>
             </a:r>
           </a:p>
           <a:p>
-            <a:pPr/>
             <a:r>
               <a:t>parameter로 passing 받을 수 있게 됩니다. </a:t>
             </a:r>
           </a:p>
           <a:p>
-            <a:pPr/>
             <a:r>
               <a:t>a1.equals 내부에서 b1은 AClass type으로 upcasting되어 </a:t>
             </a:r>
           </a:p>
           <a:p>
-            <a:pPr/>
             <a:r>
               <a:t>x 값 만이 같은지를 비교하게 됩니다. </a:t>
             </a:r>
           </a:p>
           <a:p>
-            <a:pPr/>
             <a:r>
               <a:t>따라서 a1.equals(b1) 은 a1과 b1 모두 x가 3이기 때문에</a:t>
             </a:r>
           </a:p>
           <a:p>
-            <a:pPr/>
             <a:r>
               <a:t>true를 return하게 됩니다. </a:t>
             </a:r>
           </a:p>
           <a:p>
-            <a:pPr/>
             <a:r>
               <a:t>그러나 a1.equals(b2)를 하면, b2의 x value는 7이기 때문에</a:t>
             </a:r>
           </a:p>
           <a:p>
-            <a:pPr/>
             <a:r>
               <a:t>false를 return하게 됩니다. </a:t>
             </a:r>
           </a:p>
           <a:p>
-            <a:pPr/>
             <a:r>
               <a:t>한편 a2.equals(c) 는 당연히 false가 되는데</a:t>
             </a:r>
           </a:p>
           <a:p>
-            <a:pPr/>
             <a:r>
               <a:t>AClass인 a2와 CClass인 c가 서로 class가 다르며</a:t>
             </a:r>
           </a:p>
           <a:p>
-            <a:pPr/>
             <a:r>
               <a:t>c를 AClass로 down casting 할 수도 없고</a:t>
             </a:r>
           </a:p>
           <a:p>
-            <a:pPr/>
             <a:r>
               <a:t>따라서 비교가 불가능하기 때문입니다. </a:t>
             </a:r>
@@ -1029,7 +1005,7 @@
 </file>
 
 <file path=ppt/notesSlides/notesSlide2.xml><?xml version="1.0" encoding="utf-8"?>
-<p:notes xmlns:a="http://schemas.openxmlformats.org/drawingml/2006/main" xmlns:r="http://schemas.openxmlformats.org/officeDocument/2006/relationships" xmlns:p="http://schemas.openxmlformats.org/presentationml/2006/main" xmlns:m="http://schemas.openxmlformats.org/officeDocument/2006/math" xmlns:a14="http://schemas.microsoft.com/office/drawing/2010/main" showMasterSp="1" showMasterPhAnim="1">
+<p:notes xmlns:a="http://schemas.openxmlformats.org/drawingml/2006/main" xmlns:r="http://schemas.openxmlformats.org/officeDocument/2006/relationships" xmlns:p="http://schemas.openxmlformats.org/presentationml/2006/main">
   <p:cSld>
     <p:spTree>
       <p:nvGrpSpPr>
@@ -1048,7 +1024,9 @@
       <p:sp>
         <p:nvSpPr>
           <p:cNvPr id="39" name="Shape 39"/>
-          <p:cNvSpPr/>
+          <p:cNvSpPr>
+            <a:spLocks noGrp="1" noRot="1" noChangeAspect="1"/>
+          </p:cNvSpPr>
           <p:nvPr>
             <p:ph type="sldImg"/>
           </p:nvPr>
@@ -1062,14 +1040,16 @@
           <a:bodyPr/>
           <a:lstStyle/>
           <a:p>
-            <a:pPr/>
+            <a:endParaRPr/>
           </a:p>
         </p:txBody>
       </p:sp>
       <p:sp>
         <p:nvSpPr>
           <p:cNvPr id="40" name="Shape 40"/>
-          <p:cNvSpPr/>
+          <p:cNvSpPr>
+            <a:spLocks noGrp="1"/>
+          </p:cNvSpPr>
           <p:nvPr>
             <p:ph type="body" sz="quarter" idx="1"/>
           </p:nvPr>
@@ -1083,22 +1063,19 @@
           <a:bodyPr/>
           <a:lstStyle/>
           <a:p>
-            <a:pPr/>
             <a:r>
               <a:t>페이지 two</a:t>
             </a:r>
           </a:p>
           <a:p>
-            <a:pPr/>
-          </a:p>
-          <a:p>
-            <a:pPr/>
+            <a:endParaRPr/>
+          </a:p>
+          <a:p>
             <a:r>
               <a:t>java.lang package에 여러가지 중요한 class들이 포함되어 있고</a:t>
             </a:r>
           </a:p>
           <a:p>
-            <a:pPr/>
             <a:r>
               <a:t>그 중에 Object class에 대해 자세히 알아보겠습니다</a:t>
             </a:r>
@@ -1114,7 +1091,7 @@
 </file>
 
 <file path=ppt/notesSlides/notesSlide3.xml><?xml version="1.0" encoding="utf-8"?>
-<p:notes xmlns:a="http://schemas.openxmlformats.org/drawingml/2006/main" xmlns:r="http://schemas.openxmlformats.org/officeDocument/2006/relationships" xmlns:p="http://schemas.openxmlformats.org/presentationml/2006/main" xmlns:m="http://schemas.openxmlformats.org/officeDocument/2006/math" xmlns:a14="http://schemas.microsoft.com/office/drawing/2010/main" showMasterSp="1" showMasterPhAnim="1">
+<p:notes xmlns:a="http://schemas.openxmlformats.org/drawingml/2006/main" xmlns:r="http://schemas.openxmlformats.org/officeDocument/2006/relationships" xmlns:p="http://schemas.openxmlformats.org/presentationml/2006/main">
   <p:cSld>
     <p:spTree>
       <p:nvGrpSpPr>
@@ -1133,12 +1110,18 @@
       <p:sp>
         <p:nvSpPr>
           <p:cNvPr id="54" name="Shape 54"/>
-          <p:cNvSpPr/>
+          <p:cNvSpPr>
+            <a:spLocks noGrp="1" noRot="1" noChangeAspect="1"/>
+          </p:cNvSpPr>
           <p:nvPr>
             <p:ph type="sldImg"/>
           </p:nvPr>
         </p:nvSpPr>
         <p:spPr>
+          <a:xfrm>
+            <a:off x="381000" y="685800"/>
+            <a:ext cx="6096000" cy="3429000"/>
+          </a:xfrm>
           <a:prstGeom prst="rect">
             <a:avLst/>
           </a:prstGeom>
@@ -1147,14 +1130,16 @@
           <a:bodyPr/>
           <a:lstStyle/>
           <a:p>
-            <a:pPr/>
+            <a:endParaRPr/>
           </a:p>
         </p:txBody>
       </p:sp>
       <p:sp>
         <p:nvSpPr>
           <p:cNvPr id="55" name="Shape 55"/>
-          <p:cNvSpPr/>
+          <p:cNvSpPr>
+            <a:spLocks noGrp="1"/>
+          </p:cNvSpPr>
           <p:nvPr>
             <p:ph type="body" sz="quarter" idx="1"/>
           </p:nvPr>
@@ -1168,28 +1153,24 @@
           <a:bodyPr/>
           <a:lstStyle/>
           <a:p>
-            <a:pPr/>
             <a:r>
               <a:t>페이지 3</a:t>
             </a:r>
           </a:p>
           <a:p>
-            <a:pPr/>
-          </a:p>
-          <a:p>
-            <a:pPr/>
+            <a:endParaRPr/>
+          </a:p>
+          <a:p>
             <a:r>
               <a:t>Object class는 모든 package 안의 모든 class들의 ancestor가 되는 class입니다</a:t>
             </a:r>
           </a:p>
           <a:p>
-            <a:pPr/>
             <a:r>
               <a:t>User defined class들도 명시적으로 extends를 하지 않지만</a:t>
             </a:r>
           </a:p>
           <a:p>
-            <a:pPr/>
             <a:r>
               <a:t>자동으로 Object class의 descendant가 되는 것입니다</a:t>
             </a:r>
@@ -1205,7 +1186,7 @@
 </file>
 
 <file path=ppt/notesSlides/notesSlide4.xml><?xml version="1.0" encoding="utf-8"?>
-<p:notes xmlns:a="http://schemas.openxmlformats.org/drawingml/2006/main" xmlns:r="http://schemas.openxmlformats.org/officeDocument/2006/relationships" xmlns:p="http://schemas.openxmlformats.org/presentationml/2006/main" xmlns:m="http://schemas.openxmlformats.org/officeDocument/2006/math" xmlns:a14="http://schemas.microsoft.com/office/drawing/2010/main" showMasterSp="1" showMasterPhAnim="1">
+<p:notes xmlns:a="http://schemas.openxmlformats.org/drawingml/2006/main" xmlns:r="http://schemas.openxmlformats.org/officeDocument/2006/relationships" xmlns:p="http://schemas.openxmlformats.org/presentationml/2006/main">
   <p:cSld>
     <p:spTree>
       <p:nvGrpSpPr>
@@ -1224,7 +1205,9 @@
       <p:sp>
         <p:nvSpPr>
           <p:cNvPr id="60" name="Shape 60"/>
-          <p:cNvSpPr/>
+          <p:cNvSpPr>
+            <a:spLocks noGrp="1" noRot="1" noChangeAspect="1"/>
+          </p:cNvSpPr>
           <p:nvPr>
             <p:ph type="sldImg"/>
           </p:nvPr>
@@ -1238,14 +1221,16 @@
           <a:bodyPr/>
           <a:lstStyle/>
           <a:p>
-            <a:pPr/>
+            <a:endParaRPr/>
           </a:p>
         </p:txBody>
       </p:sp>
       <p:sp>
         <p:nvSpPr>
           <p:cNvPr id="61" name="Shape 61"/>
-          <p:cNvSpPr/>
+          <p:cNvSpPr>
+            <a:spLocks noGrp="1"/>
+          </p:cNvSpPr>
           <p:nvPr>
             <p:ph type="body" sz="quarter" idx="1"/>
           </p:nvPr>
@@ -1259,46 +1244,39 @@
           <a:bodyPr/>
           <a:lstStyle/>
           <a:p>
-            <a:pPr/>
             <a:r>
               <a:t>페이지 4</a:t>
             </a:r>
           </a:p>
           <a:p>
-            <a:pPr/>
-          </a:p>
-          <a:p>
-            <a:pPr/>
+            <a:endParaRPr/>
+          </a:p>
+          <a:p>
             <a:r>
               <a:t>Object class는 모든 class들이 상속받는 중요한 method들을 가지고 있습니다</a:t>
             </a:r>
           </a:p>
           <a:p>
-            <a:pPr/>
             <a:r>
               <a:t>우리는 이미 equals()와 toString()에 대해 알고 있습니다</a:t>
             </a:r>
           </a:p>
           <a:p>
-            <a:pPr/>
             <a:r>
               <a:t>equals()는 override되지 않는 다면 reference 값의 동일함 여부를 test하며</a:t>
             </a:r>
           </a:p>
           <a:p>
-            <a:pPr/>
             <a:r>
               <a:t>흔히 overriding되어 두 object의 내용이 같은지를 비교하는데 사용됩니다</a:t>
             </a:r>
           </a:p>
           <a:p>
-            <a:pPr/>
             <a:r>
               <a:t>toString()은 object에 대한 정보를 String으로 return하는데</a:t>
             </a:r>
           </a:p>
           <a:p>
-            <a:pPr/>
             <a:r>
               <a:t>주로 instance variable들의 value들을 정보로 포함하게 됩니다</a:t>
             </a:r>
@@ -1314,7 +1292,7 @@
 </file>
 
 <file path=ppt/notesSlides/notesSlide5.xml><?xml version="1.0" encoding="utf-8"?>
-<p:notes xmlns:a="http://schemas.openxmlformats.org/drawingml/2006/main" xmlns:r="http://schemas.openxmlformats.org/officeDocument/2006/relationships" xmlns:p="http://schemas.openxmlformats.org/presentationml/2006/main" xmlns:m="http://schemas.openxmlformats.org/officeDocument/2006/math" xmlns:a14="http://schemas.microsoft.com/office/drawing/2010/main" showMasterSp="1" showMasterPhAnim="1">
+<p:notes xmlns:a="http://schemas.openxmlformats.org/drawingml/2006/main" xmlns:r="http://schemas.openxmlformats.org/officeDocument/2006/relationships" xmlns:p="http://schemas.openxmlformats.org/presentationml/2006/main">
   <p:cSld>
     <p:spTree>
       <p:nvGrpSpPr>
@@ -1333,7 +1311,9 @@
       <p:sp>
         <p:nvSpPr>
           <p:cNvPr id="66" name="Shape 66"/>
-          <p:cNvSpPr/>
+          <p:cNvSpPr>
+            <a:spLocks noGrp="1" noRot="1" noChangeAspect="1"/>
+          </p:cNvSpPr>
           <p:nvPr>
             <p:ph type="sldImg"/>
           </p:nvPr>
@@ -1347,14 +1327,16 @@
           <a:bodyPr/>
           <a:lstStyle/>
           <a:p>
-            <a:pPr/>
+            <a:endParaRPr/>
           </a:p>
         </p:txBody>
       </p:sp>
       <p:sp>
         <p:nvSpPr>
           <p:cNvPr id="67" name="Shape 67"/>
-          <p:cNvSpPr/>
+          <p:cNvSpPr>
+            <a:spLocks noGrp="1"/>
+          </p:cNvSpPr>
           <p:nvPr>
             <p:ph type="body" sz="quarter" idx="1"/>
           </p:nvPr>
@@ -1368,100 +1350,84 @@
           <a:bodyPr/>
           <a:lstStyle/>
           <a:p>
-            <a:pPr/>
             <a:r>
               <a:t>페이지 5</a:t>
             </a:r>
           </a:p>
           <a:p>
-            <a:pPr/>
-          </a:p>
-          <a:p>
-            <a:pPr/>
+            <a:endParaRPr/>
+          </a:p>
+          <a:p>
             <a:r>
               <a:t>hashCode() methyod는 각 object마다 고유하게 가진 번호를 return합니다. </a:t>
             </a:r>
           </a:p>
           <a:p>
-            <a:pPr/>
             <a:r>
               <a:t>때문에 같은 object들은 같은 hashCode() 값을 return해야 합니다. </a:t>
             </a:r>
           </a:p>
           <a:p>
-            <a:pPr/>
             <a:r>
               <a:t>원래 대문자 Object class의 hashCode() 는 </a:t>
             </a:r>
           </a:p>
           <a:p>
-            <a:pPr/>
             <a:r>
               <a:t>그 object의 memory address를 return합니다.</a:t>
             </a:r>
           </a:p>
           <a:p>
-            <a:pPr/>
             <a:r>
               <a:t>hashCode()가 overriding 되면</a:t>
             </a:r>
           </a:p>
           <a:p>
-            <a:pPr/>
             <a:r>
               <a:t>해당 object의 instance variable 값들을 조합하여</a:t>
             </a:r>
           </a:p>
           <a:p>
-            <a:pPr/>
             <a:r>
               <a:t>새로운 hashCode 값을 만들어 냅니다. </a:t>
             </a:r>
           </a:p>
           <a:p>
-            <a:pPr/>
             <a:r>
               <a:t>hashCode() 는 주로 hash 기반의 collection들인 </a:t>
             </a:r>
           </a:p>
           <a:p>
-            <a:pPr/>
             <a:r>
               <a:t>HashMap, HashSet, HashTable 등에 주로 사용됩니다. </a:t>
             </a:r>
           </a:p>
           <a:p>
-            <a:pPr/>
             <a:r>
               <a:t>이 collection들에 대해서는 뒤의 Collections chapter에서 자세히 다룰 것입니다. </a:t>
             </a:r>
           </a:p>
           <a:p>
-            <a:pPr/>
             <a:r>
               <a:t>새로 만들어 내는 hashCode 값은 지금까지 나온 적이 없는</a:t>
             </a:r>
           </a:p>
           <a:p>
-            <a:pPr/>
             <a:r>
               <a:t>새로운 hashCode 값이 되는 것이 </a:t>
             </a:r>
           </a:p>
           <a:p>
-            <a:pPr/>
             <a:r>
               <a:t>hash 기반 collection에서 data 위치들의 충돌을 방지할 수 있기 때문에</a:t>
             </a:r>
           </a:p>
           <a:p>
-            <a:pPr/>
             <a:r>
               <a:t>prime number를 instance variable value에 곱하는 </a:t>
             </a:r>
           </a:p>
           <a:p>
-            <a:pPr/>
             <a:r>
               <a:t>기법을 자주 활용합니다. </a:t>
             </a:r>
@@ -1477,7 +1443,7 @@
 </file>
 
 <file path=ppt/notesSlides/notesSlide6.xml><?xml version="1.0" encoding="utf-8"?>
-<p:notes xmlns:a="http://schemas.openxmlformats.org/drawingml/2006/main" xmlns:r="http://schemas.openxmlformats.org/officeDocument/2006/relationships" xmlns:p="http://schemas.openxmlformats.org/presentationml/2006/main" xmlns:m="http://schemas.openxmlformats.org/officeDocument/2006/math" xmlns:a14="http://schemas.microsoft.com/office/drawing/2010/main" showMasterSp="1" showMasterPhAnim="1">
+<p:notes xmlns:a="http://schemas.openxmlformats.org/drawingml/2006/main" xmlns:r="http://schemas.openxmlformats.org/officeDocument/2006/relationships" xmlns:p="http://schemas.openxmlformats.org/presentationml/2006/main">
   <p:cSld>
     <p:spTree>
       <p:nvGrpSpPr>
@@ -1496,7 +1462,9 @@
       <p:sp>
         <p:nvSpPr>
           <p:cNvPr id="72" name="Shape 72"/>
-          <p:cNvSpPr/>
+          <p:cNvSpPr>
+            <a:spLocks noGrp="1" noRot="1" noChangeAspect="1"/>
+          </p:cNvSpPr>
           <p:nvPr>
             <p:ph type="sldImg"/>
           </p:nvPr>
@@ -1510,14 +1478,16 @@
           <a:bodyPr/>
           <a:lstStyle/>
           <a:p>
-            <a:pPr/>
+            <a:endParaRPr/>
           </a:p>
         </p:txBody>
       </p:sp>
       <p:sp>
         <p:nvSpPr>
           <p:cNvPr id="73" name="Shape 73"/>
-          <p:cNvSpPr/>
+          <p:cNvSpPr>
+            <a:spLocks noGrp="1"/>
+          </p:cNvSpPr>
           <p:nvPr>
             <p:ph type="body" sz="quarter" idx="1"/>
           </p:nvPr>
@@ -1531,58 +1501,50 @@
           <a:bodyPr/>
           <a:lstStyle/>
           <a:p>
-            <a:pPr/>
             <a:r>
               <a:t>페이지 6</a:t>
             </a:r>
           </a:p>
           <a:p>
-            <a:pPr/>
-          </a:p>
-          <a:p>
-            <a:pPr/>
+            <a:endParaRPr/>
+          </a:p>
+          <a:p>
             <a:r>
               <a:t>이제 Object를 상속받는 user defined class Person을 살펴보겠습니다</a:t>
             </a:r>
           </a:p>
           <a:p>
-            <a:pPr/>
             <a:r>
               <a:t>Person은 name과 age, 두 개의 private instance variable들을 가지고 있습니다</a:t>
             </a:r>
           </a:p>
           <a:p>
-            <a:pPr/>
             <a:r>
               <a:t>Constructor는 name과 age값을 parameter로 받아</a:t>
             </a:r>
           </a:p>
           <a:p>
-            <a:pPr/>
             <a:r>
               <a:t>instance variable들에 assign해 주고 있습니다. </a:t>
             </a:r>
           </a:p>
           <a:p>
-            <a:pPr/>
             <a:r>
               <a:t>Instance variable들이 private이기 때문에 </a:t>
             </a:r>
           </a:p>
           <a:p>
-            <a:pPr/>
             <a:r>
               <a:t>name을 위한 accessor method인 getName()과</a:t>
             </a:r>
           </a:p>
           <a:p>
-            <a:pPr/>
             <a:r>
               <a:t>age를 위한 accessor method인 getAge()가 존재합니다. </a:t>
             </a:r>
           </a:p>
           <a:p>
-            <a:pPr/>
+            <a:endParaRPr/>
           </a:p>
         </p:txBody>
       </p:sp>
@@ -1595,7 +1557,7 @@
 </file>
 
 <file path=ppt/notesSlides/notesSlide7.xml><?xml version="1.0" encoding="utf-8"?>
-<p:notes xmlns:a="http://schemas.openxmlformats.org/drawingml/2006/main" xmlns:r="http://schemas.openxmlformats.org/officeDocument/2006/relationships" xmlns:p="http://schemas.openxmlformats.org/presentationml/2006/main" xmlns:m="http://schemas.openxmlformats.org/officeDocument/2006/math" xmlns:a14="http://schemas.microsoft.com/office/drawing/2010/main" showMasterSp="1" showMasterPhAnim="1">
+<p:notes xmlns:a="http://schemas.openxmlformats.org/drawingml/2006/main" xmlns:r="http://schemas.openxmlformats.org/officeDocument/2006/relationships" xmlns:p="http://schemas.openxmlformats.org/presentationml/2006/main">
   <p:cSld>
     <p:spTree>
       <p:nvGrpSpPr>
@@ -1614,12 +1576,18 @@
       <p:sp>
         <p:nvSpPr>
           <p:cNvPr id="78" name="Shape 78"/>
-          <p:cNvSpPr/>
+          <p:cNvSpPr>
+            <a:spLocks noGrp="1" noRot="1" noChangeAspect="1"/>
+          </p:cNvSpPr>
           <p:nvPr>
             <p:ph type="sldImg"/>
           </p:nvPr>
         </p:nvSpPr>
         <p:spPr>
+          <a:xfrm>
+            <a:off x="381000" y="685800"/>
+            <a:ext cx="6096000" cy="3429000"/>
+          </a:xfrm>
           <a:prstGeom prst="rect">
             <a:avLst/>
           </a:prstGeom>
@@ -1628,14 +1596,16 @@
           <a:bodyPr/>
           <a:lstStyle/>
           <a:p>
-            <a:pPr/>
+            <a:endParaRPr/>
           </a:p>
         </p:txBody>
       </p:sp>
       <p:sp>
         <p:nvSpPr>
           <p:cNvPr id="79" name="Shape 79"/>
-          <p:cNvSpPr/>
+          <p:cNvSpPr>
+            <a:spLocks noGrp="1"/>
+          </p:cNvSpPr>
           <p:nvPr>
             <p:ph type="body" sz="quarter" idx="1"/>
           </p:nvPr>
@@ -1649,136 +1619,114 @@
           <a:bodyPr/>
           <a:lstStyle/>
           <a:p>
-            <a:pPr/>
             <a:r>
               <a:t>페이지 7</a:t>
             </a:r>
           </a:p>
           <a:p>
-            <a:pPr/>
-          </a:p>
-          <a:p>
-            <a:pPr/>
+            <a:endParaRPr/>
+          </a:p>
+          <a:p>
             <a:r>
               <a:t>equals method가 overriding되어 있습니다. </a:t>
             </a:r>
           </a:p>
           <a:p>
-            <a:pPr/>
             <a:r>
               <a:t>equals는 원래 Object class에 존재하던 대로</a:t>
             </a:r>
           </a:p>
           <a:p>
-            <a:pPr/>
             <a:r>
               <a:t>Object type parameter를 넘겨 받아야 합니다. </a:t>
             </a:r>
           </a:p>
           <a:p>
-            <a:pPr/>
             <a:r>
               <a:t>equals에서는 먼저 현재 object가 null인지와</a:t>
             </a:r>
           </a:p>
           <a:p>
-            <a:pPr/>
             <a:r>
               <a:t>현재 object의 getClass()와 other object의 getClass()가 </a:t>
             </a:r>
           </a:p>
           <a:p>
-            <a:pPr/>
             <a:r>
               <a:t>다른지를 test합니다. </a:t>
             </a:r>
           </a:p>
           <a:p>
-            <a:pPr/>
             <a:r>
               <a:t>만약 이 조건이 하나라도 만족한다면</a:t>
             </a:r>
           </a:p>
           <a:p>
-            <a:pPr/>
             <a:r>
               <a:t>this와 other는 내용을 볼 필요도 없이 다르다고 판단할 수 있기 때문에</a:t>
             </a:r>
           </a:p>
           <a:p>
-            <a:pPr/>
             <a:r>
               <a:t>false를 return하고 method를 끝냅니다. </a:t>
             </a:r>
           </a:p>
           <a:p>
-            <a:pPr/>
             <a:r>
               <a:t>그렇지 않다면 other는 Person class의 object일 것이므로</a:t>
             </a:r>
           </a:p>
           <a:p>
-            <a:pPr/>
             <a:r>
               <a:t>먼저 할 일은 large Object type인 other를 </a:t>
             </a:r>
           </a:p>
           <a:p>
-            <a:pPr/>
             <a:r>
               <a:t>Person class type으로 down casting 하는 것입니다. </a:t>
             </a:r>
           </a:p>
           <a:p>
-            <a:pPr/>
             <a:r>
               <a:t>이 down casting이 가능한 이유는 </a:t>
             </a:r>
           </a:p>
           <a:p>
-            <a:pPr/>
             <a:r>
               <a:t>위의 test에서 this.getClass()가 other.getClass()와 같다고 했고</a:t>
             </a:r>
           </a:p>
           <a:p>
-            <a:pPr/>
             <a:r>
               <a:t>따라서 other는 원래 Person class object로 생성된 것이기 때문입니다. </a:t>
             </a:r>
           </a:p>
           <a:p>
-            <a:pPr/>
             <a:r>
               <a:t>Down casting이 되었다면 이제 할일은</a:t>
             </a:r>
           </a:p>
           <a:p>
-            <a:pPr/>
             <a:r>
               <a:t>두 object들의 instance variable들의 값이 모두 같은지를 test하는 일 뿐입니다. </a:t>
             </a:r>
           </a:p>
           <a:p>
-            <a:pPr/>
             <a:r>
               <a:t>age가 같아야 하고, name이 둘다 null 이거나, </a:t>
             </a:r>
           </a:p>
           <a:p>
-            <a:pPr/>
             <a:r>
               <a:t>null이 아니라면 두 name이 같은지는 </a:t>
             </a:r>
           </a:p>
           <a:p>
-            <a:pPr/>
             <a:r>
               <a:t>이미 잘 정의되어 있는 String class의 equals method를 활용하여</a:t>
             </a:r>
           </a:p>
           <a:p>
-            <a:pPr/>
             <a:r>
               <a:t>알아보면 되겠습니다. </a:t>
             </a:r>
@@ -1794,7 +1742,7 @@
 </file>
 
 <file path=ppt/notesSlides/notesSlide8.xml><?xml version="1.0" encoding="utf-8"?>
-<p:notes xmlns:a="http://schemas.openxmlformats.org/drawingml/2006/main" xmlns:r="http://schemas.openxmlformats.org/officeDocument/2006/relationships" xmlns:p="http://schemas.openxmlformats.org/presentationml/2006/main" xmlns:m="http://schemas.openxmlformats.org/officeDocument/2006/math" xmlns:a14="http://schemas.microsoft.com/office/drawing/2010/main" showMasterSp="1" showMasterPhAnim="1">
+<p:notes xmlns:a="http://schemas.openxmlformats.org/drawingml/2006/main" xmlns:r="http://schemas.openxmlformats.org/officeDocument/2006/relationships" xmlns:p="http://schemas.openxmlformats.org/presentationml/2006/main">
   <p:cSld>
     <p:spTree>
       <p:nvGrpSpPr>
@@ -1813,12 +1761,18 @@
       <p:sp>
         <p:nvSpPr>
           <p:cNvPr id="84" name="Shape 84"/>
-          <p:cNvSpPr/>
+          <p:cNvSpPr>
+            <a:spLocks noGrp="1" noRot="1" noChangeAspect="1"/>
+          </p:cNvSpPr>
           <p:nvPr>
             <p:ph type="sldImg"/>
           </p:nvPr>
         </p:nvSpPr>
         <p:spPr>
+          <a:xfrm>
+            <a:off x="381000" y="685800"/>
+            <a:ext cx="6096000" cy="3429000"/>
+          </a:xfrm>
           <a:prstGeom prst="rect">
             <a:avLst/>
           </a:prstGeom>
@@ -1827,14 +1781,16 @@
           <a:bodyPr/>
           <a:lstStyle/>
           <a:p>
-            <a:pPr/>
+            <a:endParaRPr/>
           </a:p>
         </p:txBody>
       </p:sp>
       <p:sp>
         <p:nvSpPr>
           <p:cNvPr id="85" name="Shape 85"/>
-          <p:cNvSpPr/>
+          <p:cNvSpPr>
+            <a:spLocks noGrp="1"/>
+          </p:cNvSpPr>
           <p:nvPr>
             <p:ph type="body" sz="quarter" idx="1"/>
           </p:nvPr>
@@ -1848,52 +1804,44 @@
           <a:bodyPr/>
           <a:lstStyle/>
           <a:p>
-            <a:pPr/>
             <a:r>
               <a:t>페이지 8</a:t>
             </a:r>
           </a:p>
           <a:p>
-            <a:pPr/>
-          </a:p>
-          <a:p>
-            <a:pPr/>
+            <a:endParaRPr/>
+          </a:p>
+          <a:p>
             <a:r>
               <a:t>hashCode() 의 overriding은 처음 나오는 것인데요. </a:t>
             </a:r>
           </a:p>
           <a:p>
-            <a:pPr/>
             <a:r>
               <a:t>새로운 hashCode 값은 31 곱하기 name의 hashCode 더하기 age로 계산하였습니다. </a:t>
             </a:r>
           </a:p>
           <a:p>
-            <a:pPr/>
             <a:r>
               <a:t>여기서 31은 prime number로서 </a:t>
             </a:r>
           </a:p>
           <a:p>
-            <a:pPr/>
             <a:r>
               <a:t>이렇게 prime number를 instance variable 값에 곱해 줌으로써</a:t>
             </a:r>
           </a:p>
           <a:p>
-            <a:pPr/>
             <a:r>
               <a:t>서로 다른 object들의 hashCode가 같은 값이 나올 확률을 줄여줄 수 있습니다. </a:t>
             </a:r>
           </a:p>
           <a:p>
-            <a:pPr/>
             <a:r>
               <a:t>toString() 은 instance variable value들을 보여주도록 </a:t>
             </a:r>
           </a:p>
           <a:p>
-            <a:pPr/>
             <a:r>
               <a:t>overriding되었습니다. </a:t>
             </a:r>
@@ -1909,7 +1857,7 @@
 </file>
 
 <file path=ppt/notesSlides/notesSlide9.xml><?xml version="1.0" encoding="utf-8"?>
-<p:notes xmlns:a="http://schemas.openxmlformats.org/drawingml/2006/main" xmlns:r="http://schemas.openxmlformats.org/officeDocument/2006/relationships" xmlns:p="http://schemas.openxmlformats.org/presentationml/2006/main" xmlns:m="http://schemas.openxmlformats.org/officeDocument/2006/math" xmlns:a14="http://schemas.microsoft.com/office/drawing/2010/main" showMasterSp="1" showMasterPhAnim="1">
+<p:notes xmlns:a="http://schemas.openxmlformats.org/drawingml/2006/main" xmlns:r="http://schemas.openxmlformats.org/officeDocument/2006/relationships" xmlns:p="http://schemas.openxmlformats.org/presentationml/2006/main">
   <p:cSld>
     <p:spTree>
       <p:nvGrpSpPr>
@@ -1928,7 +1876,9 @@
       <p:sp>
         <p:nvSpPr>
           <p:cNvPr id="90" name="Shape 90"/>
-          <p:cNvSpPr/>
+          <p:cNvSpPr>
+            <a:spLocks noGrp="1" noRot="1" noChangeAspect="1"/>
+          </p:cNvSpPr>
           <p:nvPr>
             <p:ph type="sldImg"/>
           </p:nvPr>
@@ -1942,14 +1892,16 @@
           <a:bodyPr/>
           <a:lstStyle/>
           <a:p>
-            <a:pPr/>
+            <a:endParaRPr/>
           </a:p>
         </p:txBody>
       </p:sp>
       <p:sp>
         <p:nvSpPr>
           <p:cNvPr id="91" name="Shape 91"/>
-          <p:cNvSpPr/>
+          <p:cNvSpPr>
+            <a:spLocks noGrp="1"/>
+          </p:cNvSpPr>
           <p:nvPr>
             <p:ph type="body" sz="quarter" idx="1"/>
           </p:nvPr>
@@ -1963,58 +1915,51 @@
           <a:bodyPr/>
           <a:lstStyle/>
           <a:p>
-            <a:pPr/>
             <a:r>
               <a:t>페이지 9</a:t>
             </a:r>
           </a:p>
           <a:p>
-            <a:pPr/>
-          </a:p>
-          <a:p>
-            <a:pPr/>
+            <a:endParaRPr/>
+          </a:p>
+          <a:p>
             <a:r>
               <a:t>Person class를 test해 보는 code 입니다. </a:t>
             </a:r>
           </a:p>
           <a:p>
-            <a:pPr/>
             <a:r>
               <a:t>먼저 person1, person2, person3의 세 object들을 생성하였습니다. </a:t>
             </a:r>
           </a:p>
           <a:p>
-            <a:pPr/>
             <a:r>
               <a:t>person1과 person2는 equal하다고 나오고</a:t>
             </a:r>
           </a:p>
           <a:p>
-            <a:pPr/>
             <a:r>
               <a:t>person1과 person3는 equal하지 않다고 맞는 결과가 나오고 있습니다. </a:t>
             </a:r>
           </a:p>
           <a:p>
-            <a:pPr/>
             <a:r>
               <a:t>세 object들의 hashCode들도 모두 다르게 나와 충돌을 피하고 있습니다. </a:t>
             </a:r>
           </a:p>
           <a:p>
-            <a:pPr/>
             <a:r>
               <a:t>마지막으로 toString들을 test해 보았습니다. </a:t>
             </a:r>
           </a:p>
           <a:p>
-            <a:pPr/>
-          </a:p>
-          <a:p>
-            <a:pPr/>
-          </a:p>
-          <a:p>
-            <a:pPr/>
+            <a:endParaRPr/>
+          </a:p>
+          <a:p>
+            <a:endParaRPr/>
+          </a:p>
+          <a:p>
+            <a:endParaRPr/>
           </a:p>
         </p:txBody>
       </p:sp>
@@ -2027,7 +1972,7 @@
 </file>
 
 <file path=ppt/slideLayouts/slideLayout1.xml><?xml version="1.0" encoding="utf-8"?>
-<p:sldLayout xmlns:a="http://schemas.openxmlformats.org/drawingml/2006/main" xmlns:r="http://schemas.openxmlformats.org/officeDocument/2006/relationships" xmlns:p="http://schemas.openxmlformats.org/presentationml/2006/main" xmlns:m="http://schemas.openxmlformats.org/officeDocument/2006/math" xmlns:a14="http://schemas.microsoft.com/office/drawing/2010/main" type="title" showMasterSp="1" showMasterPhAnim="1">
+<p:sldLayout xmlns:a="http://schemas.openxmlformats.org/drawingml/2006/main" xmlns:r="http://schemas.openxmlformats.org/officeDocument/2006/relationships" xmlns:p="http://schemas.openxmlformats.org/presentationml/2006/main" type="title">
   <p:cSld name="제목 슬라이드">
     <p:spTree>
       <p:nvGrpSpPr>
@@ -2046,7 +1991,9 @@
       <p:sp>
         <p:nvSpPr>
           <p:cNvPr id="11" name="제목 텍스트"/>
-          <p:cNvSpPr txBox="1"/>
+          <p:cNvSpPr txBox="1">
+            <a:spLocks noGrp="1"/>
+          </p:cNvSpPr>
           <p:nvPr>
             <p:ph type="title"/>
           </p:nvPr>
@@ -2072,7 +2019,6 @@
             </a:lvl1pPr>
           </a:lstStyle>
           <a:p>
-            <a:pPr/>
             <a:r>
               <a:t>제목 텍스트</a:t>
             </a:r>
@@ -2082,7 +2028,9 @@
       <p:sp>
         <p:nvSpPr>
           <p:cNvPr id="12" name="본문 첫 번째 줄…"/>
-          <p:cNvSpPr txBox="1"/>
+          <p:cNvSpPr txBox="1">
+            <a:spLocks noGrp="1"/>
+          </p:cNvSpPr>
           <p:nvPr>
             <p:ph type="body" sz="quarter" idx="1"/>
           </p:nvPr>
@@ -2166,7 +2114,6 @@
             </a:lvl5pPr>
           </a:lstStyle>
           <a:p>
-            <a:pPr/>
             <a:r>
               <a:t>본문 첫 번째 줄</a:t>
             </a:r>
@@ -2200,7 +2147,9 @@
       <p:sp>
         <p:nvSpPr>
           <p:cNvPr id="13" name="슬라이드 번호"/>
-          <p:cNvSpPr txBox="1"/>
+          <p:cNvSpPr txBox="1">
+            <a:spLocks noGrp="1"/>
+          </p:cNvSpPr>
           <p:nvPr>
             <p:ph type="sldNum" sz="quarter" idx="2"/>
           </p:nvPr>
@@ -2214,8 +2163,10 @@
           <a:bodyPr/>
           <a:lstStyle/>
           <a:p>
-            <a:pPr/>
-            <a:fld id="{86CB4B4D-7CA3-9044-876B-883B54F8677D}" type="slidenum"/>
+            <a:fld id="{86CB4B4D-7CA3-9044-876B-883B54F8677D}" type="slidenum">
+              <a:t>‹#›</a:t>
+            </a:fld>
+            <a:endParaRPr/>
           </a:p>
         </p:txBody>
       </p:sp>
@@ -2224,12 +2175,12 @@
   <p:clrMapOvr>
     <a:masterClrMapping/>
   </p:clrMapOvr>
-  <p:transition xmlns:p14="http://schemas.microsoft.com/office/powerpoint/2010/main" spd="med" advClick="1"/>
+  <p:transition spd="med"/>
 </p:sldLayout>
 </file>
 
 <file path=ppt/slideLayouts/slideLayout2.xml><?xml version="1.0" encoding="utf-8"?>
-<p:sldLayout xmlns:a="http://schemas.openxmlformats.org/drawingml/2006/main" xmlns:r="http://schemas.openxmlformats.org/officeDocument/2006/relationships" xmlns:p="http://schemas.openxmlformats.org/presentationml/2006/main" xmlns:m="http://schemas.openxmlformats.org/officeDocument/2006/math" xmlns:a14="http://schemas.microsoft.com/office/drawing/2010/main" type="tx" showMasterSp="1" showMasterPhAnim="1">
+<p:sldLayout xmlns:a="http://schemas.openxmlformats.org/drawingml/2006/main" xmlns:r="http://schemas.openxmlformats.org/officeDocument/2006/relationships" xmlns:p="http://schemas.openxmlformats.org/presentationml/2006/main" type="tx">
   <p:cSld name="제목 및 내용">
     <p:spTree>
       <p:nvGrpSpPr>
@@ -2248,7 +2199,9 @@
       <p:sp>
         <p:nvSpPr>
           <p:cNvPr id="20" name="제목 텍스트"/>
-          <p:cNvSpPr txBox="1"/>
+          <p:cNvSpPr txBox="1">
+            <a:spLocks noGrp="1"/>
+          </p:cNvSpPr>
           <p:nvPr>
             <p:ph type="title"/>
           </p:nvPr>
@@ -2262,7 +2215,6 @@
           <a:bodyPr/>
           <a:lstStyle/>
           <a:p>
-            <a:pPr/>
             <a:r>
               <a:t>제목 텍스트</a:t>
             </a:r>
@@ -2272,7 +2224,9 @@
       <p:sp>
         <p:nvSpPr>
           <p:cNvPr id="21" name="본문 첫 번째 줄…"/>
-          <p:cNvSpPr txBox="1"/>
+          <p:cNvSpPr txBox="1">
+            <a:spLocks noGrp="1"/>
+          </p:cNvSpPr>
           <p:nvPr>
             <p:ph type="body" idx="1"/>
           </p:nvPr>
@@ -2286,7 +2240,6 @@
           <a:bodyPr/>
           <a:lstStyle/>
           <a:p>
-            <a:pPr/>
             <a:r>
               <a:t>본문 첫 번째 줄</a:t>
             </a:r>
@@ -2320,7 +2273,9 @@
       <p:sp>
         <p:nvSpPr>
           <p:cNvPr id="22" name="슬라이드 번호"/>
-          <p:cNvSpPr txBox="1"/>
+          <p:cNvSpPr txBox="1">
+            <a:spLocks noGrp="1"/>
+          </p:cNvSpPr>
           <p:nvPr>
             <p:ph type="sldNum" sz="quarter" idx="2"/>
           </p:nvPr>
@@ -2334,8 +2289,10 @@
           <a:bodyPr/>
           <a:lstStyle/>
           <a:p>
-            <a:pPr/>
-            <a:fld id="{86CB4B4D-7CA3-9044-876B-883B54F8677D}" type="slidenum"/>
+            <a:fld id="{86CB4B4D-7CA3-9044-876B-883B54F8677D}" type="slidenum">
+              <a:t>‹#›</a:t>
+            </a:fld>
+            <a:endParaRPr/>
           </a:p>
         </p:txBody>
       </p:sp>
@@ -2344,18 +2301,19 @@
   <p:clrMapOvr>
     <a:masterClrMapping/>
   </p:clrMapOvr>
-  <p:transition xmlns:p14="http://schemas.microsoft.com/office/powerpoint/2010/main" spd="med" advClick="1"/>
+  <p:transition spd="med"/>
 </p:sldLayout>
 </file>
 
 <file path=ppt/slideMasters/slideMaster1.xml><?xml version="1.0" encoding="utf-8"?>
-<p:sldMaster xmlns:a="http://schemas.openxmlformats.org/drawingml/2006/main" xmlns:r="http://schemas.openxmlformats.org/officeDocument/2006/relationships" xmlns:p="http://schemas.openxmlformats.org/presentationml/2006/main" xmlns:m="http://schemas.openxmlformats.org/officeDocument/2006/math" xmlns:a14="http://schemas.microsoft.com/office/drawing/2010/main">
+<p:sldMaster xmlns:a="http://schemas.openxmlformats.org/drawingml/2006/main" xmlns:r="http://schemas.openxmlformats.org/officeDocument/2006/relationships" xmlns:p="http://schemas.openxmlformats.org/presentationml/2006/main">
   <p:cSld>
     <p:bg>
       <p:bgPr>
         <a:solidFill>
           <a:srgbClr val="FFFFFF"/>
         </a:solidFill>
+        <a:effectLst/>
       </p:bgPr>
     </p:bg>
     <p:spTree>
@@ -2375,7 +2333,9 @@
       <p:sp>
         <p:nvSpPr>
           <p:cNvPr id="2" name="제목 텍스트"/>
-          <p:cNvSpPr txBox="1"/>
+          <p:cNvSpPr txBox="1">
+            <a:spLocks noGrp="1"/>
+          </p:cNvSpPr>
           <p:nvPr>
             <p:ph type="title"/>
           </p:nvPr>
@@ -2393,17 +2353,16 @@
           </a:ln>
           <a:extLst>
             <a:ext uri="{C572A759-6A51-4108-AA02-DFA0A04FC94B}">
-              <ma14:wrappingTextBoxFlag xmlns:ma14="http://schemas.microsoft.com/office/mac/drawingml/2011/main" val="1"/>
+              <ma14:wrappingTextBoxFlag xmlns:ma14="http://schemas.microsoft.com/office/mac/drawingml/2011/main" xmlns:a14="http://schemas.microsoft.com/office/drawing/2010/main" xmlns:m="http://schemas.openxmlformats.org/officeDocument/2006/math" xmlns="" val="1"/>
             </a:ext>
           </a:extLst>
         </p:spPr>
         <p:txBody>
           <a:bodyPr lIns="45718" tIns="45718" rIns="45718" bIns="45718" anchor="ctr">
-            <a:normAutofit fontScale="100000" lnSpcReduction="0"/>
+            <a:normAutofit/>
           </a:bodyPr>
           <a:lstStyle/>
           <a:p>
-            <a:pPr/>
             <a:r>
               <a:t>제목 텍스트</a:t>
             </a:r>
@@ -2413,7 +2372,9 @@
       <p:sp>
         <p:nvSpPr>
           <p:cNvPr id="3" name="본문 첫 번째 줄…"/>
-          <p:cNvSpPr txBox="1"/>
+          <p:cNvSpPr txBox="1">
+            <a:spLocks noGrp="1"/>
+          </p:cNvSpPr>
           <p:nvPr>
             <p:ph type="body" idx="1"/>
           </p:nvPr>
@@ -2431,17 +2392,16 @@
           </a:ln>
           <a:extLst>
             <a:ext uri="{C572A759-6A51-4108-AA02-DFA0A04FC94B}">
-              <ma14:wrappingTextBoxFlag xmlns:ma14="http://schemas.microsoft.com/office/mac/drawingml/2011/main" val="1"/>
+              <ma14:wrappingTextBoxFlag xmlns:ma14="http://schemas.microsoft.com/office/mac/drawingml/2011/main" xmlns:a14="http://schemas.microsoft.com/office/drawing/2010/main" xmlns:m="http://schemas.openxmlformats.org/officeDocument/2006/math" xmlns="" val="1"/>
             </a:ext>
           </a:extLst>
         </p:spPr>
         <p:txBody>
           <a:bodyPr lIns="45718" tIns="45718" rIns="45718" bIns="45718">
-            <a:normAutofit fontScale="100000" lnSpcReduction="0"/>
+            <a:normAutofit/>
           </a:bodyPr>
           <a:lstStyle/>
           <a:p>
-            <a:pPr/>
             <a:r>
               <a:t>본문 첫 번째 줄</a:t>
             </a:r>
@@ -2475,7 +2435,9 @@
       <p:sp>
         <p:nvSpPr>
           <p:cNvPr id="4" name="슬라이드 번호"/>
-          <p:cNvSpPr txBox="1"/>
+          <p:cNvSpPr txBox="1">
+            <a:spLocks noGrp="1"/>
+          </p:cNvSpPr>
           <p:nvPr>
             <p:ph type="sldNum" sz="quarter" idx="2"/>
           </p:nvPr>
@@ -2510,8 +2472,10 @@
             </a:lvl1pPr>
           </a:lstStyle>
           <a:p>
-            <a:pPr/>
-            <a:fld id="{86CB4B4D-7CA3-9044-876B-883B54F8677D}" type="slidenum"/>
+            <a:fld id="{86CB4B4D-7CA3-9044-876B-883B54F8677D}" type="slidenum">
+              <a:t>‹#›</a:t>
+            </a:fld>
+            <a:endParaRPr/>
           </a:p>
         </p:txBody>
       </p:sp>
@@ -2519,10 +2483,10 @@
   </p:cSld>
   <p:clrMap bg1="lt1" tx1="dk1" bg2="lt2" tx2="dk2" accent1="accent1" accent2="accent2" accent3="accent3" accent4="accent4" accent5="accent5" accent6="accent6" hlink="hlink" folHlink="folHlink"/>
   <p:sldLayoutIdLst>
-    <p:sldLayoutId id="2147483649" r:id="rId2"/>
-    <p:sldLayoutId id="2147483650" r:id="rId3"/>
+    <p:sldLayoutId id="2147483649" r:id="rId1"/>
+    <p:sldLayoutId id="2147483650" r:id="rId2"/>
   </p:sldLayoutIdLst>
-  <p:transition xmlns:p14="http://schemas.microsoft.com/office/powerpoint/2010/main" spd="med" advClick="1"/>
+  <p:transition spd="med"/>
   <p:txStyles>
     <p:titleStyle>
       <a:lvl1pPr marL="0" marR="0" indent="0" algn="l" defTabSz="914400" rtl="0" latinLnBrk="0">
@@ -2540,7 +2504,7 @@
         <a:buFontTx/>
         <a:buNone/>
         <a:tabLst/>
-        <a:defRPr b="1" baseline="0" cap="none" i="0" spc="0" strike="noStrike" sz="3600" u="none">
+        <a:defRPr sz="3600" b="1" i="0" u="none" strike="noStrike" cap="none" spc="0" baseline="0">
           <a:solidFill>
             <a:srgbClr val="484848"/>
           </a:solidFill>
@@ -2566,7 +2530,7 @@
         <a:buFontTx/>
         <a:buNone/>
         <a:tabLst/>
-        <a:defRPr b="1" baseline="0" cap="none" i="0" spc="0" strike="noStrike" sz="3600" u="none">
+        <a:defRPr sz="3600" b="1" i="0" u="none" strike="noStrike" cap="none" spc="0" baseline="0">
           <a:solidFill>
             <a:srgbClr val="484848"/>
           </a:solidFill>
@@ -2592,7 +2556,7 @@
         <a:buFontTx/>
         <a:buNone/>
         <a:tabLst/>
-        <a:defRPr b="1" baseline="0" cap="none" i="0" spc="0" strike="noStrike" sz="3600" u="none">
+        <a:defRPr sz="3600" b="1" i="0" u="none" strike="noStrike" cap="none" spc="0" baseline="0">
           <a:solidFill>
             <a:srgbClr val="484848"/>
           </a:solidFill>
@@ -2618,7 +2582,7 @@
         <a:buFontTx/>
         <a:buNone/>
         <a:tabLst/>
-        <a:defRPr b="1" baseline="0" cap="none" i="0" spc="0" strike="noStrike" sz="3600" u="none">
+        <a:defRPr sz="3600" b="1" i="0" u="none" strike="noStrike" cap="none" spc="0" baseline="0">
           <a:solidFill>
             <a:srgbClr val="484848"/>
           </a:solidFill>
@@ -2644,7 +2608,7 @@
         <a:buFontTx/>
         <a:buNone/>
         <a:tabLst/>
-        <a:defRPr b="1" baseline="0" cap="none" i="0" spc="0" strike="noStrike" sz="3600" u="none">
+        <a:defRPr sz="3600" b="1" i="0" u="none" strike="noStrike" cap="none" spc="0" baseline="0">
           <a:solidFill>
             <a:srgbClr val="484848"/>
           </a:solidFill>
@@ -2670,7 +2634,7 @@
         <a:buFontTx/>
         <a:buNone/>
         <a:tabLst/>
-        <a:defRPr b="1" baseline="0" cap="none" i="0" spc="0" strike="noStrike" sz="3600" u="none">
+        <a:defRPr sz="3600" b="1" i="0" u="none" strike="noStrike" cap="none" spc="0" baseline="0">
           <a:solidFill>
             <a:srgbClr val="484848"/>
           </a:solidFill>
@@ -2696,7 +2660,7 @@
         <a:buFontTx/>
         <a:buNone/>
         <a:tabLst/>
-        <a:defRPr b="1" baseline="0" cap="none" i="0" spc="0" strike="noStrike" sz="3600" u="none">
+        <a:defRPr sz="3600" b="1" i="0" u="none" strike="noStrike" cap="none" spc="0" baseline="0">
           <a:solidFill>
             <a:srgbClr val="484848"/>
           </a:solidFill>
@@ -2722,7 +2686,7 @@
         <a:buFontTx/>
         <a:buNone/>
         <a:tabLst/>
-        <a:defRPr b="1" baseline="0" cap="none" i="0" spc="0" strike="noStrike" sz="3600" u="none">
+        <a:defRPr sz="3600" b="1" i="0" u="none" strike="noStrike" cap="none" spc="0" baseline="0">
           <a:solidFill>
             <a:srgbClr val="484848"/>
           </a:solidFill>
@@ -2748,7 +2712,7 @@
         <a:buFontTx/>
         <a:buNone/>
         <a:tabLst/>
-        <a:defRPr b="1" baseline="0" cap="none" i="0" spc="0" strike="noStrike" sz="3600" u="none">
+        <a:defRPr sz="3600" b="1" i="0" u="none" strike="noStrike" cap="none" spc="0" baseline="0">
           <a:solidFill>
             <a:srgbClr val="484848"/>
           </a:solidFill>
@@ -2776,7 +2740,7 @@
         <a:buFont typeface="Arial"/>
         <a:buChar char="•"/>
         <a:tabLst/>
-        <a:defRPr b="0" baseline="0" cap="none" i="0" spc="0" strike="noStrike" sz="2400" u="none">
+        <a:defRPr sz="2400" b="0" i="0" u="none" strike="noStrike" cap="none" spc="0" baseline="0">
           <a:solidFill>
             <a:srgbClr val="464646"/>
           </a:solidFill>
@@ -2802,7 +2766,7 @@
         <a:buFont typeface="Arial"/>
         <a:buChar char="◦"/>
         <a:tabLst/>
-        <a:defRPr b="0" baseline="0" cap="none" i="0" spc="0" strike="noStrike" sz="2400" u="none">
+        <a:defRPr sz="2400" b="0" i="0" u="none" strike="noStrike" cap="none" spc="0" baseline="0">
           <a:solidFill>
             <a:srgbClr val="464646"/>
           </a:solidFill>
@@ -2828,7 +2792,7 @@
         <a:buFont typeface="Arial"/>
         <a:buChar char="▪"/>
         <a:tabLst/>
-        <a:defRPr b="0" baseline="0" cap="none" i="0" spc="0" strike="noStrike" sz="2400" u="none">
+        <a:defRPr sz="2400" b="0" i="0" u="none" strike="noStrike" cap="none" spc="0" baseline="0">
           <a:solidFill>
             <a:srgbClr val="464646"/>
           </a:solidFill>
@@ -2854,7 +2818,7 @@
         <a:buFont typeface="Arial"/>
         <a:buChar char="–"/>
         <a:tabLst/>
-        <a:defRPr b="0" baseline="0" cap="none" i="0" spc="0" strike="noStrike" sz="2400" u="none">
+        <a:defRPr sz="2400" b="0" i="0" u="none" strike="noStrike" cap="none" spc="0" baseline="0">
           <a:solidFill>
             <a:srgbClr val="464646"/>
           </a:solidFill>
@@ -2880,7 +2844,7 @@
         <a:buFont typeface="Arial"/>
         <a:buChar char="»"/>
         <a:tabLst/>
-        <a:defRPr b="0" baseline="0" cap="none" i="0" spc="0" strike="noStrike" sz="2400" u="none">
+        <a:defRPr sz="2400" b="0" i="0" u="none" strike="noStrike" cap="none" spc="0" baseline="0">
           <a:solidFill>
             <a:srgbClr val="464646"/>
           </a:solidFill>
@@ -2906,7 +2870,7 @@
         <a:buFont typeface="Arial"/>
         <a:buChar char="•"/>
         <a:tabLst/>
-        <a:defRPr b="0" baseline="0" cap="none" i="0" spc="0" strike="noStrike" sz="2400" u="none">
+        <a:defRPr sz="2400" b="0" i="0" u="none" strike="noStrike" cap="none" spc="0" baseline="0">
           <a:solidFill>
             <a:srgbClr val="464646"/>
           </a:solidFill>
@@ -2932,7 +2896,7 @@
         <a:buFont typeface="Arial"/>
         <a:buChar char="•"/>
         <a:tabLst/>
-        <a:defRPr b="0" baseline="0" cap="none" i="0" spc="0" strike="noStrike" sz="2400" u="none">
+        <a:defRPr sz="2400" b="0" i="0" u="none" strike="noStrike" cap="none" spc="0" baseline="0">
           <a:solidFill>
             <a:srgbClr val="464646"/>
           </a:solidFill>
@@ -2958,7 +2922,7 @@
         <a:buFont typeface="Arial"/>
         <a:buChar char="•"/>
         <a:tabLst/>
-        <a:defRPr b="0" baseline="0" cap="none" i="0" spc="0" strike="noStrike" sz="2400" u="none">
+        <a:defRPr sz="2400" b="0" i="0" u="none" strike="noStrike" cap="none" spc="0" baseline="0">
           <a:solidFill>
             <a:srgbClr val="464646"/>
           </a:solidFill>
@@ -2984,7 +2948,7 @@
         <a:buFont typeface="Arial"/>
         <a:buChar char="•"/>
         <a:tabLst/>
-        <a:defRPr b="0" baseline="0" cap="none" i="0" spc="0" strike="noStrike" sz="2400" u="none">
+        <a:defRPr sz="2400" b="0" i="0" u="none" strike="noStrike" cap="none" spc="0" baseline="0">
           <a:solidFill>
             <a:srgbClr val="464646"/>
           </a:solidFill>
@@ -3012,7 +2976,7 @@
         <a:buFontTx/>
         <a:buNone/>
         <a:tabLst/>
-        <a:defRPr b="0" baseline="0" cap="none" i="0" spc="0" strike="noStrike" sz="1000" u="none">
+        <a:defRPr sz="1000" b="0" i="0" u="none" strike="noStrike" cap="none" spc="0" baseline="0">
           <a:solidFill>
             <a:schemeClr val="tx1"/>
           </a:solidFill>
@@ -3038,7 +3002,7 @@
         <a:buFontTx/>
         <a:buNone/>
         <a:tabLst/>
-        <a:defRPr b="0" baseline="0" cap="none" i="0" spc="0" strike="noStrike" sz="1000" u="none">
+        <a:defRPr sz="1000" b="0" i="0" u="none" strike="noStrike" cap="none" spc="0" baseline="0">
           <a:solidFill>
             <a:schemeClr val="tx1"/>
           </a:solidFill>
@@ -3064,7 +3028,7 @@
         <a:buFontTx/>
         <a:buNone/>
         <a:tabLst/>
-        <a:defRPr b="0" baseline="0" cap="none" i="0" spc="0" strike="noStrike" sz="1000" u="none">
+        <a:defRPr sz="1000" b="0" i="0" u="none" strike="noStrike" cap="none" spc="0" baseline="0">
           <a:solidFill>
             <a:schemeClr val="tx1"/>
           </a:solidFill>
@@ -3090,7 +3054,7 @@
         <a:buFontTx/>
         <a:buNone/>
         <a:tabLst/>
-        <a:defRPr b="0" baseline="0" cap="none" i="0" spc="0" strike="noStrike" sz="1000" u="none">
+        <a:defRPr sz="1000" b="0" i="0" u="none" strike="noStrike" cap="none" spc="0" baseline="0">
           <a:solidFill>
             <a:schemeClr val="tx1"/>
           </a:solidFill>
@@ -3116,7 +3080,7 @@
         <a:buFontTx/>
         <a:buNone/>
         <a:tabLst/>
-        <a:defRPr b="0" baseline="0" cap="none" i="0" spc="0" strike="noStrike" sz="1000" u="none">
+        <a:defRPr sz="1000" b="0" i="0" u="none" strike="noStrike" cap="none" spc="0" baseline="0">
           <a:solidFill>
             <a:schemeClr val="tx1"/>
           </a:solidFill>
@@ -3142,7 +3106,7 @@
         <a:buFontTx/>
         <a:buNone/>
         <a:tabLst/>
-        <a:defRPr b="0" baseline="0" cap="none" i="0" spc="0" strike="noStrike" sz="1000" u="none">
+        <a:defRPr sz="1000" b="0" i="0" u="none" strike="noStrike" cap="none" spc="0" baseline="0">
           <a:solidFill>
             <a:schemeClr val="tx1"/>
           </a:solidFill>
@@ -3168,7 +3132,7 @@
         <a:buFontTx/>
         <a:buNone/>
         <a:tabLst/>
-        <a:defRPr b="0" baseline="0" cap="none" i="0" spc="0" strike="noStrike" sz="1000" u="none">
+        <a:defRPr sz="1000" b="0" i="0" u="none" strike="noStrike" cap="none" spc="0" baseline="0">
           <a:solidFill>
             <a:schemeClr val="tx1"/>
           </a:solidFill>
@@ -3194,7 +3158,7 @@
         <a:buFontTx/>
         <a:buNone/>
         <a:tabLst/>
-        <a:defRPr b="0" baseline="0" cap="none" i="0" spc="0" strike="noStrike" sz="1000" u="none">
+        <a:defRPr sz="1000" b="0" i="0" u="none" strike="noStrike" cap="none" spc="0" baseline="0">
           <a:solidFill>
             <a:schemeClr val="tx1"/>
           </a:solidFill>
@@ -3220,7 +3184,7 @@
         <a:buFontTx/>
         <a:buNone/>
         <a:tabLst/>
-        <a:defRPr b="0" baseline="0" cap="none" i="0" spc="0" strike="noStrike" sz="1000" u="none">
+        <a:defRPr sz="1000" b="0" i="0" u="none" strike="noStrike" cap="none" spc="0" baseline="0">
           <a:solidFill>
             <a:schemeClr val="tx1"/>
           </a:solidFill>
@@ -3237,7 +3201,7 @@
 </file>
 
 <file path=ppt/slides/slide1.xml><?xml version="1.0" encoding="utf-8"?>
-<p:sld xmlns:a="http://schemas.openxmlformats.org/drawingml/2006/main" xmlns:r="http://schemas.openxmlformats.org/officeDocument/2006/relationships" xmlns:p="http://schemas.openxmlformats.org/presentationml/2006/main" xmlns:m="http://schemas.openxmlformats.org/officeDocument/2006/math" xmlns:a14="http://schemas.microsoft.com/office/drawing/2010/main" showMasterSp="1" showMasterPhAnim="1">
+<p:sld xmlns:a="http://schemas.openxmlformats.org/drawingml/2006/main" xmlns:r="http://schemas.openxmlformats.org/officeDocument/2006/relationships" xmlns:p="http://schemas.openxmlformats.org/presentationml/2006/main">
   <p:cSld>
     <p:spTree>
       <p:nvGrpSpPr>
@@ -3256,7 +3220,9 @@
       <p:sp>
         <p:nvSpPr>
           <p:cNvPr id="31" name="Rectangle 6"/>
-          <p:cNvSpPr txBox="1"/>
+          <p:cNvSpPr txBox="1">
+            <a:spLocks noGrp="1"/>
+          </p:cNvSpPr>
           <p:nvPr>
             <p:ph type="ctrTitle"/>
           </p:nvPr>
@@ -3274,7 +3240,6 @@
           <a:bodyPr/>
           <a:lstStyle/>
           <a:p>
-            <a:pPr/>
             <a:r>
               <a:t>09_1 Object Class</a:t>
             </a:r>
@@ -3284,7 +3249,9 @@
       <p:sp>
         <p:nvSpPr>
           <p:cNvPr id="32" name="Subtitle 3"/>
-          <p:cNvSpPr txBox="1"/>
+          <p:cNvSpPr txBox="1">
+            <a:spLocks noGrp="1"/>
+          </p:cNvSpPr>
           <p:nvPr>
             <p:ph type="subTitle" sz="quarter" idx="1"/>
           </p:nvPr>
@@ -3302,7 +3269,6 @@
           <a:bodyPr/>
           <a:lstStyle/>
           <a:p>
-            <a:pPr/>
             <a:r>
               <a:t>Object-Oriented Programming</a:t>
             </a:r>
@@ -3314,12 +3280,12 @@
   <p:clrMapOvr>
     <a:masterClrMapping/>
   </p:clrMapOvr>
-  <p:transition xmlns:p14="http://schemas.microsoft.com/office/powerpoint/2010/main" spd="med" advClick="1"/>
+  <p:transition spd="med"/>
 </p:sld>
 </file>
 
 <file path=ppt/slides/slide10.xml><?xml version="1.0" encoding="utf-8"?>
-<p:sld xmlns:a="http://schemas.openxmlformats.org/drawingml/2006/main" xmlns:r="http://schemas.openxmlformats.org/officeDocument/2006/relationships" xmlns:p="http://schemas.openxmlformats.org/presentationml/2006/main" xmlns:m="http://schemas.openxmlformats.org/officeDocument/2006/math" xmlns:a14="http://schemas.microsoft.com/office/drawing/2010/main" showMasterSp="1" showMasterPhAnim="1">
+<p:sld xmlns:a="http://schemas.openxmlformats.org/drawingml/2006/main" xmlns:r="http://schemas.openxmlformats.org/officeDocument/2006/relationships" xmlns:p="http://schemas.openxmlformats.org/presentationml/2006/main">
   <p:cSld>
     <p:spTree>
       <p:nvGrpSpPr>
@@ -3338,7 +3304,9 @@
       <p:sp>
         <p:nvSpPr>
           <p:cNvPr id="93" name="제목 1"/>
-          <p:cNvSpPr txBox="1"/>
+          <p:cNvSpPr txBox="1">
+            <a:spLocks noGrp="1"/>
+          </p:cNvSpPr>
           <p:nvPr>
             <p:ph type="title"/>
           </p:nvPr>
@@ -3356,7 +3324,6 @@
           <a:bodyPr/>
           <a:lstStyle/>
           <a:p>
-            <a:pPr/>
             <a:r>
               <a:t>Example) EqualsWithPolymorphism (1/3)</a:t>
             </a:r>
@@ -3366,7 +3333,9 @@
       <p:sp>
         <p:nvSpPr>
           <p:cNvPr id="94" name="슬라이드 번호 개체 틀 3"/>
-          <p:cNvSpPr txBox="1"/>
+          <p:cNvSpPr txBox="1">
+            <a:spLocks noGrp="1"/>
+          </p:cNvSpPr>
           <p:nvPr>
             <p:ph type="sldNum" sz="quarter" idx="2"/>
           </p:nvPr>
@@ -3381,7 +3350,7 @@
           </a:prstGeom>
           <a:extLst>
             <a:ext uri="{C572A759-6A51-4108-AA02-DFA0A04FC94B}">
-              <ma14:wrappingTextBoxFlag xmlns:ma14="http://schemas.microsoft.com/office/mac/drawingml/2011/main" val="1"/>
+              <ma14:wrappingTextBoxFlag xmlns:ma14="http://schemas.microsoft.com/office/mac/drawingml/2011/main" xmlns:a14="http://schemas.microsoft.com/office/drawing/2010/main" xmlns:m="http://schemas.openxmlformats.org/officeDocument/2006/math" xmlns="" val="1"/>
             </a:ext>
           </a:extLst>
         </p:spPr>
@@ -3389,8 +3358,11 @@
           <a:bodyPr/>
           <a:lstStyle/>
           <a:p>
-            <a:pPr/>
-            <a:fld id="{86CB4B4D-7CA3-9044-876B-883B54F8677D}" type="slidenum"/>
+            <a:fld id="{86CB4B4D-7CA3-9044-876B-883B54F8677D}" type="slidenum">
+              <a:rPr/>
+              <a:t>10</a:t>
+            </a:fld>
+            <a:endParaRPr/>
           </a:p>
         </p:txBody>
       </p:sp>
@@ -3415,7 +3387,7 @@
           </a:ln>
           <a:extLst>
             <a:ext uri="{C572A759-6A51-4108-AA02-DFA0A04FC94B}">
-              <ma14:wrappingTextBoxFlag xmlns:ma14="http://schemas.microsoft.com/office/mac/drawingml/2011/main" val="1"/>
+              <ma14:wrappingTextBoxFlag xmlns:ma14="http://schemas.microsoft.com/office/mac/drawingml/2011/main" xmlns:a14="http://schemas.microsoft.com/office/drawing/2010/main" xmlns:m="http://schemas.openxmlformats.org/officeDocument/2006/math" xmlns="" val="1"/>
             </a:ext>
           </a:extLst>
         </p:spPr>
@@ -3510,6 +3482,12 @@
                 <a:sym typeface="Menlo Regular"/>
               </a:defRPr>
             </a:pPr>
+            <a:endParaRPr>
+              <a:latin typeface="나눔스퀘어OTF Regular"/>
+              <a:ea typeface="나눔스퀘어OTF Regular"/>
+              <a:cs typeface="나눔스퀘어OTF Regular"/>
+              <a:sym typeface="나눔스퀘어OTF Regular"/>
+            </a:endParaRPr>
           </a:p>
           <a:p>
             <a:pPr>
@@ -3967,7 +3945,7 @@
           </a:ln>
           <a:extLst>
             <a:ext uri="{C572A759-6A51-4108-AA02-DFA0A04FC94B}">
-              <ma14:wrappingTextBoxFlag xmlns:ma14="http://schemas.microsoft.com/office/mac/drawingml/2011/main" val="1"/>
+              <ma14:wrappingTextBoxFlag xmlns:ma14="http://schemas.microsoft.com/office/mac/drawingml/2011/main" xmlns:a14="http://schemas.microsoft.com/office/drawing/2010/main" xmlns:m="http://schemas.openxmlformats.org/officeDocument/2006/math" xmlns="" val="1"/>
             </a:ext>
           </a:extLst>
         </p:spPr>
@@ -4044,14 +4022,14 @@
   <p:clrMapOvr>
     <a:masterClrMapping/>
   </p:clrMapOvr>
-  <p:transition xmlns:p14="http://schemas.microsoft.com/office/powerpoint/2010/main" spd="med" advClick="1"/>
+  <p:transition spd="med"/>
   <p:timing>
     <p:tnLst>
       <p:par>
-        <p:cTn id="1" nodeType="tmRoot" restart="never" dur="indefinite" fill="hold">
+        <p:cTn id="1" dur="indefinite" restart="never" fill="hold" nodeType="tmRoot">
           <p:childTnLst>
             <p:seq concurrent="1" prevAc="none" nextAc="seek">
-              <p:cTn id="2" nodeType="mainSeq" dur="indefinite" fill="hold">
+              <p:cTn id="2" dur="indefinite" fill="hold" nodeType="mainSeq">
                 <p:childTnLst>
                   <p:par>
                     <p:cTn id="3" fill="hold">
@@ -4066,11 +4044,11 @@
                             </p:stCondLst>
                             <p:childTnLst>
                               <p:par>
-                                <p:cTn id="5" presetClass="entr" nodeType="clickEffect" presetSubtype="0" presetID="1" grpId="1" fill="hold">
+                                <p:cTn id="5" presetID="1" presetClass="entr" presetSubtype="0" fill="hold" grpId="1" nodeType="clickEffect">
                                   <p:stCondLst>
                                     <p:cond delay="0"/>
                                   </p:stCondLst>
-                                  <p:iterate type="el" backwards="0">
+                                  <p:iterate>
                                     <p:tmAbs val="0"/>
                                   </p:iterate>
                                   <p:childTnLst>
@@ -4110,11 +4088,11 @@
                             </p:stCondLst>
                             <p:childTnLst>
                               <p:par>
-                                <p:cTn id="9" presetClass="entr" nodeType="clickEffect" presetSubtype="0" presetID="1" grpId="2" fill="hold">
+                                <p:cTn id="9" presetID="1" presetClass="entr" presetSubtype="0" fill="hold" grpId="2" nodeType="clickEffect">
                                   <p:stCondLst>
                                     <p:cond delay="0"/>
                                   </p:stCondLst>
-                                  <p:iterate type="el" backwards="0">
+                                  <p:iterate>
                                     <p:tmAbs val="0"/>
                                   </p:iterate>
                                   <p:childTnLst>
@@ -4138,11 +4116,11 @@
                                 </p:cTn>
                               </p:par>
                               <p:par>
-                                <p:cTn id="11" presetClass="entr" nodeType="withEffect" presetSubtype="0" presetID="1" grpId="2" fill="hold">
+                                <p:cTn id="11" presetID="1" presetClass="entr" presetSubtype="0" fill="hold" grpId="2" nodeType="withEffect">
                                   <p:stCondLst>
                                     <p:cond delay="0"/>
                                   </p:stCondLst>
-                                  <p:iterate type="el" backwards="0">
+                                  <p:iterate>
                                     <p:tmAbs val="0"/>
                                   </p:iterate>
                                   <p:childTnLst>
@@ -4177,11 +4155,11 @@
                             </p:stCondLst>
                             <p:childTnLst>
                               <p:par>
-                                <p:cTn id="14" presetClass="entr" nodeType="afterEffect" presetSubtype="0" presetID="1" grpId="2" fill="hold">
+                                <p:cTn id="14" presetID="1" presetClass="entr" presetSubtype="0" fill="hold" grpId="2" nodeType="afterEffect">
                                   <p:stCondLst>
                                     <p:cond delay="0"/>
                                   </p:stCondLst>
-                                  <p:iterate type="el" backwards="0">
+                                  <p:iterate>
                                     <p:tmAbs val="0"/>
                                   </p:iterate>
                                   <p:childTnLst>
@@ -4216,11 +4194,11 @@
                             </p:stCondLst>
                             <p:childTnLst>
                               <p:par>
-                                <p:cTn id="17" presetClass="entr" nodeType="afterEffect" presetSubtype="0" presetID="1" grpId="2" fill="hold">
+                                <p:cTn id="17" presetID="1" presetClass="entr" presetSubtype="0" fill="hold" grpId="2" nodeType="afterEffect">
                                   <p:stCondLst>
                                     <p:cond delay="0"/>
                                   </p:stCondLst>
-                                  <p:iterate type="el" backwards="0">
+                                  <p:iterate>
                                     <p:tmAbs val="0"/>
                                   </p:iterate>
                                   <p:childTnLst>
@@ -4264,11 +4242,11 @@
                             </p:stCondLst>
                             <p:childTnLst>
                               <p:par>
-                                <p:cTn id="21" presetClass="entr" nodeType="clickEffect" presetSubtype="0" presetID="1" grpId="2" fill="hold">
+                                <p:cTn id="21" presetID="1" presetClass="entr" presetSubtype="0" fill="hold" grpId="2" nodeType="clickEffect">
                                   <p:stCondLst>
                                     <p:cond delay="0"/>
                                   </p:stCondLst>
-                                  <p:iterate type="el" backwards="0">
+                                  <p:iterate>
                                     <p:tmAbs val="0"/>
                                   </p:iterate>
                                   <p:childTnLst>
@@ -4303,11 +4281,11 @@
                             </p:stCondLst>
                             <p:childTnLst>
                               <p:par>
-                                <p:cTn id="24" presetClass="entr" nodeType="afterEffect" presetSubtype="0" presetID="1" grpId="2" fill="hold">
+                                <p:cTn id="24" presetID="1" presetClass="entr" presetSubtype="0" fill="hold" grpId="2" nodeType="afterEffect">
                                   <p:stCondLst>
                                     <p:cond delay="0"/>
                                   </p:stCondLst>
-                                  <p:iterate type="el" backwards="0">
+                                  <p:iterate>
                                     <p:tmAbs val="0"/>
                                   </p:iterate>
                                   <p:childTnLst>
@@ -4351,11 +4329,11 @@
                             </p:stCondLst>
                             <p:childTnLst>
                               <p:par>
-                                <p:cTn id="28" presetClass="entr" nodeType="clickEffect" presetSubtype="0" presetID="1" grpId="2" fill="hold">
+                                <p:cTn id="28" presetID="1" presetClass="entr" presetSubtype="0" fill="hold" grpId="2" nodeType="clickEffect">
                                   <p:stCondLst>
                                     <p:cond delay="0"/>
                                   </p:stCondLst>
-                                  <p:iterate type="el" backwards="0">
+                                  <p:iterate>
                                     <p:tmAbs val="0"/>
                                   </p:iterate>
                                   <p:childTnLst>
@@ -4390,11 +4368,11 @@
                             </p:stCondLst>
                             <p:childTnLst>
                               <p:par>
-                                <p:cTn id="31" presetClass="entr" nodeType="afterEffect" presetSubtype="0" presetID="1" grpId="2" fill="hold">
+                                <p:cTn id="31" presetID="1" presetClass="entr" presetSubtype="0" fill="hold" grpId="2" nodeType="afterEffect">
                                   <p:stCondLst>
                                     <p:cond delay="0"/>
                                   </p:stCondLst>
-                                  <p:iterate type="el" backwards="0">
+                                  <p:iterate>
                                     <p:tmAbs val="0"/>
                                   </p:iterate>
                                   <p:childTnLst>
@@ -4429,11 +4407,11 @@
                             </p:stCondLst>
                             <p:childTnLst>
                               <p:par>
-                                <p:cTn id="34" presetClass="entr" nodeType="afterEffect" presetSubtype="0" presetID="1" grpId="2" fill="hold">
+                                <p:cTn id="34" presetID="1" presetClass="entr" presetSubtype="0" fill="hold" grpId="2" nodeType="afterEffect">
                                   <p:stCondLst>
                                     <p:cond delay="0"/>
                                   </p:stCondLst>
-                                  <p:iterate type="el" backwards="0">
+                                  <p:iterate>
                                     <p:tmAbs val="0"/>
                                   </p:iterate>
                                   <p:childTnLst>
@@ -4468,11 +4446,11 @@
                             </p:stCondLst>
                             <p:childTnLst>
                               <p:par>
-                                <p:cTn id="37" presetClass="entr" nodeType="afterEffect" presetSubtype="0" presetID="1" grpId="2" fill="hold">
+                                <p:cTn id="37" presetID="1" presetClass="entr" presetSubtype="0" fill="hold" grpId="2" nodeType="afterEffect">
                                   <p:stCondLst>
                                     <p:cond delay="0"/>
                                   </p:stCondLst>
-                                  <p:iterate type="el" backwards="0">
+                                  <p:iterate>
                                     <p:tmAbs val="0"/>
                                   </p:iterate>
                                   <p:childTnLst>
@@ -4507,11 +4485,11 @@
                             </p:stCondLst>
                             <p:childTnLst>
                               <p:par>
-                                <p:cTn id="40" presetClass="entr" nodeType="afterEffect" presetSubtype="0" presetID="1" grpId="2" fill="hold">
+                                <p:cTn id="40" presetID="1" presetClass="entr" presetSubtype="0" fill="hold" grpId="2" nodeType="afterEffect">
                                   <p:stCondLst>
                                     <p:cond delay="0"/>
                                   </p:stCondLst>
-                                  <p:iterate type="el" backwards="0">
+                                  <p:iterate>
                                     <p:tmAbs val="0"/>
                                   </p:iterate>
                                   <p:childTnLst>
@@ -4546,11 +4524,11 @@
                             </p:stCondLst>
                             <p:childTnLst>
                               <p:par>
-                                <p:cTn id="43" presetClass="entr" nodeType="afterEffect" presetSubtype="0" presetID="1" grpId="2" fill="hold">
+                                <p:cTn id="43" presetID="1" presetClass="entr" presetSubtype="0" fill="hold" grpId="2" nodeType="afterEffect">
                                   <p:stCondLst>
                                     <p:cond delay="0"/>
                                   </p:stCondLst>
-                                  <p:iterate type="el" backwards="0">
+                                  <p:iterate>
                                     <p:tmAbs val="0"/>
                                   </p:iterate>
                                   <p:childTnLst>
@@ -4585,11 +4563,11 @@
                             </p:stCondLst>
                             <p:childTnLst>
                               <p:par>
-                                <p:cTn id="46" presetClass="entr" nodeType="afterEffect" presetSubtype="0" presetID="1" grpId="2" fill="hold">
+                                <p:cTn id="46" presetID="1" presetClass="entr" presetSubtype="0" fill="hold" grpId="2" nodeType="afterEffect">
                                   <p:stCondLst>
                                     <p:cond delay="0"/>
                                   </p:stCondLst>
-                                  <p:iterate type="el" backwards="0">
+                                  <p:iterate>
                                     <p:tmAbs val="0"/>
                                   </p:iterate>
                                   <p:childTnLst>
@@ -4624,11 +4602,11 @@
                             </p:stCondLst>
                             <p:childTnLst>
                               <p:par>
-                                <p:cTn id="49" presetClass="entr" nodeType="afterEffect" presetSubtype="0" presetID="1" grpId="2" fill="hold">
+                                <p:cTn id="49" presetID="1" presetClass="entr" presetSubtype="0" fill="hold" grpId="2" nodeType="afterEffect">
                                   <p:stCondLst>
                                     <p:cond delay="0"/>
                                   </p:stCondLst>
-                                  <p:iterate type="el" backwards="0">
+                                  <p:iterate>
                                     <p:tmAbs val="0"/>
                                   </p:iterate>
                                   <p:childTnLst>
@@ -4663,11 +4641,11 @@
                             </p:stCondLst>
                             <p:childTnLst>
                               <p:par>
-                                <p:cTn id="52" presetClass="entr" nodeType="afterEffect" presetSubtype="0" presetID="1" grpId="2" fill="hold">
+                                <p:cTn id="52" presetID="1" presetClass="entr" presetSubtype="0" fill="hold" grpId="2" nodeType="afterEffect">
                                   <p:stCondLst>
                                     <p:cond delay="0"/>
                                   </p:stCondLst>
-                                  <p:iterate type="el" backwards="0">
+                                  <p:iterate>
                                     <p:tmAbs val="0"/>
                                   </p:iterate>
                                   <p:childTnLst>
@@ -4702,11 +4680,11 @@
                             </p:stCondLst>
                             <p:childTnLst>
                               <p:par>
-                                <p:cTn id="55" presetClass="entr" nodeType="afterEffect" presetSubtype="0" presetID="1" grpId="2" fill="hold">
+                                <p:cTn id="55" presetID="1" presetClass="entr" presetSubtype="0" fill="hold" grpId="2" nodeType="afterEffect">
                                   <p:stCondLst>
                                     <p:cond delay="0"/>
                                   </p:stCondLst>
-                                  <p:iterate type="el" backwards="0">
+                                  <p:iterate>
                                     <p:tmAbs val="0"/>
                                   </p:iterate>
                                   <p:childTnLst>
@@ -4741,11 +4719,11 @@
                             </p:stCondLst>
                             <p:childTnLst>
                               <p:par>
-                                <p:cTn id="58" presetClass="entr" nodeType="afterEffect" presetSubtype="0" presetID="1" grpId="2" fill="hold">
+                                <p:cTn id="58" presetID="1" presetClass="entr" presetSubtype="0" fill="hold" grpId="2" nodeType="afterEffect">
                                   <p:stCondLst>
                                     <p:cond delay="0"/>
                                   </p:stCondLst>
-                                  <p:iterate type="el" backwards="0">
+                                  <p:iterate>
                                     <p:tmAbs val="0"/>
                                   </p:iterate>
                                   <p:childTnLst>
@@ -4779,14 +4757,14 @@
                 </p:childTnLst>
               </p:cTn>
               <p:prevCondLst>
-                <p:cond evt="onPrev">
+                <p:cond evt="onPrev" delay="0">
                   <p:tgtEl>
                     <p:sldTgt/>
                   </p:tgtEl>
                 </p:cond>
               </p:prevCondLst>
               <p:nextCondLst>
-                <p:cond evt="onNext">
+                <p:cond evt="onNext" delay="0">
                   <p:tgtEl>
                     <p:sldTgt/>
                   </p:tgtEl>
@@ -4798,15 +4776,15 @@
       </p:par>
     </p:tnLst>
     <p:bldLst>
-      <p:bldP build="whole" bldLvl="1" animBg="1" rev="0" advAuto="0" spid="96" grpId="1"/>
-      <p:bldP build="p" bldLvl="5" animBg="1" rev="0" advAuto="0" spid="95" grpId="2"/>
+      <p:bldP spid="95" grpId="2" build="p" bldLvl="5" animBg="1" advAuto="0"/>
+      <p:bldP spid="96" grpId="1" animBg="1" advAuto="0"/>
     </p:bldLst>
   </p:timing>
 </p:sld>
 </file>
 
 <file path=ppt/slides/slide11.xml><?xml version="1.0" encoding="utf-8"?>
-<p:sld xmlns:a="http://schemas.openxmlformats.org/drawingml/2006/main" xmlns:r="http://schemas.openxmlformats.org/officeDocument/2006/relationships" xmlns:p="http://schemas.openxmlformats.org/presentationml/2006/main" xmlns:m="http://schemas.openxmlformats.org/officeDocument/2006/math" xmlns:a14="http://schemas.microsoft.com/office/drawing/2010/main" showMasterSp="1" showMasterPhAnim="1">
+<p:sld xmlns:a="http://schemas.openxmlformats.org/drawingml/2006/main" xmlns:r="http://schemas.openxmlformats.org/officeDocument/2006/relationships" xmlns:p="http://schemas.openxmlformats.org/presentationml/2006/main">
   <p:cSld>
     <p:spTree>
       <p:nvGrpSpPr>
@@ -4825,7 +4803,9 @@
       <p:sp>
         <p:nvSpPr>
           <p:cNvPr id="100" name="제목 1"/>
-          <p:cNvSpPr txBox="1"/>
+          <p:cNvSpPr txBox="1">
+            <a:spLocks noGrp="1"/>
+          </p:cNvSpPr>
           <p:nvPr>
             <p:ph type="title"/>
           </p:nvPr>
@@ -4843,7 +4823,6 @@
           <a:bodyPr/>
           <a:lstStyle/>
           <a:p>
-            <a:pPr/>
             <a:r>
               <a:t>Example) EqualsWithPolymorphism (2/3)</a:t>
             </a:r>
@@ -4853,7 +4832,9 @@
       <p:sp>
         <p:nvSpPr>
           <p:cNvPr id="101" name="슬라이드 번호 개체 틀 3"/>
-          <p:cNvSpPr txBox="1"/>
+          <p:cNvSpPr txBox="1">
+            <a:spLocks noGrp="1"/>
+          </p:cNvSpPr>
           <p:nvPr>
             <p:ph type="sldNum" sz="quarter" idx="2"/>
           </p:nvPr>
@@ -4868,7 +4849,7 @@
           </a:prstGeom>
           <a:extLst>
             <a:ext uri="{C572A759-6A51-4108-AA02-DFA0A04FC94B}">
-              <ma14:wrappingTextBoxFlag xmlns:ma14="http://schemas.microsoft.com/office/mac/drawingml/2011/main" val="1"/>
+              <ma14:wrappingTextBoxFlag xmlns:ma14="http://schemas.microsoft.com/office/mac/drawingml/2011/main" xmlns:a14="http://schemas.microsoft.com/office/drawing/2010/main" xmlns:m="http://schemas.openxmlformats.org/officeDocument/2006/math" xmlns="" val="1"/>
             </a:ext>
           </a:extLst>
         </p:spPr>
@@ -4876,8 +4857,11 @@
           <a:bodyPr/>
           <a:lstStyle/>
           <a:p>
-            <a:pPr/>
-            <a:fld id="{86CB4B4D-7CA3-9044-876B-883B54F8677D}" type="slidenum"/>
+            <a:fld id="{86CB4B4D-7CA3-9044-876B-883B54F8677D}" type="slidenum">
+              <a:rPr/>
+              <a:t>11</a:t>
+            </a:fld>
+            <a:endParaRPr/>
           </a:p>
         </p:txBody>
       </p:sp>
@@ -4902,7 +4886,7 @@
           </a:ln>
           <a:extLst>
             <a:ext uri="{C572A759-6A51-4108-AA02-DFA0A04FC94B}">
-              <ma14:wrappingTextBoxFlag xmlns:ma14="http://schemas.microsoft.com/office/mac/drawingml/2011/main" val="1"/>
+              <ma14:wrappingTextBoxFlag xmlns:ma14="http://schemas.microsoft.com/office/mac/drawingml/2011/main" xmlns:a14="http://schemas.microsoft.com/office/drawing/2010/main" xmlns:m="http://schemas.openxmlformats.org/officeDocument/2006/math" xmlns="" val="1"/>
             </a:ext>
           </a:extLst>
         </p:spPr>
@@ -5061,6 +5045,7 @@
                 <a:sym typeface="Menlo Regular"/>
               </a:defRPr>
             </a:pPr>
+            <a:endParaRPr/>
           </a:p>
           <a:p>
             <a:pPr>
@@ -5209,11 +5194,6 @@
               </a:rPr>
               <a:t>// downcasting</a:t>
             </a:r>
-            <a:endParaRPr>
-              <a:solidFill>
-                <a:srgbClr val="00627A"/>
-              </a:solidFill>
-            </a:endParaRPr>
           </a:p>
           <a:p>
             <a:pPr>
@@ -5292,11 +5272,6 @@
               </a:rPr>
               <a:t>// using super.equals</a:t>
             </a:r>
-            <a:endParaRPr>
-              <a:solidFill>
-                <a:srgbClr val="00627A"/>
-              </a:solidFill>
-            </a:endParaRPr>
           </a:p>
           <a:p>
             <a:pPr>
@@ -5411,6 +5386,7 @@
                 <a:sym typeface="Menlo Regular"/>
               </a:defRPr>
             </a:pPr>
+            <a:endParaRPr/>
           </a:p>
           <a:p>
             <a:pPr>
@@ -5515,14 +5491,14 @@
   <p:clrMapOvr>
     <a:masterClrMapping/>
   </p:clrMapOvr>
-  <p:transition xmlns:p14="http://schemas.microsoft.com/office/powerpoint/2010/main" spd="med" advClick="1"/>
+  <p:transition spd="med"/>
   <p:timing>
     <p:tnLst>
       <p:par>
-        <p:cTn id="1" nodeType="tmRoot" restart="never" dur="indefinite" fill="hold">
+        <p:cTn id="1" dur="indefinite" restart="never" fill="hold" nodeType="tmRoot">
           <p:childTnLst>
             <p:seq concurrent="1" prevAc="none" nextAc="seek">
-              <p:cTn id="2" nodeType="mainSeq" dur="indefinite" fill="hold">
+              <p:cTn id="2" dur="indefinite" fill="hold" nodeType="mainSeq">
                 <p:childTnLst>
                   <p:par>
                     <p:cTn id="3" fill="hold">
@@ -5537,11 +5513,11 @@
                             </p:stCondLst>
                             <p:childTnLst>
                               <p:par>
-                                <p:cTn id="5" presetClass="entr" nodeType="clickEffect" presetSubtype="0" presetID="1" grpId="1" fill="hold">
+                                <p:cTn id="5" presetID="1" presetClass="entr" presetSubtype="0" fill="hold" grpId="1" nodeType="clickEffect">
                                   <p:stCondLst>
                                     <p:cond delay="0"/>
                                   </p:stCondLst>
-                                  <p:iterate type="el" backwards="0">
+                                  <p:iterate>
                                     <p:tmAbs val="0"/>
                                   </p:iterate>
                                   <p:childTnLst>
@@ -5565,11 +5541,11 @@
                                 </p:cTn>
                               </p:par>
                               <p:par>
-                                <p:cTn id="7" presetClass="entr" nodeType="withEffect" presetSubtype="0" presetID="1" grpId="1" fill="hold">
+                                <p:cTn id="7" presetID="1" presetClass="entr" presetSubtype="0" fill="hold" grpId="1" nodeType="withEffect">
                                   <p:stCondLst>
                                     <p:cond delay="0"/>
                                   </p:stCondLst>
-                                  <p:iterate type="el" backwards="0">
+                                  <p:iterate>
                                     <p:tmAbs val="0"/>
                                   </p:iterate>
                                   <p:childTnLst>
@@ -5604,11 +5580,11 @@
                             </p:stCondLst>
                             <p:childTnLst>
                               <p:par>
-                                <p:cTn id="10" presetClass="entr" nodeType="afterEffect" presetSubtype="0" presetID="1" grpId="1" fill="hold">
+                                <p:cTn id="10" presetID="1" presetClass="entr" presetSubtype="0" fill="hold" grpId="1" nodeType="afterEffect">
                                   <p:stCondLst>
                                     <p:cond delay="0"/>
                                   </p:stCondLst>
-                                  <p:iterate type="el" backwards="0">
+                                  <p:iterate>
                                     <p:tmAbs val="0"/>
                                   </p:iterate>
                                   <p:childTnLst>
@@ -5643,11 +5619,11 @@
                             </p:stCondLst>
                             <p:childTnLst>
                               <p:par>
-                                <p:cTn id="13" presetClass="entr" nodeType="afterEffect" presetSubtype="0" presetID="1" grpId="1" fill="hold">
+                                <p:cTn id="13" presetID="1" presetClass="entr" presetSubtype="0" fill="hold" grpId="1" nodeType="afterEffect">
                                   <p:stCondLst>
                                     <p:cond delay="0"/>
                                   </p:stCondLst>
-                                  <p:iterate type="el" backwards="0">
+                                  <p:iterate>
                                     <p:tmAbs val="0"/>
                                   </p:iterate>
                                   <p:childTnLst>
@@ -5682,11 +5658,11 @@
                             </p:stCondLst>
                             <p:childTnLst>
                               <p:par>
-                                <p:cTn id="16" presetClass="entr" nodeType="afterEffect" presetSubtype="0" presetID="1" grpId="1" fill="hold">
+                                <p:cTn id="16" presetID="1" presetClass="entr" presetSubtype="0" fill="hold" grpId="1" nodeType="afterEffect">
                                   <p:stCondLst>
                                     <p:cond delay="0"/>
                                   </p:stCondLst>
-                                  <p:iterate type="el" backwards="0">
+                                  <p:iterate>
                                     <p:tmAbs val="0"/>
                                   </p:iterate>
                                   <p:childTnLst>
@@ -5730,11 +5706,11 @@
                             </p:stCondLst>
                             <p:childTnLst>
                               <p:par>
-                                <p:cTn id="20" presetClass="entr" nodeType="clickEffect" presetSubtype="0" presetID="1" grpId="1" fill="hold">
+                                <p:cTn id="20" presetID="1" presetClass="entr" presetSubtype="0" fill="hold" grpId="1" nodeType="clickEffect">
                                   <p:stCondLst>
                                     <p:cond delay="0"/>
                                   </p:stCondLst>
-                                  <p:iterate type="el" backwards="0">
+                                  <p:iterate>
                                     <p:tmAbs val="0"/>
                                   </p:iterate>
                                   <p:childTnLst>
@@ -5769,11 +5745,11 @@
                             </p:stCondLst>
                             <p:childTnLst>
                               <p:par>
-                                <p:cTn id="23" presetClass="entr" nodeType="afterEffect" presetSubtype="0" presetID="1" grpId="1" fill="hold">
+                                <p:cTn id="23" presetID="1" presetClass="entr" presetSubtype="0" fill="hold" grpId="1" nodeType="afterEffect">
                                   <p:stCondLst>
                                     <p:cond delay="0"/>
                                   </p:stCondLst>
-                                  <p:iterate type="el" backwards="0">
+                                  <p:iterate>
                                     <p:tmAbs val="0"/>
                                   </p:iterate>
                                   <p:childTnLst>
@@ -5808,11 +5784,11 @@
                             </p:stCondLst>
                             <p:childTnLst>
                               <p:par>
-                                <p:cTn id="26" presetClass="entr" nodeType="afterEffect" presetSubtype="0" presetID="1" grpId="1" fill="hold">
+                                <p:cTn id="26" presetID="1" presetClass="entr" presetSubtype="0" fill="hold" grpId="1" nodeType="afterEffect">
                                   <p:stCondLst>
                                     <p:cond delay="0"/>
                                   </p:stCondLst>
-                                  <p:iterate type="el" backwards="0">
+                                  <p:iterate>
                                     <p:tmAbs val="0"/>
                                   </p:iterate>
                                   <p:childTnLst>
@@ -5847,11 +5823,11 @@
                             </p:stCondLst>
                             <p:childTnLst>
                               <p:par>
-                                <p:cTn id="29" presetClass="entr" nodeType="afterEffect" presetSubtype="0" presetID="1" grpId="1" fill="hold">
+                                <p:cTn id="29" presetID="1" presetClass="entr" presetSubtype="0" fill="hold" grpId="1" nodeType="afterEffect">
                                   <p:stCondLst>
                                     <p:cond delay="0"/>
                                   </p:stCondLst>
-                                  <p:iterate type="el" backwards="0">
+                                  <p:iterate>
                                     <p:tmAbs val="0"/>
                                   </p:iterate>
                                   <p:childTnLst>
@@ -5886,11 +5862,11 @@
                             </p:stCondLst>
                             <p:childTnLst>
                               <p:par>
-                                <p:cTn id="32" presetClass="entr" nodeType="afterEffect" presetSubtype="0" presetID="1" grpId="1" fill="hold">
+                                <p:cTn id="32" presetID="1" presetClass="entr" presetSubtype="0" fill="hold" grpId="1" nodeType="afterEffect">
                                   <p:stCondLst>
                                     <p:cond delay="0"/>
                                   </p:stCondLst>
-                                  <p:iterate type="el" backwards="0">
+                                  <p:iterate>
                                     <p:tmAbs val="0"/>
                                   </p:iterate>
                                   <p:childTnLst>
@@ -5925,11 +5901,11 @@
                             </p:stCondLst>
                             <p:childTnLst>
                               <p:par>
-                                <p:cTn id="35" presetClass="entr" nodeType="afterEffect" presetSubtype="0" presetID="1" grpId="1" fill="hold">
+                                <p:cTn id="35" presetID="1" presetClass="entr" presetSubtype="0" fill="hold" grpId="1" nodeType="afterEffect">
                                   <p:stCondLst>
                                     <p:cond delay="0"/>
                                   </p:stCondLst>
-                                  <p:iterate type="el" backwards="0">
+                                  <p:iterate>
                                     <p:tmAbs val="0"/>
                                   </p:iterate>
                                   <p:childTnLst>
@@ -5964,11 +5940,11 @@
                             </p:stCondLst>
                             <p:childTnLst>
                               <p:par>
-                                <p:cTn id="38" presetClass="entr" nodeType="afterEffect" presetSubtype="0" presetID="1" grpId="1" fill="hold">
+                                <p:cTn id="38" presetID="1" presetClass="entr" presetSubtype="0" fill="hold" grpId="1" nodeType="afterEffect">
                                   <p:stCondLst>
                                     <p:cond delay="0"/>
                                   </p:stCondLst>
-                                  <p:iterate type="el" backwards="0">
+                                  <p:iterate>
                                     <p:tmAbs val="0"/>
                                   </p:iterate>
                                   <p:childTnLst>
@@ -6003,11 +5979,11 @@
                             </p:stCondLst>
                             <p:childTnLst>
                               <p:par>
-                                <p:cTn id="41" presetClass="entr" nodeType="afterEffect" presetSubtype="0" presetID="1" grpId="1" fill="hold">
+                                <p:cTn id="41" presetID="1" presetClass="entr" presetSubtype="0" fill="hold" grpId="1" nodeType="afterEffect">
                                   <p:stCondLst>
                                     <p:cond delay="0"/>
                                   </p:stCondLst>
-                                  <p:iterate type="el" backwards="0">
+                                  <p:iterate>
                                     <p:tmAbs val="0"/>
                                   </p:iterate>
                                   <p:childTnLst>
@@ -6042,11 +6018,11 @@
                             </p:stCondLst>
                             <p:childTnLst>
                               <p:par>
-                                <p:cTn id="44" presetClass="entr" nodeType="afterEffect" presetSubtype="0" presetID="1" grpId="1" fill="hold">
+                                <p:cTn id="44" presetID="1" presetClass="entr" presetSubtype="0" fill="hold" grpId="1" nodeType="afterEffect">
                                   <p:stCondLst>
                                     <p:cond delay="0"/>
                                   </p:stCondLst>
-                                  <p:iterate type="el" backwards="0">
+                                  <p:iterate>
                                     <p:tmAbs val="0"/>
                                   </p:iterate>
                                   <p:childTnLst>
@@ -6081,11 +6057,11 @@
                             </p:stCondLst>
                             <p:childTnLst>
                               <p:par>
-                                <p:cTn id="47" presetClass="entr" nodeType="afterEffect" presetSubtype="0" presetID="1" grpId="1" fill="hold">
+                                <p:cTn id="47" presetID="1" presetClass="entr" presetSubtype="0" fill="hold" grpId="1" nodeType="afterEffect">
                                   <p:stCondLst>
                                     <p:cond delay="0"/>
                                   </p:stCondLst>
-                                  <p:iterate type="el" backwards="0">
+                                  <p:iterate>
                                     <p:tmAbs val="0"/>
                                   </p:iterate>
                                   <p:childTnLst>
@@ -6120,11 +6096,11 @@
                             </p:stCondLst>
                             <p:childTnLst>
                               <p:par>
-                                <p:cTn id="50" presetClass="entr" nodeType="afterEffect" presetSubtype="0" presetID="1" grpId="1" fill="hold">
+                                <p:cTn id="50" presetID="1" presetClass="entr" presetSubtype="0" fill="hold" grpId="1" nodeType="afterEffect">
                                   <p:stCondLst>
                                     <p:cond delay="0"/>
                                   </p:stCondLst>
-                                  <p:iterate type="el" backwards="0">
+                                  <p:iterate>
                                     <p:tmAbs val="0"/>
                                   </p:iterate>
                                   <p:childTnLst>
@@ -6159,11 +6135,11 @@
                             </p:stCondLst>
                             <p:childTnLst>
                               <p:par>
-                                <p:cTn id="53" presetClass="entr" nodeType="afterEffect" presetSubtype="0" presetID="1" grpId="1" fill="hold">
+                                <p:cTn id="53" presetID="1" presetClass="entr" presetSubtype="0" fill="hold" grpId="1" nodeType="afterEffect">
                                   <p:stCondLst>
                                     <p:cond delay="0"/>
                                   </p:stCondLst>
-                                  <p:iterate type="el" backwards="0">
+                                  <p:iterate>
                                     <p:tmAbs val="0"/>
                                   </p:iterate>
                                   <p:childTnLst>
@@ -6207,11 +6183,11 @@
                             </p:stCondLst>
                             <p:childTnLst>
                               <p:par>
-                                <p:cTn id="57" presetClass="entr" nodeType="clickEffect" presetSubtype="0" presetID="1" grpId="1" fill="hold">
+                                <p:cTn id="57" presetID="1" presetClass="entr" presetSubtype="0" fill="hold" grpId="1" nodeType="clickEffect">
                                   <p:stCondLst>
                                     <p:cond delay="0"/>
                                   </p:stCondLst>
-                                  <p:iterate type="el" backwards="0">
+                                  <p:iterate>
                                     <p:tmAbs val="0"/>
                                   </p:iterate>
                                   <p:childTnLst>
@@ -6246,11 +6222,11 @@
                             </p:stCondLst>
                             <p:childTnLst>
                               <p:par>
-                                <p:cTn id="60" presetClass="entr" nodeType="afterEffect" presetSubtype="0" presetID="1" grpId="1" fill="hold">
+                                <p:cTn id="60" presetID="1" presetClass="entr" presetSubtype="0" fill="hold" grpId="1" nodeType="afterEffect">
                                   <p:stCondLst>
                                     <p:cond delay="0"/>
                                   </p:stCondLst>
-                                  <p:iterate type="el" backwards="0">
+                                  <p:iterate>
                                     <p:tmAbs val="0"/>
                                   </p:iterate>
                                   <p:childTnLst>
@@ -6285,11 +6261,11 @@
                             </p:stCondLst>
                             <p:childTnLst>
                               <p:par>
-                                <p:cTn id="63" presetClass="entr" nodeType="afterEffect" presetSubtype="0" presetID="1" grpId="1" fill="hold">
+                                <p:cTn id="63" presetID="1" presetClass="entr" presetSubtype="0" fill="hold" grpId="1" nodeType="afterEffect">
                                   <p:stCondLst>
                                     <p:cond delay="0"/>
                                   </p:stCondLst>
-                                  <p:iterate type="el" backwards="0">
+                                  <p:iterate>
                                     <p:tmAbs val="0"/>
                                   </p:iterate>
                                   <p:childTnLst>
@@ -6324,11 +6300,11 @@
                             </p:stCondLst>
                             <p:childTnLst>
                               <p:par>
-                                <p:cTn id="66" presetClass="entr" nodeType="afterEffect" presetSubtype="0" presetID="1" grpId="1" fill="hold">
+                                <p:cTn id="66" presetID="1" presetClass="entr" presetSubtype="0" fill="hold" grpId="1" nodeType="afterEffect">
                                   <p:stCondLst>
                                     <p:cond delay="0"/>
                                   </p:stCondLst>
-                                  <p:iterate type="el" backwards="0">
+                                  <p:iterate>
                                     <p:tmAbs val="0"/>
                                   </p:iterate>
                                   <p:childTnLst>
@@ -6362,14 +6338,14 @@
                 </p:childTnLst>
               </p:cTn>
               <p:prevCondLst>
-                <p:cond evt="onPrev">
+                <p:cond evt="onPrev" delay="0">
                   <p:tgtEl>
                     <p:sldTgt/>
                   </p:tgtEl>
                 </p:cond>
               </p:prevCondLst>
               <p:nextCondLst>
-                <p:cond evt="onNext">
+                <p:cond evt="onNext" delay="0">
                   <p:tgtEl>
                     <p:sldTgt/>
                   </p:tgtEl>
@@ -6381,14 +6357,14 @@
       </p:par>
     </p:tnLst>
     <p:bldLst>
-      <p:bldP build="p" bldLvl="5" animBg="1" rev="0" advAuto="0" spid="102" grpId="1"/>
+      <p:bldP spid="102" grpId="1" build="p" bldLvl="5" animBg="1" advAuto="0"/>
     </p:bldLst>
   </p:timing>
 </p:sld>
 </file>
 
 <file path=ppt/slides/slide12.xml><?xml version="1.0" encoding="utf-8"?>
-<p:sld xmlns:a="http://schemas.openxmlformats.org/drawingml/2006/main" xmlns:r="http://schemas.openxmlformats.org/officeDocument/2006/relationships" xmlns:p="http://schemas.openxmlformats.org/presentationml/2006/main" xmlns:m="http://schemas.openxmlformats.org/officeDocument/2006/math" xmlns:a14="http://schemas.microsoft.com/office/drawing/2010/main" showMasterSp="1" showMasterPhAnim="1">
+<p:sld xmlns:a="http://schemas.openxmlformats.org/drawingml/2006/main" xmlns:r="http://schemas.openxmlformats.org/officeDocument/2006/relationships" xmlns:p="http://schemas.openxmlformats.org/presentationml/2006/main">
   <p:cSld>
     <p:spTree>
       <p:nvGrpSpPr>
@@ -6407,7 +6383,9 @@
       <p:sp>
         <p:nvSpPr>
           <p:cNvPr id="106" name="제목 1"/>
-          <p:cNvSpPr txBox="1"/>
+          <p:cNvSpPr txBox="1">
+            <a:spLocks noGrp="1"/>
+          </p:cNvSpPr>
           <p:nvPr>
             <p:ph type="title"/>
           </p:nvPr>
@@ -6425,7 +6403,6 @@
           <a:bodyPr/>
           <a:lstStyle/>
           <a:p>
-            <a:pPr/>
             <a:r>
               <a:t>Example) EqualsWithPolymorphism (3/3)</a:t>
             </a:r>
@@ -6435,7 +6412,9 @@
       <p:sp>
         <p:nvSpPr>
           <p:cNvPr id="107" name="슬라이드 번호 개체 틀 3"/>
-          <p:cNvSpPr txBox="1"/>
+          <p:cNvSpPr txBox="1">
+            <a:spLocks noGrp="1"/>
+          </p:cNvSpPr>
           <p:nvPr>
             <p:ph type="sldNum" sz="quarter" idx="2"/>
           </p:nvPr>
@@ -6450,7 +6429,7 @@
           </a:prstGeom>
           <a:extLst>
             <a:ext uri="{C572A759-6A51-4108-AA02-DFA0A04FC94B}">
-              <ma14:wrappingTextBoxFlag xmlns:ma14="http://schemas.microsoft.com/office/mac/drawingml/2011/main" val="1"/>
+              <ma14:wrappingTextBoxFlag xmlns:ma14="http://schemas.microsoft.com/office/mac/drawingml/2011/main" xmlns:a14="http://schemas.microsoft.com/office/drawing/2010/main" xmlns:m="http://schemas.openxmlformats.org/officeDocument/2006/math" xmlns="" val="1"/>
             </a:ext>
           </a:extLst>
         </p:spPr>
@@ -6458,8 +6437,11 @@
           <a:bodyPr/>
           <a:lstStyle/>
           <a:p>
-            <a:pPr/>
-            <a:fld id="{86CB4B4D-7CA3-9044-876B-883B54F8677D}" type="slidenum"/>
+            <a:fld id="{86CB4B4D-7CA3-9044-876B-883B54F8677D}" type="slidenum">
+              <a:rPr/>
+              <a:t>12</a:t>
+            </a:fld>
+            <a:endParaRPr/>
           </a:p>
         </p:txBody>
       </p:sp>
@@ -6484,7 +6466,7 @@
           </a:ln>
           <a:extLst>
             <a:ext uri="{C572A759-6A51-4108-AA02-DFA0A04FC94B}">
-              <ma14:wrappingTextBoxFlag xmlns:ma14="http://schemas.microsoft.com/office/mac/drawingml/2011/main" val="1"/>
+              <ma14:wrappingTextBoxFlag xmlns:ma14="http://schemas.microsoft.com/office/mac/drawingml/2011/main" xmlns:a14="http://schemas.microsoft.com/office/drawing/2010/main" xmlns:m="http://schemas.openxmlformats.org/officeDocument/2006/math" xmlns="" val="1"/>
             </a:ext>
           </a:extLst>
         </p:spPr>
@@ -6954,14 +6936,14 @@
   <p:clrMapOvr>
     <a:masterClrMapping/>
   </p:clrMapOvr>
-  <p:transition xmlns:p14="http://schemas.microsoft.com/office/powerpoint/2010/main" spd="med" advClick="1"/>
+  <p:transition spd="med"/>
   <p:timing>
     <p:tnLst>
       <p:par>
-        <p:cTn id="1" nodeType="tmRoot" restart="never" dur="indefinite" fill="hold">
+        <p:cTn id="1" dur="indefinite" restart="never" fill="hold" nodeType="tmRoot">
           <p:childTnLst>
             <p:seq concurrent="1" prevAc="none" nextAc="seek">
-              <p:cTn id="2" nodeType="mainSeq" dur="indefinite" fill="hold">
+              <p:cTn id="2" dur="indefinite" fill="hold" nodeType="mainSeq">
                 <p:childTnLst>
                   <p:par>
                     <p:cTn id="3" fill="hold">
@@ -6976,11 +6958,11 @@
                             </p:stCondLst>
                             <p:childTnLst>
                               <p:par>
-                                <p:cTn id="5" presetClass="entr" nodeType="clickEffect" presetSubtype="0" presetID="1" grpId="1" fill="hold">
+                                <p:cTn id="5" presetID="1" presetClass="entr" presetSubtype="0" fill="hold" grpId="1" nodeType="clickEffect">
                                   <p:stCondLst>
                                     <p:cond delay="0"/>
                                   </p:stCondLst>
-                                  <p:iterate type="el" backwards="0">
+                                  <p:iterate>
                                     <p:tmAbs val="0"/>
                                   </p:iterate>
                                   <p:childTnLst>
@@ -7004,11 +6986,11 @@
                                 </p:cTn>
                               </p:par>
                               <p:par>
-                                <p:cTn id="7" presetClass="entr" nodeType="withEffect" presetSubtype="0" presetID="1" grpId="1" fill="hold">
+                                <p:cTn id="7" presetID="1" presetClass="entr" presetSubtype="0" fill="hold" grpId="1" nodeType="withEffect">
                                   <p:stCondLst>
                                     <p:cond delay="0"/>
                                   </p:stCondLst>
-                                  <p:iterate type="el" backwards="0">
+                                  <p:iterate>
                                     <p:tmAbs val="0"/>
                                   </p:iterate>
                                   <p:childTnLst>
@@ -7043,11 +7025,11 @@
                             </p:stCondLst>
                             <p:childTnLst>
                               <p:par>
-                                <p:cTn id="10" presetClass="entr" nodeType="afterEffect" presetSubtype="0" presetID="1" grpId="1" fill="hold">
+                                <p:cTn id="10" presetID="1" presetClass="entr" presetSubtype="0" fill="hold" grpId="1" nodeType="afterEffect">
                                   <p:stCondLst>
                                     <p:cond delay="0"/>
                                   </p:stCondLst>
-                                  <p:iterate type="el" backwards="0">
+                                  <p:iterate>
                                     <p:tmAbs val="0"/>
                                   </p:iterate>
                                   <p:childTnLst>
@@ -7082,11 +7064,11 @@
                             </p:stCondLst>
                             <p:childTnLst>
                               <p:par>
-                                <p:cTn id="13" presetClass="entr" nodeType="afterEffect" presetSubtype="0" presetID="1" grpId="1" fill="hold">
+                                <p:cTn id="13" presetID="1" presetClass="entr" presetSubtype="0" fill="hold" grpId="1" nodeType="afterEffect">
                                   <p:stCondLst>
                                     <p:cond delay="0"/>
                                   </p:stCondLst>
-                                  <p:iterate type="el" backwards="0">
+                                  <p:iterate>
                                     <p:tmAbs val="0"/>
                                   </p:iterate>
                                   <p:childTnLst>
@@ -7121,11 +7103,11 @@
                             </p:stCondLst>
                             <p:childTnLst>
                               <p:par>
-                                <p:cTn id="16" presetClass="entr" nodeType="afterEffect" presetSubtype="0" presetID="1" grpId="1" fill="hold">
+                                <p:cTn id="16" presetID="1" presetClass="entr" presetSubtype="0" fill="hold" grpId="1" nodeType="afterEffect">
                                   <p:stCondLst>
                                     <p:cond delay="0"/>
                                   </p:stCondLst>
-                                  <p:iterate type="el" backwards="0">
+                                  <p:iterate>
                                     <p:tmAbs val="0"/>
                                   </p:iterate>
                                   <p:childTnLst>
@@ -7169,11 +7151,11 @@
                             </p:stCondLst>
                             <p:childTnLst>
                               <p:par>
-                                <p:cTn id="20" presetClass="entr" nodeType="clickEffect" presetSubtype="0" presetID="1" grpId="1" fill="hold">
+                                <p:cTn id="20" presetID="1" presetClass="entr" presetSubtype="0" fill="hold" grpId="1" nodeType="clickEffect">
                                   <p:stCondLst>
                                     <p:cond delay="0"/>
                                   </p:stCondLst>
-                                  <p:iterate type="el" backwards="0">
+                                  <p:iterate>
                                     <p:tmAbs val="0"/>
                                   </p:iterate>
                                   <p:childTnLst>
@@ -7208,11 +7190,11 @@
                             </p:stCondLst>
                             <p:childTnLst>
                               <p:par>
-                                <p:cTn id="23" presetClass="entr" nodeType="afterEffect" presetSubtype="0" presetID="1" grpId="1" fill="hold">
+                                <p:cTn id="23" presetID="1" presetClass="entr" presetSubtype="0" fill="hold" grpId="1" nodeType="afterEffect">
                                   <p:stCondLst>
                                     <p:cond delay="0"/>
                                   </p:stCondLst>
-                                  <p:iterate type="el" backwards="0">
+                                  <p:iterate>
                                     <p:tmAbs val="0"/>
                                   </p:iterate>
                                   <p:childTnLst>
@@ -7256,11 +7238,11 @@
                             </p:stCondLst>
                             <p:childTnLst>
                               <p:par>
-                                <p:cTn id="27" presetClass="entr" nodeType="clickEffect" presetSubtype="0" presetID="1" grpId="1" fill="hold">
+                                <p:cTn id="27" presetID="1" presetClass="entr" presetSubtype="0" fill="hold" grpId="1" nodeType="clickEffect">
                                   <p:stCondLst>
                                     <p:cond delay="0"/>
                                   </p:stCondLst>
-                                  <p:iterate type="el" backwards="0">
+                                  <p:iterate>
                                     <p:tmAbs val="0"/>
                                   </p:iterate>
                                   <p:childTnLst>
@@ -7304,11 +7286,11 @@
                             </p:stCondLst>
                             <p:childTnLst>
                               <p:par>
-                                <p:cTn id="31" presetClass="entr" nodeType="clickEffect" presetSubtype="0" presetID="1" grpId="1" fill="hold">
+                                <p:cTn id="31" presetID="1" presetClass="entr" presetSubtype="0" fill="hold" grpId="1" nodeType="clickEffect">
                                   <p:stCondLst>
                                     <p:cond delay="0"/>
                                   </p:stCondLst>
-                                  <p:iterate type="el" backwards="0">
+                                  <p:iterate>
                                     <p:tmAbs val="0"/>
                                   </p:iterate>
                                   <p:childTnLst>
@@ -7352,11 +7334,11 @@
                             </p:stCondLst>
                             <p:childTnLst>
                               <p:par>
-                                <p:cTn id="35" presetClass="entr" nodeType="clickEffect" presetSubtype="0" presetID="1" grpId="1" fill="hold">
+                                <p:cTn id="35" presetID="1" presetClass="entr" presetSubtype="0" fill="hold" grpId="1" nodeType="clickEffect">
                                   <p:stCondLst>
                                     <p:cond delay="0"/>
                                   </p:stCondLst>
-                                  <p:iterate type="el" backwards="0">
+                                  <p:iterate>
                                     <p:tmAbs val="0"/>
                                   </p:iterate>
                                   <p:childTnLst>
@@ -7400,11 +7382,11 @@
                             </p:stCondLst>
                             <p:childTnLst>
                               <p:par>
-                                <p:cTn id="39" presetClass="entr" nodeType="clickEffect" presetSubtype="0" presetID="1" grpId="1" fill="hold">
+                                <p:cTn id="39" presetID="1" presetClass="entr" presetSubtype="0" fill="hold" grpId="1" nodeType="clickEffect">
                                   <p:stCondLst>
                                     <p:cond delay="0"/>
                                   </p:stCondLst>
-                                  <p:iterate type="el" backwards="0">
+                                  <p:iterate>
                                     <p:tmAbs val="0"/>
                                   </p:iterate>
                                   <p:childTnLst>
@@ -7448,11 +7430,11 @@
                             </p:stCondLst>
                             <p:childTnLst>
                               <p:par>
-                                <p:cTn id="43" presetClass="entr" nodeType="clickEffect" presetSubtype="0" presetID="1" grpId="1" fill="hold">
+                                <p:cTn id="43" presetID="1" presetClass="entr" presetSubtype="0" fill="hold" grpId="1" nodeType="clickEffect">
                                   <p:stCondLst>
                                     <p:cond delay="0"/>
                                   </p:stCondLst>
-                                  <p:iterate type="el" backwards="0">
+                                  <p:iterate>
                                     <p:tmAbs val="0"/>
                                   </p:iterate>
                                   <p:childTnLst>
@@ -7496,11 +7478,11 @@
                             </p:stCondLst>
                             <p:childTnLst>
                               <p:par>
-                                <p:cTn id="47" presetClass="entr" nodeType="clickEffect" presetSubtype="0" presetID="1" grpId="1" fill="hold">
+                                <p:cTn id="47" presetID="1" presetClass="entr" presetSubtype="0" fill="hold" grpId="1" nodeType="clickEffect">
                                   <p:stCondLst>
                                     <p:cond delay="0"/>
                                   </p:stCondLst>
-                                  <p:iterate type="el" backwards="0">
+                                  <p:iterate>
                                     <p:tmAbs val="0"/>
                                   </p:iterate>
                                   <p:childTnLst>
@@ -7544,11 +7526,11 @@
                             </p:stCondLst>
                             <p:childTnLst>
                               <p:par>
-                                <p:cTn id="51" presetClass="entr" nodeType="clickEffect" presetSubtype="0" presetID="1" grpId="1" fill="hold">
+                                <p:cTn id="51" presetID="1" presetClass="entr" presetSubtype="0" fill="hold" grpId="1" nodeType="clickEffect">
                                   <p:stCondLst>
                                     <p:cond delay="0"/>
                                   </p:stCondLst>
-                                  <p:iterate type="el" backwards="0">
+                                  <p:iterate>
                                     <p:tmAbs val="0"/>
                                   </p:iterate>
                                   <p:childTnLst>
@@ -7582,14 +7564,14 @@
                 </p:childTnLst>
               </p:cTn>
               <p:prevCondLst>
-                <p:cond evt="onPrev">
+                <p:cond evt="onPrev" delay="0">
                   <p:tgtEl>
                     <p:sldTgt/>
                   </p:tgtEl>
                 </p:cond>
               </p:prevCondLst>
               <p:nextCondLst>
-                <p:cond evt="onNext">
+                <p:cond evt="onNext" delay="0">
                   <p:tgtEl>
                     <p:sldTgt/>
                   </p:tgtEl>
@@ -7601,14 +7583,14 @@
       </p:par>
     </p:tnLst>
     <p:bldLst>
-      <p:bldP build="p" bldLvl="5" animBg="1" rev="0" advAuto="0" spid="108" grpId="1"/>
+      <p:bldP spid="108" grpId="1" build="p" bldLvl="5" animBg="1" advAuto="0"/>
     </p:bldLst>
   </p:timing>
 </p:sld>
 </file>
 
 <file path=ppt/slides/slide2.xml><?xml version="1.0" encoding="utf-8"?>
-<p:sld xmlns:a="http://schemas.openxmlformats.org/drawingml/2006/main" xmlns:r="http://schemas.openxmlformats.org/officeDocument/2006/relationships" xmlns:p="http://schemas.openxmlformats.org/presentationml/2006/main" xmlns:m="http://schemas.openxmlformats.org/officeDocument/2006/math" xmlns:a14="http://schemas.microsoft.com/office/drawing/2010/main" showMasterSp="1" showMasterPhAnim="1">
+<p:sld xmlns:a="http://schemas.openxmlformats.org/drawingml/2006/main" xmlns:r="http://schemas.openxmlformats.org/officeDocument/2006/relationships" xmlns:p="http://schemas.openxmlformats.org/presentationml/2006/main">
   <p:cSld>
     <p:spTree>
       <p:nvGrpSpPr>
@@ -7627,7 +7609,9 @@
       <p:sp>
         <p:nvSpPr>
           <p:cNvPr id="36" name="제목 1"/>
-          <p:cNvSpPr txBox="1"/>
+          <p:cNvSpPr txBox="1">
+            <a:spLocks noGrp="1"/>
+          </p:cNvSpPr>
           <p:nvPr>
             <p:ph type="title"/>
           </p:nvPr>
@@ -7645,9 +7629,13 @@
           <a:bodyPr/>
           <a:lstStyle/>
           <a:p>
-            <a:pPr/>
-            <a:r>
-              <a:t>java.lang package revisited</a:t>
+            <a:r>
+              <a:rPr dirty="0" err="1"/>
+              <a:t>java.lang</a:t>
+            </a:r>
+            <a:r>
+              <a:rPr dirty="0"/>
+              <a:t> package revisited</a:t>
             </a:r>
           </a:p>
         </p:txBody>
@@ -7655,7 +7643,9 @@
       <p:sp>
         <p:nvSpPr>
           <p:cNvPr id="37" name="텍스트 개체 틀 2"/>
-          <p:cNvSpPr txBox="1"/>
+          <p:cNvSpPr txBox="1">
+            <a:spLocks noGrp="1"/>
+          </p:cNvSpPr>
           <p:nvPr>
             <p:ph type="body" idx="1"/>
           </p:nvPr>
@@ -7677,36 +7667,42 @@
               <a:defRPr b="1"/>
             </a:pPr>
             <a:r>
+              <a:rPr dirty="0"/>
               <a:t>Object class</a:t>
             </a:r>
           </a:p>
           <a:p>
-            <a:pPr/>
-            <a:r>
+            <a:r>
+              <a:rPr dirty="0"/>
               <a:t>System class</a:t>
             </a:r>
           </a:p>
           <a:p>
-            <a:pPr/>
-            <a:r>
+            <a:r>
+              <a:rPr dirty="0"/>
               <a:t>Class class</a:t>
             </a:r>
           </a:p>
           <a:p>
-            <a:pPr/>
-            <a:r>
-              <a:t>String, StringBuilder, StringTokenizer</a:t>
-            </a:r>
-          </a:p>
-          <a:p>
-            <a:pPr/>
-            <a:r>
+            <a:r>
+              <a:rPr dirty="0"/>
+              <a:t>String, StringBuilder, </a:t>
+            </a:r>
+            <a:r>
+              <a:rPr dirty="0" err="1"/>
+              <a:t>StringTokenizer</a:t>
+            </a:r>
+            <a:endParaRPr dirty="0"/>
+          </a:p>
+          <a:p>
+            <a:r>
+              <a:rPr dirty="0"/>
               <a:t>Wrapper classes: Byte, Short, Character, Integer, Float, Double, Boolean</a:t>
             </a:r>
           </a:p>
           <a:p>
-            <a:pPr/>
-            <a:r>
+            <a:r>
+              <a:rPr dirty="0"/>
               <a:t>Math class</a:t>
             </a:r>
           </a:p>
@@ -7715,7 +7711,9 @@
       <p:sp>
         <p:nvSpPr>
           <p:cNvPr id="38" name="슬라이드 번호 개체 틀 3"/>
-          <p:cNvSpPr txBox="1"/>
+          <p:cNvSpPr txBox="1">
+            <a:spLocks noGrp="1"/>
+          </p:cNvSpPr>
           <p:nvPr>
             <p:ph type="sldNum" sz="quarter" idx="2"/>
           </p:nvPr>
@@ -7730,7 +7728,7 @@
           </a:prstGeom>
           <a:extLst>
             <a:ext uri="{C572A759-6A51-4108-AA02-DFA0A04FC94B}">
-              <ma14:wrappingTextBoxFlag xmlns:ma14="http://schemas.microsoft.com/office/mac/drawingml/2011/main" val="1"/>
+              <ma14:wrappingTextBoxFlag xmlns:ma14="http://schemas.microsoft.com/office/mac/drawingml/2011/main" xmlns:a14="http://schemas.microsoft.com/office/drawing/2010/main" xmlns:m="http://schemas.openxmlformats.org/officeDocument/2006/math" xmlns="" val="1"/>
             </a:ext>
           </a:extLst>
         </p:spPr>
@@ -7738,8 +7736,11 @@
           <a:bodyPr/>
           <a:lstStyle/>
           <a:p>
-            <a:pPr/>
-            <a:fld id="{86CB4B4D-7CA3-9044-876B-883B54F8677D}" type="slidenum"/>
+            <a:fld id="{86CB4B4D-7CA3-9044-876B-883B54F8677D}" type="slidenum">
+              <a:rPr/>
+              <a:t>2</a:t>
+            </a:fld>
+            <a:endParaRPr/>
           </a:p>
         </p:txBody>
       </p:sp>
@@ -7748,12 +7749,12 @@
   <p:clrMapOvr>
     <a:masterClrMapping/>
   </p:clrMapOvr>
-  <p:transition xmlns:p14="http://schemas.microsoft.com/office/powerpoint/2010/main" spd="med" advClick="1"/>
+  <p:transition spd="med"/>
 </p:sld>
 </file>
 
 <file path=ppt/slides/slide3.xml><?xml version="1.0" encoding="utf-8"?>
-<p:sld xmlns:a="http://schemas.openxmlformats.org/drawingml/2006/main" xmlns:r="http://schemas.openxmlformats.org/officeDocument/2006/relationships" xmlns:p="http://schemas.openxmlformats.org/presentationml/2006/main" xmlns:m="http://schemas.openxmlformats.org/officeDocument/2006/math" xmlns:a14="http://schemas.microsoft.com/office/drawing/2010/main" showMasterSp="1" showMasterPhAnim="1">
+<p:sld xmlns:a="http://schemas.openxmlformats.org/drawingml/2006/main" xmlns:r="http://schemas.openxmlformats.org/officeDocument/2006/relationships" xmlns:p="http://schemas.openxmlformats.org/presentationml/2006/main">
   <p:cSld>
     <p:spTree>
       <p:nvGrpSpPr>
@@ -7772,7 +7773,9 @@
       <p:sp>
         <p:nvSpPr>
           <p:cNvPr id="42" name="제목 1"/>
-          <p:cNvSpPr txBox="1"/>
+          <p:cNvSpPr txBox="1">
+            <a:spLocks noGrp="1"/>
+          </p:cNvSpPr>
           <p:nvPr>
             <p:ph type="title"/>
           </p:nvPr>
@@ -7790,7 +7793,6 @@
           <a:bodyPr/>
           <a:lstStyle/>
           <a:p>
-            <a:pPr/>
             <a:r>
               <a:t>Object class</a:t>
             </a:r>
@@ -7800,7 +7802,9 @@
       <p:sp>
         <p:nvSpPr>
           <p:cNvPr id="43" name="텍스트 개체 틀 2"/>
-          <p:cNvSpPr txBox="1"/>
+          <p:cNvSpPr txBox="1">
+            <a:spLocks noGrp="1"/>
+          </p:cNvSpPr>
           <p:nvPr>
             <p:ph type="body" sz="quarter" idx="1"/>
           </p:nvPr>
@@ -7822,6 +7826,7 @@
               <a:defRPr sz="2200"/>
             </a:pPr>
             <a:r>
+              <a:rPr dirty="0"/>
               <a:t>Inherited by default by all classes (in all packages) without 'extends' keyword</a:t>
             </a:r>
           </a:p>
@@ -7830,6 +7835,7 @@
               <a:defRPr sz="2200"/>
             </a:pPr>
             <a:r>
+              <a:rPr dirty="0"/>
               <a:t>Every class (including user-defined class) in java is a child or descendant of Object.    </a:t>
             </a:r>
           </a:p>
@@ -7838,7 +7844,9 @@
       <p:sp>
         <p:nvSpPr>
           <p:cNvPr id="44" name="슬라이드 번호 개체 틀 3"/>
-          <p:cNvSpPr txBox="1"/>
+          <p:cNvSpPr txBox="1">
+            <a:spLocks noGrp="1"/>
+          </p:cNvSpPr>
           <p:nvPr>
             <p:ph type="sldNum" sz="quarter" idx="2"/>
           </p:nvPr>
@@ -7853,7 +7861,7 @@
           </a:prstGeom>
           <a:extLst>
             <a:ext uri="{C572A759-6A51-4108-AA02-DFA0A04FC94B}">
-              <ma14:wrappingTextBoxFlag xmlns:ma14="http://schemas.microsoft.com/office/mac/drawingml/2011/main" val="1"/>
+              <ma14:wrappingTextBoxFlag xmlns:ma14="http://schemas.microsoft.com/office/mac/drawingml/2011/main" xmlns:a14="http://schemas.microsoft.com/office/drawing/2010/main" xmlns:m="http://schemas.openxmlformats.org/officeDocument/2006/math" xmlns="" val="1"/>
             </a:ext>
           </a:extLst>
         </p:spPr>
@@ -7861,8 +7869,11 @@
           <a:bodyPr/>
           <a:lstStyle/>
           <a:p>
-            <a:pPr/>
-            <a:fld id="{86CB4B4D-7CA3-9044-876B-883B54F8677D}" type="slidenum"/>
+            <a:fld id="{86CB4B4D-7CA3-9044-876B-883B54F8677D}" type="slidenum">
+              <a:rPr/>
+              <a:t>3</a:t>
+            </a:fld>
+            <a:endParaRPr/>
           </a:p>
         </p:txBody>
       </p:sp>
@@ -7874,116 +7885,210 @@
         </p:nvGrpSpPr>
         <p:grpSpPr>
           <a:xfrm>
-            <a:off x="4099893" y="2510454"/>
+            <a:off x="4099893" y="2851277"/>
             <a:ext cx="393548" cy="1224688"/>
             <a:chOff x="0" y="0"/>
             <a:chExt cx="393547" cy="1224686"/>
           </a:xfrm>
         </p:grpSpPr>
-        <p:sp>
-          <p:nvSpPr>
-            <p:cNvPr id="45" name="방정식"/>
-            <p:cNvSpPr txBox="1"/>
-            <p:nvPr/>
-          </p:nvSpPr>
-          <p:spPr>
-            <a:xfrm rot="10800000">
-              <a:off x="37947" y="0"/>
-              <a:ext cx="355601" cy="1224687"/>
-            </a:xfrm>
-            <a:prstGeom prst="rect">
-              <a:avLst/>
-            </a:prstGeom>
-            <a:noFill/>
-            <a:ln w="12700" cap="flat">
-              <a:noFill/>
-              <a:miter lim="400000"/>
-            </a:ln>
-            <a:effectLst/>
-          </p:spPr>
-          <p:txBody>
-            <a:bodyPr wrap="none" lIns="0" tIns="0" rIns="0" bIns="0">
-              <a:spAutoFit/>
-            </a:bodyPr>
-            <a:lstStyle/>
-            <a:p>
-              <a:pPr latinLnBrk="1"/>
-              <a14:m>
-                <m:oMathPara>
-                  <m:oMathParaPr>
-                    <m:jc m:val="centerGroup"/>
-                  </m:oMathParaPr>
-                  <m:oMath>
-                    <m:r>
-                      <a:rPr xmlns:a="http://schemas.openxmlformats.org/drawingml/2006/main" sz="11200" i="1">
-                        <a:solidFill>
-                          <a:srgbClr val="000000"/>
-                        </a:solidFill>
-                        <a:latin typeface="Cambria Math" panose="02040503050406030204" pitchFamily="18" charset="0"/>
-                      </a:rPr>
-                      <m:t>{</m:t>
-                    </m:r>
-                  </m:oMath>
-                </m:oMathPara>
-              </a14:m>
-              <a:endParaRPr sz="11200"/>
-            </a:p>
-          </p:txBody>
-        </p:sp>
-        <p:sp>
-          <p:nvSpPr>
-            <p:cNvPr id="46" name="방정식"/>
-            <p:cNvSpPr txBox="1"/>
-            <p:nvPr/>
-          </p:nvSpPr>
-          <p:spPr>
-            <a:xfrm rot="10800000">
-              <a:off x="0" y="0"/>
-              <a:ext cx="355601" cy="1224687"/>
-            </a:xfrm>
-            <a:prstGeom prst="rect">
-              <a:avLst/>
-            </a:prstGeom>
-            <a:noFill/>
-            <a:ln w="12700" cap="flat">
-              <a:noFill/>
-              <a:miter lim="400000"/>
-            </a:ln>
-            <a:effectLst/>
-          </p:spPr>
-          <p:txBody>
-            <a:bodyPr wrap="none" lIns="0" tIns="0" rIns="0" bIns="0">
-              <a:spAutoFit/>
-            </a:bodyPr>
-            <a:lstStyle/>
-            <a:p>
-              <a:pPr latinLnBrk="1"/>
-              <a14:m>
-                <m:oMathPara>
-                  <m:oMathParaPr>
-                    <m:jc m:val="centerGroup"/>
-                  </m:oMathParaPr>
-                  <m:oMath>
-                    <m:r>
-                      <a:rPr xmlns:a="http://schemas.openxmlformats.org/drawingml/2006/main" sz="11200" i="1">
-                        <a:solidFill>
-                          <a:srgbClr val="FFFFFF"/>
-                        </a:solidFill>
-                        <a:latin typeface="Cambria Math" panose="02040503050406030204" pitchFamily="18" charset="0"/>
-                      </a:rPr>
-                      <m:t>{</m:t>
-                    </m:r>
-                  </m:oMath>
-                </m:oMathPara>
-              </a14:m>
-              <a:endParaRPr sz="11200">
-                <a:solidFill>
-                  <a:srgbClr val="FFFFFF"/>
-                </a:solidFill>
-              </a:endParaRPr>
-            </a:p>
-          </p:txBody>
-        </p:sp>
+        <mc:AlternateContent xmlns:mc="http://schemas.openxmlformats.org/markup-compatibility/2006">
+          <mc:Choice xmlns:a14="http://schemas.microsoft.com/office/drawing/2010/main" Requires="a14">
+            <p:sp>
+              <p:nvSpPr>
+                <p:cNvPr id="45" name="방정식"/>
+                <p:cNvSpPr txBox="1"/>
+                <p:nvPr/>
+              </p:nvSpPr>
+              <p:spPr>
+                <a:xfrm rot="10800000">
+                  <a:off x="37947" y="0"/>
+                  <a:ext cx="355601" cy="1224687"/>
+                </a:xfrm>
+                <a:prstGeom prst="rect">
+                  <a:avLst/>
+                </a:prstGeom>
+                <a:noFill/>
+                <a:ln w="12700" cap="flat">
+                  <a:noFill/>
+                  <a:miter lim="400000"/>
+                </a:ln>
+                <a:effectLst/>
+              </p:spPr>
+              <p:txBody>
+                <a:bodyPr wrap="none" lIns="0" tIns="0" rIns="0" bIns="0">
+                  <a:spAutoFit/>
+                </a:bodyPr>
+                <a:lstStyle/>
+                <a:p>
+                  <a:pPr latinLnBrk="1"/>
+                  <a14:m>
+                    <m:oMathPara xmlns:m="http://schemas.openxmlformats.org/officeDocument/2006/math">
+                      <m:oMathParaPr>
+                        <m:jc m:val="centerGroup"/>
+                      </m:oMathParaPr>
+                      <m:oMath xmlns:m="http://schemas.openxmlformats.org/officeDocument/2006/math">
+                        <m:r>
+                          <a:rPr sz="11200" i="1">
+                            <a:solidFill>
+                              <a:srgbClr val="000000"/>
+                            </a:solidFill>
+                            <a:latin typeface="Cambria Math" panose="02040503050406030204" pitchFamily="18" charset="0"/>
+                          </a:rPr>
+                          <m:t>{</m:t>
+                        </m:r>
+                      </m:oMath>
+                    </m:oMathPara>
+                  </a14:m>
+                  <a:endParaRPr sz="11200"/>
+                </a:p>
+              </p:txBody>
+            </p:sp>
+          </mc:Choice>
+          <mc:Fallback>
+            <p:sp>
+              <p:nvSpPr>
+                <p:cNvPr id="45" name="방정식"/>
+                <p:cNvSpPr txBox="1">
+                  <a:spLocks noRot="1" noChangeAspect="1" noMove="1" noResize="1" noEditPoints="1" noAdjustHandles="1" noChangeArrowheads="1" noChangeShapeType="1" noTextEdit="1"/>
+                </p:cNvSpPr>
+                <p:nvPr/>
+              </p:nvSpPr>
+              <p:spPr>
+                <a:xfrm rot="10800000">
+                  <a:off x="37947" y="0"/>
+                  <a:ext cx="355601" cy="1224687"/>
+                </a:xfrm>
+                <a:prstGeom prst="rect">
+                  <a:avLst/>
+                </a:prstGeom>
+                <a:blipFill>
+                  <a:blip r:embed="rId3"/>
+                  <a:stretch>
+                    <a:fillRect l="-231034" t="-86735" r="-182759" b="-1020"/>
+                  </a:stretch>
+                </a:blipFill>
+                <a:ln w="12700" cap="flat">
+                  <a:noFill/>
+                  <a:miter lim="400000"/>
+                </a:ln>
+                <a:effectLst/>
+              </p:spPr>
+              <p:txBody>
+                <a:bodyPr/>
+                <a:lstStyle/>
+                <a:p>
+                  <a:r>
+                    <a:rPr lang="ko-KR" altLang="en-US">
+                      <a:noFill/>
+                    </a:rPr>
+                    <a:t> </a:t>
+                  </a:r>
+                </a:p>
+              </p:txBody>
+            </p:sp>
+          </mc:Fallback>
+        </mc:AlternateContent>
+        <mc:AlternateContent xmlns:mc="http://schemas.openxmlformats.org/markup-compatibility/2006">
+          <mc:Choice xmlns:a14="http://schemas.microsoft.com/office/drawing/2010/main" Requires="a14">
+            <p:sp>
+              <p:nvSpPr>
+                <p:cNvPr id="46" name="방정식"/>
+                <p:cNvSpPr txBox="1"/>
+                <p:nvPr/>
+              </p:nvSpPr>
+              <p:spPr>
+                <a:xfrm rot="10800000">
+                  <a:off x="0" y="0"/>
+                  <a:ext cx="355601" cy="1224687"/>
+                </a:xfrm>
+                <a:prstGeom prst="rect">
+                  <a:avLst/>
+                </a:prstGeom>
+                <a:noFill/>
+                <a:ln w="12700" cap="flat">
+                  <a:noFill/>
+                  <a:miter lim="400000"/>
+                </a:ln>
+                <a:effectLst/>
+              </p:spPr>
+              <p:txBody>
+                <a:bodyPr wrap="none" lIns="0" tIns="0" rIns="0" bIns="0">
+                  <a:spAutoFit/>
+                </a:bodyPr>
+                <a:lstStyle/>
+                <a:p>
+                  <a:pPr latinLnBrk="1"/>
+                  <a14:m>
+                    <m:oMathPara xmlns:m="http://schemas.openxmlformats.org/officeDocument/2006/math">
+                      <m:oMathParaPr>
+                        <m:jc m:val="centerGroup"/>
+                      </m:oMathParaPr>
+                      <m:oMath xmlns:m="http://schemas.openxmlformats.org/officeDocument/2006/math">
+                        <m:r>
+                          <a:rPr sz="11200" i="1">
+                            <a:solidFill>
+                              <a:srgbClr val="FFFFFF"/>
+                            </a:solidFill>
+                            <a:latin typeface="Cambria Math" panose="02040503050406030204" pitchFamily="18" charset="0"/>
+                          </a:rPr>
+                          <m:t>{</m:t>
+                        </m:r>
+                      </m:oMath>
+                    </m:oMathPara>
+                  </a14:m>
+                  <a:endParaRPr sz="11200" dirty="0">
+                    <a:solidFill>
+                      <a:srgbClr val="FFFFFF"/>
+                    </a:solidFill>
+                  </a:endParaRPr>
+                </a:p>
+              </p:txBody>
+            </p:sp>
+          </mc:Choice>
+          <mc:Fallback>
+            <p:sp>
+              <p:nvSpPr>
+                <p:cNvPr id="46" name="방정식"/>
+                <p:cNvSpPr txBox="1">
+                  <a:spLocks noRot="1" noChangeAspect="1" noMove="1" noResize="1" noEditPoints="1" noAdjustHandles="1" noChangeArrowheads="1" noChangeShapeType="1" noTextEdit="1"/>
+                </p:cNvSpPr>
+                <p:nvPr/>
+              </p:nvSpPr>
+              <p:spPr>
+                <a:xfrm rot="10800000">
+                  <a:off x="0" y="0"/>
+                  <a:ext cx="355601" cy="1224687"/>
+                </a:xfrm>
+                <a:prstGeom prst="rect">
+                  <a:avLst/>
+                </a:prstGeom>
+                <a:blipFill>
+                  <a:blip r:embed="rId4"/>
+                  <a:stretch>
+                    <a:fillRect l="-242857" t="-86735" r="-189286" b="-1020"/>
+                  </a:stretch>
+                </a:blipFill>
+                <a:ln w="12700" cap="flat">
+                  <a:noFill/>
+                  <a:miter lim="400000"/>
+                </a:ln>
+                <a:effectLst/>
+              </p:spPr>
+              <p:txBody>
+                <a:bodyPr/>
+                <a:lstStyle/>
+                <a:p>
+                  <a:r>
+                    <a:rPr lang="ko-KR" altLang="en-US">
+                      <a:noFill/>
+                    </a:rPr>
+                    <a:t> </a:t>
+                  </a:r>
+                </a:p>
+              </p:txBody>
+            </p:sp>
+          </mc:Fallback>
+        </mc:AlternateContent>
       </p:grpSp>
       <p:sp>
         <p:nvSpPr>
@@ -8004,7 +8109,7 @@
           </a:ln>
           <a:extLst>
             <a:ext uri="{C572A759-6A51-4108-AA02-DFA0A04FC94B}">
-              <ma14:wrappingTextBoxFlag xmlns:ma14="http://schemas.microsoft.com/office/mac/drawingml/2011/main" val="1"/>
+              <ma14:wrappingTextBoxFlag xmlns:ma14="http://schemas.microsoft.com/office/mac/drawingml/2011/main" xmlns:a14="http://schemas.microsoft.com/office/drawing/2010/main" xmlns:m="http://schemas.openxmlformats.org/officeDocument/2006/math" xmlns="" val="1"/>
             </a:ext>
           </a:extLst>
         </p:spPr>
@@ -8023,7 +8128,6 @@
             </a:lvl1pPr>
           </a:lstStyle>
           <a:p>
-            <a:pPr/>
             <a:r>
               <a:t>Java Standard Library (Java API)</a:t>
             </a:r>
@@ -8038,116 +8142,210 @@
         </p:nvGrpSpPr>
         <p:grpSpPr>
           <a:xfrm>
-            <a:off x="4187535" y="3845926"/>
+            <a:off x="4187535" y="4178436"/>
             <a:ext cx="295259" cy="885712"/>
             <a:chOff x="0" y="0"/>
             <a:chExt cx="295258" cy="885710"/>
           </a:xfrm>
         </p:grpSpPr>
-        <p:sp>
-          <p:nvSpPr>
-            <p:cNvPr id="49" name="방정식"/>
-            <p:cNvSpPr txBox="1"/>
-            <p:nvPr/>
-          </p:nvSpPr>
-          <p:spPr>
-            <a:xfrm rot="10800000">
-              <a:off x="38083" y="-1"/>
-              <a:ext cx="257176" cy="885712"/>
-            </a:xfrm>
-            <a:prstGeom prst="rect">
-              <a:avLst/>
-            </a:prstGeom>
-            <a:noFill/>
-            <a:ln w="12700" cap="flat">
-              <a:noFill/>
-              <a:miter lim="400000"/>
-            </a:ln>
-            <a:effectLst/>
-          </p:spPr>
-          <p:txBody>
-            <a:bodyPr wrap="none" lIns="0" tIns="0" rIns="0" bIns="0">
-              <a:spAutoFit/>
-            </a:bodyPr>
-            <a:lstStyle/>
-            <a:p>
-              <a:pPr latinLnBrk="1"/>
-              <a14:m>
-                <m:oMathPara>
-                  <m:oMathParaPr>
-                    <m:jc m:val="centerGroup"/>
-                  </m:oMathParaPr>
-                  <m:oMath>
-                    <m:r>
-                      <a:rPr xmlns:a="http://schemas.openxmlformats.org/drawingml/2006/main" sz="8100" i="1">
-                        <a:solidFill>
-                          <a:srgbClr val="000000"/>
-                        </a:solidFill>
-                        <a:latin typeface="Cambria Math" panose="02040503050406030204" pitchFamily="18" charset="0"/>
-                      </a:rPr>
-                      <m:t>{</m:t>
-                    </m:r>
-                  </m:oMath>
-                </m:oMathPara>
-              </a14:m>
-              <a:endParaRPr sz="8100"/>
-            </a:p>
-          </p:txBody>
-        </p:sp>
-        <p:sp>
-          <p:nvSpPr>
-            <p:cNvPr id="50" name="방정식"/>
-            <p:cNvSpPr txBox="1"/>
-            <p:nvPr/>
-          </p:nvSpPr>
-          <p:spPr>
-            <a:xfrm rot="10800000">
-              <a:off x="0" y="-1"/>
-              <a:ext cx="257176" cy="885712"/>
-            </a:xfrm>
-            <a:prstGeom prst="rect">
-              <a:avLst/>
-            </a:prstGeom>
-            <a:noFill/>
-            <a:ln w="12700" cap="flat">
-              <a:noFill/>
-              <a:miter lim="400000"/>
-            </a:ln>
-            <a:effectLst/>
-          </p:spPr>
-          <p:txBody>
-            <a:bodyPr wrap="none" lIns="0" tIns="0" rIns="0" bIns="0">
-              <a:spAutoFit/>
-            </a:bodyPr>
-            <a:lstStyle/>
-            <a:p>
-              <a:pPr latinLnBrk="1"/>
-              <a14:m>
-                <m:oMathPara>
-                  <m:oMathParaPr>
-                    <m:jc m:val="centerGroup"/>
-                  </m:oMathParaPr>
-                  <m:oMath>
-                    <m:r>
-                      <a:rPr xmlns:a="http://schemas.openxmlformats.org/drawingml/2006/main" sz="8100" i="1">
-                        <a:solidFill>
-                          <a:srgbClr val="FFFFFF"/>
-                        </a:solidFill>
-                        <a:latin typeface="Cambria Math" panose="02040503050406030204" pitchFamily="18" charset="0"/>
-                      </a:rPr>
-                      <m:t>{</m:t>
-                    </m:r>
-                  </m:oMath>
-                </m:oMathPara>
-              </a14:m>
-              <a:endParaRPr sz="8100">
-                <a:solidFill>
-                  <a:srgbClr val="FFFFFF"/>
-                </a:solidFill>
-              </a:endParaRPr>
-            </a:p>
-          </p:txBody>
-        </p:sp>
+        <mc:AlternateContent xmlns:mc="http://schemas.openxmlformats.org/markup-compatibility/2006">
+          <mc:Choice xmlns:a14="http://schemas.microsoft.com/office/drawing/2010/main" Requires="a14">
+            <p:sp>
+              <p:nvSpPr>
+                <p:cNvPr id="49" name="방정식"/>
+                <p:cNvSpPr txBox="1"/>
+                <p:nvPr/>
+              </p:nvSpPr>
+              <p:spPr>
+                <a:xfrm rot="10800000">
+                  <a:off x="38083" y="-1"/>
+                  <a:ext cx="257176" cy="885712"/>
+                </a:xfrm>
+                <a:prstGeom prst="rect">
+                  <a:avLst/>
+                </a:prstGeom>
+                <a:noFill/>
+                <a:ln w="12700" cap="flat">
+                  <a:noFill/>
+                  <a:miter lim="400000"/>
+                </a:ln>
+                <a:effectLst/>
+              </p:spPr>
+              <p:txBody>
+                <a:bodyPr wrap="none" lIns="0" tIns="0" rIns="0" bIns="0">
+                  <a:spAutoFit/>
+                </a:bodyPr>
+                <a:lstStyle/>
+                <a:p>
+                  <a:pPr latinLnBrk="1"/>
+                  <a14:m>
+                    <m:oMathPara xmlns:m="http://schemas.openxmlformats.org/officeDocument/2006/math">
+                      <m:oMathParaPr>
+                        <m:jc m:val="centerGroup"/>
+                      </m:oMathParaPr>
+                      <m:oMath xmlns:m="http://schemas.openxmlformats.org/officeDocument/2006/math">
+                        <m:r>
+                          <a:rPr sz="8100" i="1">
+                            <a:solidFill>
+                              <a:srgbClr val="000000"/>
+                            </a:solidFill>
+                            <a:latin typeface="Cambria Math" panose="02040503050406030204" pitchFamily="18" charset="0"/>
+                          </a:rPr>
+                          <m:t>{</m:t>
+                        </m:r>
+                      </m:oMath>
+                    </m:oMathPara>
+                  </a14:m>
+                  <a:endParaRPr sz="8100"/>
+                </a:p>
+              </p:txBody>
+            </p:sp>
+          </mc:Choice>
+          <mc:Fallback>
+            <p:sp>
+              <p:nvSpPr>
+                <p:cNvPr id="49" name="방정식"/>
+                <p:cNvSpPr txBox="1">
+                  <a:spLocks noRot="1" noChangeAspect="1" noMove="1" noResize="1" noEditPoints="1" noAdjustHandles="1" noChangeArrowheads="1" noChangeShapeType="1" noTextEdit="1"/>
+                </p:cNvSpPr>
+                <p:nvPr/>
+              </p:nvSpPr>
+              <p:spPr>
+                <a:xfrm rot="10800000">
+                  <a:off x="38083" y="-1"/>
+                  <a:ext cx="257176" cy="885712"/>
+                </a:xfrm>
+                <a:prstGeom prst="rect">
+                  <a:avLst/>
+                </a:prstGeom>
+                <a:blipFill>
+                  <a:blip r:embed="rId5"/>
+                  <a:stretch>
+                    <a:fillRect l="-233333" t="-85915" r="-180952" b="-1408"/>
+                  </a:stretch>
+                </a:blipFill>
+                <a:ln w="12700" cap="flat">
+                  <a:noFill/>
+                  <a:miter lim="400000"/>
+                </a:ln>
+                <a:effectLst/>
+              </p:spPr>
+              <p:txBody>
+                <a:bodyPr/>
+                <a:lstStyle/>
+                <a:p>
+                  <a:r>
+                    <a:rPr lang="ko-KR" altLang="en-US">
+                      <a:noFill/>
+                    </a:rPr>
+                    <a:t> </a:t>
+                  </a:r>
+                </a:p>
+              </p:txBody>
+            </p:sp>
+          </mc:Fallback>
+        </mc:AlternateContent>
+        <mc:AlternateContent xmlns:mc="http://schemas.openxmlformats.org/markup-compatibility/2006">
+          <mc:Choice xmlns:a14="http://schemas.microsoft.com/office/drawing/2010/main" Requires="a14">
+            <p:sp>
+              <p:nvSpPr>
+                <p:cNvPr id="50" name="방정식"/>
+                <p:cNvSpPr txBox="1"/>
+                <p:nvPr/>
+              </p:nvSpPr>
+              <p:spPr>
+                <a:xfrm rot="10800000">
+                  <a:off x="0" y="-1"/>
+                  <a:ext cx="257176" cy="885712"/>
+                </a:xfrm>
+                <a:prstGeom prst="rect">
+                  <a:avLst/>
+                </a:prstGeom>
+                <a:noFill/>
+                <a:ln w="12700" cap="flat">
+                  <a:noFill/>
+                  <a:miter lim="400000"/>
+                </a:ln>
+                <a:effectLst/>
+              </p:spPr>
+              <p:txBody>
+                <a:bodyPr wrap="none" lIns="0" tIns="0" rIns="0" bIns="0">
+                  <a:spAutoFit/>
+                </a:bodyPr>
+                <a:lstStyle/>
+                <a:p>
+                  <a:pPr latinLnBrk="1"/>
+                  <a14:m>
+                    <m:oMathPara xmlns:m="http://schemas.openxmlformats.org/officeDocument/2006/math">
+                      <m:oMathParaPr>
+                        <m:jc m:val="centerGroup"/>
+                      </m:oMathParaPr>
+                      <m:oMath xmlns:m="http://schemas.openxmlformats.org/officeDocument/2006/math">
+                        <m:r>
+                          <a:rPr sz="8100" i="1">
+                            <a:solidFill>
+                              <a:srgbClr val="FFFFFF"/>
+                            </a:solidFill>
+                            <a:latin typeface="Cambria Math" panose="02040503050406030204" pitchFamily="18" charset="0"/>
+                          </a:rPr>
+                          <m:t>{</m:t>
+                        </m:r>
+                      </m:oMath>
+                    </m:oMathPara>
+                  </a14:m>
+                  <a:endParaRPr sz="8100" dirty="0">
+                    <a:solidFill>
+                      <a:srgbClr val="FFFFFF"/>
+                    </a:solidFill>
+                  </a:endParaRPr>
+                </a:p>
+              </p:txBody>
+            </p:sp>
+          </mc:Choice>
+          <mc:Fallback>
+            <p:sp>
+              <p:nvSpPr>
+                <p:cNvPr id="50" name="방정식"/>
+                <p:cNvSpPr txBox="1">
+                  <a:spLocks noRot="1" noChangeAspect="1" noMove="1" noResize="1" noEditPoints="1" noAdjustHandles="1" noChangeArrowheads="1" noChangeShapeType="1" noTextEdit="1"/>
+                </p:cNvSpPr>
+                <p:nvPr/>
+              </p:nvSpPr>
+              <p:spPr>
+                <a:xfrm rot="10800000">
+                  <a:off x="0" y="-1"/>
+                  <a:ext cx="257176" cy="885712"/>
+                </a:xfrm>
+                <a:prstGeom prst="rect">
+                  <a:avLst/>
+                </a:prstGeom>
+                <a:blipFill>
+                  <a:blip r:embed="rId6"/>
+                  <a:stretch>
+                    <a:fillRect l="-233333" t="-85915" r="-180952" b="-1408"/>
+                  </a:stretch>
+                </a:blipFill>
+                <a:ln w="12700" cap="flat">
+                  <a:noFill/>
+                  <a:miter lim="400000"/>
+                </a:ln>
+                <a:effectLst/>
+              </p:spPr>
+              <p:txBody>
+                <a:bodyPr/>
+                <a:lstStyle/>
+                <a:p>
+                  <a:r>
+                    <a:rPr lang="ko-KR" altLang="en-US">
+                      <a:noFill/>
+                    </a:rPr>
+                    <a:t> </a:t>
+                  </a:r>
+                </a:p>
+              </p:txBody>
+            </p:sp>
+          </mc:Fallback>
+        </mc:AlternateContent>
       </p:grpSp>
       <p:sp>
         <p:nvSpPr>
@@ -8168,7 +8366,7 @@
           </a:ln>
           <a:extLst>
             <a:ext uri="{C572A759-6A51-4108-AA02-DFA0A04FC94B}">
-              <ma14:wrappingTextBoxFlag xmlns:ma14="http://schemas.microsoft.com/office/mac/drawingml/2011/main" val="1"/>
+              <ma14:wrappingTextBoxFlag xmlns:ma14="http://schemas.microsoft.com/office/mac/drawingml/2011/main" xmlns:a14="http://schemas.microsoft.com/office/drawing/2010/main" xmlns:m="http://schemas.openxmlformats.org/officeDocument/2006/math" xmlns="" val="1"/>
             </a:ext>
           </a:extLst>
         </p:spPr>
@@ -8187,7 +8385,6 @@
             </a:lvl1pPr>
           </a:lstStyle>
           <a:p>
-            <a:pPr/>
             <a:r>
               <a:t>User-defined classes</a:t>
             </a:r>
@@ -8213,7 +8410,7 @@
           </a:ln>
           <a:extLst>
             <a:ext uri="{C572A759-6A51-4108-AA02-DFA0A04FC94B}">
-              <ma14:wrappingTextBoxFlag xmlns:ma14="http://schemas.microsoft.com/office/mac/drawingml/2011/main" val="1"/>
+              <ma14:wrappingTextBoxFlag xmlns:ma14="http://schemas.microsoft.com/office/mac/drawingml/2011/main" xmlns:a14="http://schemas.microsoft.com/office/drawing/2010/main" xmlns:m="http://schemas.openxmlformats.org/officeDocument/2006/math" xmlns="" val="1"/>
             </a:ext>
           </a:extLst>
         </p:spPr>
@@ -8413,12 +8610,12 @@
   <p:clrMapOvr>
     <a:masterClrMapping/>
   </p:clrMapOvr>
-  <p:transition xmlns:p14="http://schemas.microsoft.com/office/powerpoint/2010/main" spd="med" advClick="1"/>
+  <p:transition spd="med"/>
 </p:sld>
 </file>
 
 <file path=ppt/slides/slide4.xml><?xml version="1.0" encoding="utf-8"?>
-<p:sld xmlns:a="http://schemas.openxmlformats.org/drawingml/2006/main" xmlns:r="http://schemas.openxmlformats.org/officeDocument/2006/relationships" xmlns:p="http://schemas.openxmlformats.org/presentationml/2006/main" xmlns:m="http://schemas.openxmlformats.org/officeDocument/2006/math" xmlns:a14="http://schemas.microsoft.com/office/drawing/2010/main" showMasterSp="1" showMasterPhAnim="1">
+<p:sld xmlns:a="http://schemas.openxmlformats.org/drawingml/2006/main" xmlns:r="http://schemas.openxmlformats.org/officeDocument/2006/relationships" xmlns:p="http://schemas.openxmlformats.org/presentationml/2006/main">
   <p:cSld>
     <p:spTree>
       <p:nvGrpSpPr>
@@ -8437,7 +8634,9 @@
       <p:sp>
         <p:nvSpPr>
           <p:cNvPr id="57" name="제목 1"/>
-          <p:cNvSpPr txBox="1"/>
+          <p:cNvSpPr txBox="1">
+            <a:spLocks noGrp="1"/>
+          </p:cNvSpPr>
           <p:nvPr>
             <p:ph type="title"/>
           </p:nvPr>
@@ -8455,7 +8654,6 @@
           <a:bodyPr/>
           <a:lstStyle/>
           <a:p>
-            <a:pPr/>
             <a:r>
               <a:t>Methods in Object class (1/2)</a:t>
             </a:r>
@@ -8465,7 +8663,9 @@
       <p:sp>
         <p:nvSpPr>
           <p:cNvPr id="58" name="텍스트 개체 틀 2"/>
-          <p:cNvSpPr txBox="1"/>
+          <p:cNvSpPr txBox="1">
+            <a:spLocks noGrp="1"/>
+          </p:cNvSpPr>
           <p:nvPr>
             <p:ph type="body" idx="1"/>
           </p:nvPr>
@@ -8491,7 +8691,7 @@
             </a:r>
           </a:p>
           <a:p>
-            <a:pPr lvl="1" marL="800100" indent="-342900">
+            <a:pPr marL="800100" lvl="1" indent="-342900">
               <a:defRPr sz="2000"/>
             </a:pPr>
             <a:r>
@@ -8500,7 +8700,7 @@
             <a:endParaRPr sz="2300"/>
           </a:p>
           <a:p>
-            <a:pPr lvl="1" marL="800100" indent="-342900">
+            <a:pPr marL="800100" lvl="1" indent="-342900">
               <a:defRPr sz="2000"/>
             </a:pPr>
             <a:r>
@@ -8517,7 +8717,7 @@
             </a:r>
           </a:p>
           <a:p>
-            <a:pPr lvl="1" marL="800100" indent="-342900">
+            <a:pPr marL="800100" lvl="1" indent="-342900">
               <a:defRPr sz="2000"/>
             </a:pPr>
             <a:r>
@@ -8526,7 +8726,7 @@
             <a:endParaRPr sz="2300"/>
           </a:p>
           <a:p>
-            <a:pPr lvl="1" marL="800100" indent="-342900">
+            <a:pPr marL="800100" lvl="1" indent="-342900">
               <a:defRPr sz="2000"/>
             </a:pPr>
             <a:r>
@@ -8538,7 +8738,9 @@
       <p:sp>
         <p:nvSpPr>
           <p:cNvPr id="59" name="슬라이드 번호 개체 틀 3"/>
-          <p:cNvSpPr txBox="1"/>
+          <p:cNvSpPr txBox="1">
+            <a:spLocks noGrp="1"/>
+          </p:cNvSpPr>
           <p:nvPr>
             <p:ph type="sldNum" sz="quarter" idx="2"/>
           </p:nvPr>
@@ -8553,7 +8755,7 @@
           </a:prstGeom>
           <a:extLst>
             <a:ext uri="{C572A759-6A51-4108-AA02-DFA0A04FC94B}">
-              <ma14:wrappingTextBoxFlag xmlns:ma14="http://schemas.microsoft.com/office/mac/drawingml/2011/main" val="1"/>
+              <ma14:wrappingTextBoxFlag xmlns:ma14="http://schemas.microsoft.com/office/mac/drawingml/2011/main" xmlns:a14="http://schemas.microsoft.com/office/drawing/2010/main" xmlns:m="http://schemas.openxmlformats.org/officeDocument/2006/math" xmlns="" val="1"/>
             </a:ext>
           </a:extLst>
         </p:spPr>
@@ -8561,8 +8763,11 @@
           <a:bodyPr/>
           <a:lstStyle/>
           <a:p>
-            <a:pPr/>
-            <a:fld id="{86CB4B4D-7CA3-9044-876B-883B54F8677D}" type="slidenum"/>
+            <a:fld id="{86CB4B4D-7CA3-9044-876B-883B54F8677D}" type="slidenum">
+              <a:rPr/>
+              <a:t>4</a:t>
+            </a:fld>
+            <a:endParaRPr/>
           </a:p>
         </p:txBody>
       </p:sp>
@@ -8571,20 +8776,20 @@
   <p:clrMapOvr>
     <a:masterClrMapping/>
   </p:clrMapOvr>
-  <p:transition xmlns:p14="http://schemas.microsoft.com/office/powerpoint/2010/main" spd="med" advClick="1"/>
+  <p:transition spd="med"/>
   <p:timing>
     <p:tnLst>
       <p:par>
-        <p:cTn id="1" nodeType="tmRoot" restart="never" dur="indefinite" fill="hold">
+        <p:cTn id="1" dur="indefinite" restart="never" fill="hold" nodeType="tmRoot">
           <p:childTnLst>
             <p:seq concurrent="1" prevAc="none" nextAc="seek">
-              <p:cTn id="2" nodeType="mainSeq" dur="indefinite" fill="hold">
+              <p:cTn id="2" dur="indefinite" fill="hold" nodeType="mainSeq">
                 <p:childTnLst>
                   <p:par>
                     <p:cTn id="3" fill="hold">
                       <p:stCondLst>
                         <p:cond delay="indefinite"/>
-                        <p:cond evt="onBegin">
+                        <p:cond evt="onBegin" delay="0">
                           <p:tn val="2"/>
                         </p:cond>
                       </p:stCondLst>
@@ -8596,11 +8801,11 @@
                             </p:stCondLst>
                             <p:childTnLst>
                               <p:par>
-                                <p:cTn id="5" presetClass="entr" nodeType="afterEffect" presetSubtype="0" presetID="1" grpId="1" fill="hold">
+                                <p:cTn id="5" presetID="1" presetClass="entr" presetSubtype="0" fill="hold" grpId="1" nodeType="afterEffect">
                                   <p:stCondLst>
                                     <p:cond delay="0"/>
                                   </p:stCondLst>
-                                  <p:iterate type="el" backwards="0">
+                                  <p:iterate>
                                     <p:tmAbs val="0"/>
                                   </p:iterate>
                                   <p:childTnLst>
@@ -8624,11 +8829,11 @@
                                 </p:cTn>
                               </p:par>
                               <p:par>
-                                <p:cTn id="7" presetClass="entr" nodeType="withEffect" presetSubtype="0" presetID="1" grpId="1" fill="hold">
+                                <p:cTn id="7" presetID="1" presetClass="entr" presetSubtype="0" fill="hold" grpId="1" nodeType="withEffect">
                                   <p:stCondLst>
                                     <p:cond delay="0"/>
                                   </p:stCondLst>
-                                  <p:iterate type="el" backwards="0">
+                                  <p:iterate>
                                     <p:tmAbs val="0"/>
                                   </p:iterate>
                                   <p:childTnLst>
@@ -8654,11 +8859,11 @@
                                 </p:cTn>
                               </p:par>
                               <p:par>
-                                <p:cTn id="9" presetClass="entr" nodeType="withEffect" presetSubtype="0" presetID="1" grpId="1" fill="hold">
+                                <p:cTn id="9" presetID="1" presetClass="entr" presetSubtype="0" fill="hold" grpId="1" nodeType="withEffect">
                                   <p:stCondLst>
                                     <p:cond delay="0"/>
                                   </p:stCondLst>
-                                  <p:iterate type="el" backwards="0">
+                                  <p:iterate>
                                     <p:tmAbs val="0"/>
                                   </p:iterate>
                                   <p:childTnLst>
@@ -8684,11 +8889,11 @@
                                 </p:cTn>
                               </p:par>
                               <p:par>
-                                <p:cTn id="11" presetClass="entr" nodeType="withEffect" presetSubtype="0" presetID="1" grpId="1" fill="hold">
+                                <p:cTn id="11" presetID="1" presetClass="entr" presetSubtype="0" fill="hold" grpId="1" nodeType="withEffect">
                                   <p:stCondLst>
                                     <p:cond delay="0"/>
                                   </p:stCondLst>
-                                  <p:iterate type="el" backwards="0">
+                                  <p:iterate>
                                     <p:tmAbs val="0"/>
                                   </p:iterate>
                                   <p:childTnLst>
@@ -8723,11 +8928,11 @@
                             </p:stCondLst>
                             <p:childTnLst>
                               <p:par>
-                                <p:cTn id="14" presetClass="entr" nodeType="afterEffect" presetSubtype="0" presetID="1" grpId="1" fill="hold">
+                                <p:cTn id="14" presetID="1" presetClass="entr" presetSubtype="0" fill="hold" grpId="1" nodeType="afterEffect">
                                   <p:stCondLst>
                                     <p:cond delay="0"/>
                                   </p:stCondLst>
-                                  <p:iterate type="el" backwards="0">
+                                  <p:iterate>
                                     <p:tmAbs val="0"/>
                                   </p:iterate>
                                   <p:childTnLst>
@@ -8753,11 +8958,11 @@
                                 </p:cTn>
                               </p:par>
                               <p:par>
-                                <p:cTn id="16" presetClass="entr" nodeType="withEffect" presetSubtype="0" presetID="1" grpId="1" fill="hold">
+                                <p:cTn id="16" presetID="1" presetClass="entr" presetSubtype="0" fill="hold" grpId="1" nodeType="withEffect">
                                   <p:stCondLst>
                                     <p:cond delay="0"/>
                                   </p:stCondLst>
-                                  <p:iterate type="el" backwards="0">
+                                  <p:iterate>
                                     <p:tmAbs val="0"/>
                                   </p:iterate>
                                   <p:childTnLst>
@@ -8783,11 +8988,11 @@
                                 </p:cTn>
                               </p:par>
                               <p:par>
-                                <p:cTn id="18" presetClass="entr" nodeType="withEffect" presetSubtype="0" presetID="1" grpId="1" fill="hold">
+                                <p:cTn id="18" presetID="1" presetClass="entr" presetSubtype="0" fill="hold" grpId="1" nodeType="withEffect">
                                   <p:stCondLst>
                                     <p:cond delay="0"/>
                                   </p:stCondLst>
-                                  <p:iterate type="el" backwards="0">
+                                  <p:iterate>
                                     <p:tmAbs val="0"/>
                                   </p:iterate>
                                   <p:childTnLst>
@@ -8821,14 +9026,14 @@
                 </p:childTnLst>
               </p:cTn>
               <p:prevCondLst>
-                <p:cond evt="onPrev">
+                <p:cond evt="onPrev" delay="0">
                   <p:tgtEl>
                     <p:sldTgt/>
                   </p:tgtEl>
                 </p:cond>
               </p:prevCondLst>
               <p:nextCondLst>
-                <p:cond evt="onNext">
+                <p:cond evt="onNext" delay="0">
                   <p:tgtEl>
                     <p:sldTgt/>
                   </p:tgtEl>
@@ -8840,14 +9045,14 @@
       </p:par>
     </p:tnLst>
     <p:bldLst>
-      <p:bldP build="p" bldLvl="1" animBg="1" rev="0" advAuto="0" spid="58" grpId="1"/>
+      <p:bldP spid="58" grpId="1" build="p" animBg="1" advAuto="0"/>
     </p:bldLst>
   </p:timing>
 </p:sld>
 </file>
 
 <file path=ppt/slides/slide5.xml><?xml version="1.0" encoding="utf-8"?>
-<p:sld xmlns:a="http://schemas.openxmlformats.org/drawingml/2006/main" xmlns:r="http://schemas.openxmlformats.org/officeDocument/2006/relationships" xmlns:p="http://schemas.openxmlformats.org/presentationml/2006/main" xmlns:m="http://schemas.openxmlformats.org/officeDocument/2006/math" xmlns:a14="http://schemas.microsoft.com/office/drawing/2010/main" showMasterSp="1" showMasterPhAnim="1">
+<p:sld xmlns:a="http://schemas.openxmlformats.org/drawingml/2006/main" xmlns:r="http://schemas.openxmlformats.org/officeDocument/2006/relationships" xmlns:p="http://schemas.openxmlformats.org/presentationml/2006/main">
   <p:cSld>
     <p:spTree>
       <p:nvGrpSpPr>
@@ -8866,7 +9071,9 @@
       <p:sp>
         <p:nvSpPr>
           <p:cNvPr id="63" name="제목 1"/>
-          <p:cNvSpPr txBox="1"/>
+          <p:cNvSpPr txBox="1">
+            <a:spLocks noGrp="1"/>
+          </p:cNvSpPr>
           <p:nvPr>
             <p:ph type="title"/>
           </p:nvPr>
@@ -8884,7 +9091,6 @@
           <a:bodyPr/>
           <a:lstStyle/>
           <a:p>
-            <a:pPr/>
             <a:r>
               <a:t>Methods in Object class (2/2)</a:t>
             </a:r>
@@ -8894,7 +9100,9 @@
       <p:sp>
         <p:nvSpPr>
           <p:cNvPr id="64" name="텍스트 개체 틀 2"/>
-          <p:cNvSpPr txBox="1"/>
+          <p:cNvSpPr txBox="1">
+            <a:spLocks noGrp="1"/>
+          </p:cNvSpPr>
           <p:nvPr>
             <p:ph type="body" idx="1"/>
           </p:nvPr>
@@ -8916,60 +9124,105 @@
               <a:defRPr sz="2000"/>
             </a:pPr>
             <a:r>
-              <a:t>int hashCode()</a:t>
-            </a:r>
-          </a:p>
-          <a:p>
-            <a:pPr lvl="1" marL="800100" indent="-342900">
+              <a:rPr dirty="0"/>
+              <a:t>int </a:t>
+            </a:r>
+            <a:r>
+              <a:rPr dirty="0" err="1"/>
+              <a:t>hashCode</a:t>
+            </a:r>
+            <a:r>
+              <a:rPr dirty="0"/>
+              <a:t>()</a:t>
+            </a:r>
+          </a:p>
+          <a:p>
+            <a:pPr marL="800100" lvl="1" indent="-342900">
               <a:defRPr sz="2000"/>
             </a:pPr>
             <a:r>
-              <a:t>Return the hash code (an integer identifying the object)</a:t>
-            </a:r>
-            <a:r>
-              <a:t> </a:t>
-            </a:r>
-            <a:r>
-              <a:t>of the object</a:t>
-            </a:r>
-          </a:p>
-          <a:p>
-            <a:pPr lvl="1" marL="800100" indent="-342900">
+              <a:rPr dirty="0"/>
+              <a:t>Return the hash code (an integer identifying the object) of the object</a:t>
+            </a:r>
+          </a:p>
+          <a:p>
+            <a:pPr marL="800100" lvl="1" indent="-342900">
               <a:defRPr sz="2000"/>
             </a:pPr>
             <a:r>
-              <a:t>The same objects should return the same hashCode()</a:t>
-            </a:r>
-          </a:p>
-          <a:p>
-            <a:pPr lvl="1" marL="800100" indent="-342900">
+              <a:rPr dirty="0"/>
+              <a:t>The same objects should return the same </a:t>
+            </a:r>
+            <a:r>
+              <a:rPr dirty="0" err="1"/>
+              <a:t>hashCode</a:t>
+            </a:r>
+            <a:r>
+              <a:rPr dirty="0"/>
+              <a:t>()</a:t>
+            </a:r>
+          </a:p>
+          <a:p>
+            <a:pPr marL="800100" lvl="1" indent="-342900">
               <a:defRPr sz="2000"/>
             </a:pPr>
             <a:r>
-              <a:t>The hashCode() method of Object class usually returns the memory address of the object</a:t>
-            </a:r>
-          </a:p>
-          <a:p>
-            <a:pPr lvl="1" marL="800100" indent="-342900">
+              <a:rPr dirty="0"/>
+              <a:t>The </a:t>
+            </a:r>
+            <a:r>
+              <a:rPr dirty="0" err="1"/>
+              <a:t>hashCode</a:t>
+            </a:r>
+            <a:r>
+              <a:rPr dirty="0"/>
+              <a:t>() method of Object class usually returns the memory address of the object</a:t>
+            </a:r>
+          </a:p>
+          <a:p>
+            <a:pPr marL="800100" lvl="1" indent="-342900">
               <a:defRPr sz="2000"/>
             </a:pPr>
             <a:r>
-              <a:t>Overridden hashCode() usually implemented with the value of other instance variables</a:t>
-            </a:r>
-          </a:p>
-          <a:p>
-            <a:pPr lvl="1" marL="800100" indent="-342900">
+              <a:rPr dirty="0"/>
+              <a:t>Overridden </a:t>
+            </a:r>
+            <a:r>
+              <a:rPr dirty="0" err="1"/>
+              <a:t>hashCode</a:t>
+            </a:r>
+            <a:r>
+              <a:rPr dirty="0"/>
+              <a:t>() usually implemented with the value of other instance variables</a:t>
+            </a:r>
+          </a:p>
+          <a:p>
+            <a:pPr marL="800100" lvl="1" indent="-342900">
               <a:defRPr sz="2000"/>
             </a:pPr>
             <a:r>
-              <a:t>hashCode() is mainly used with hash-based collection such as ‘HashMap’, ‘HashSet’, and ‘HashTable’ (see later chapter for collections)</a:t>
-            </a:r>
-          </a:p>
-          <a:p>
-            <a:pPr lvl="1" marL="800100" indent="-342900">
+              <a:rPr dirty="0" err="1"/>
+              <a:t>hashCode</a:t>
+            </a:r>
+            <a:r>
+              <a:rPr dirty="0"/>
+              <a:t>() is mainly used with hash-based collection such as ‘HashMap’, ‘HashSet’, and ‘</a:t>
+            </a:r>
+            <a:r>
+              <a:rPr dirty="0" err="1"/>
+              <a:t>HashTable</a:t>
+            </a:r>
+            <a:r>
+              <a:rPr dirty="0"/>
+              <a:t>’ (see later chapter for collections)</a:t>
+            </a:r>
+          </a:p>
+          <a:p>
+            <a:pPr marL="800100" lvl="1" indent="-342900">
               <a:defRPr sz="2000"/>
             </a:pPr>
             <a:r>
+              <a:rPr dirty="0"/>
               <a:t>Multiplying prime number is a technique to reduce the hash collision</a:t>
             </a:r>
           </a:p>
@@ -8978,7 +9231,9 @@
       <p:sp>
         <p:nvSpPr>
           <p:cNvPr id="65" name="슬라이드 번호 개체 틀 3"/>
-          <p:cNvSpPr txBox="1"/>
+          <p:cNvSpPr txBox="1">
+            <a:spLocks noGrp="1"/>
+          </p:cNvSpPr>
           <p:nvPr>
             <p:ph type="sldNum" sz="quarter" idx="2"/>
           </p:nvPr>
@@ -8993,7 +9248,7 @@
           </a:prstGeom>
           <a:extLst>
             <a:ext uri="{C572A759-6A51-4108-AA02-DFA0A04FC94B}">
-              <ma14:wrappingTextBoxFlag xmlns:ma14="http://schemas.microsoft.com/office/mac/drawingml/2011/main" val="1"/>
+              <ma14:wrappingTextBoxFlag xmlns:ma14="http://schemas.microsoft.com/office/mac/drawingml/2011/main" xmlns:a14="http://schemas.microsoft.com/office/drawing/2010/main" xmlns:m="http://schemas.openxmlformats.org/officeDocument/2006/math" xmlns="" val="1"/>
             </a:ext>
           </a:extLst>
         </p:spPr>
@@ -9001,8 +9256,11 @@
           <a:bodyPr/>
           <a:lstStyle/>
           <a:p>
-            <a:pPr/>
-            <a:fld id="{86CB4B4D-7CA3-9044-876B-883B54F8677D}" type="slidenum"/>
+            <a:fld id="{86CB4B4D-7CA3-9044-876B-883B54F8677D}" type="slidenum">
+              <a:rPr/>
+              <a:t>5</a:t>
+            </a:fld>
+            <a:endParaRPr/>
           </a:p>
         </p:txBody>
       </p:sp>
@@ -9011,20 +9269,20 @@
   <p:clrMapOvr>
     <a:masterClrMapping/>
   </p:clrMapOvr>
-  <p:transition xmlns:p14="http://schemas.microsoft.com/office/powerpoint/2010/main" spd="med" advClick="1"/>
+  <p:transition spd="med"/>
   <p:timing>
     <p:tnLst>
       <p:par>
-        <p:cTn id="1" nodeType="tmRoot" restart="never" dur="indefinite" fill="hold">
+        <p:cTn id="1" dur="indefinite" restart="never" fill="hold" nodeType="tmRoot">
           <p:childTnLst>
             <p:seq concurrent="1" prevAc="none" nextAc="seek">
-              <p:cTn id="2" nodeType="mainSeq" dur="indefinite" fill="hold">
+              <p:cTn id="2" dur="indefinite" fill="hold" nodeType="mainSeq">
                 <p:childTnLst>
                   <p:par>
                     <p:cTn id="3" fill="hold">
                       <p:stCondLst>
                         <p:cond delay="indefinite"/>
-                        <p:cond evt="onBegin">
+                        <p:cond evt="onBegin" delay="0">
                           <p:tn val="2"/>
                         </p:cond>
                       </p:stCondLst>
@@ -9036,11 +9294,11 @@
                             </p:stCondLst>
                             <p:childTnLst>
                               <p:par>
-                                <p:cTn id="5" presetClass="entr" nodeType="afterEffect" presetSubtype="0" presetID="1" grpId="1" fill="hold">
+                                <p:cTn id="5" presetID="1" presetClass="entr" presetSubtype="0" fill="hold" grpId="1" nodeType="afterEffect">
                                   <p:stCondLst>
                                     <p:cond delay="0"/>
                                   </p:stCondLst>
-                                  <p:iterate type="el" backwards="0">
+                                  <p:iterate>
                                     <p:tmAbs val="0"/>
                                   </p:iterate>
                                   <p:childTnLst>
@@ -9064,11 +9322,11 @@
                                 </p:cTn>
                               </p:par>
                               <p:par>
-                                <p:cTn id="7" presetClass="entr" nodeType="withEffect" presetSubtype="0" presetID="1" grpId="1" fill="hold">
+                                <p:cTn id="7" presetID="1" presetClass="entr" presetSubtype="0" fill="hold" grpId="1" nodeType="withEffect">
                                   <p:stCondLst>
                                     <p:cond delay="0"/>
                                   </p:stCondLst>
-                                  <p:iterate type="el" backwards="0">
+                                  <p:iterate>
                                     <p:tmAbs val="0"/>
                                   </p:iterate>
                                   <p:childTnLst>
@@ -9103,11 +9361,11 @@
                             </p:stCondLst>
                             <p:childTnLst>
                               <p:par>
-                                <p:cTn id="10" presetClass="entr" nodeType="afterEffect" presetSubtype="0" presetID="1" grpId="1" fill="hold">
+                                <p:cTn id="10" presetID="1" presetClass="entr" presetSubtype="0" fill="hold" grpId="1" nodeType="afterEffect">
                                   <p:stCondLst>
                                     <p:cond delay="0"/>
                                   </p:stCondLst>
-                                  <p:iterate type="el" backwards="0">
+                                  <p:iterate>
                                     <p:tmAbs val="0"/>
                                   </p:iterate>
                                   <p:childTnLst>
@@ -9151,11 +9409,11 @@
                             </p:stCondLst>
                             <p:childTnLst>
                               <p:par>
-                                <p:cTn id="14" presetClass="entr" nodeType="clickEffect" presetSubtype="0" presetID="1" grpId="1" fill="hold">
+                                <p:cTn id="14" presetID="1" presetClass="entr" presetSubtype="0" fill="hold" grpId="1" nodeType="clickEffect">
                                   <p:stCondLst>
                                     <p:cond delay="0"/>
                                   </p:stCondLst>
-                                  <p:iterate type="el" backwards="0">
+                                  <p:iterate>
                                     <p:tmAbs val="0"/>
                                   </p:iterate>
                                   <p:childTnLst>
@@ -9199,11 +9457,11 @@
                             </p:stCondLst>
                             <p:childTnLst>
                               <p:par>
-                                <p:cTn id="18" presetClass="entr" nodeType="clickEffect" presetSubtype="0" presetID="1" grpId="1" fill="hold">
+                                <p:cTn id="18" presetID="1" presetClass="entr" presetSubtype="0" fill="hold" grpId="1" nodeType="clickEffect">
                                   <p:stCondLst>
                                     <p:cond delay="0"/>
                                   </p:stCondLst>
-                                  <p:iterate type="el" backwards="0">
+                                  <p:iterate>
                                     <p:tmAbs val="0"/>
                                   </p:iterate>
                                   <p:childTnLst>
@@ -9247,11 +9505,11 @@
                             </p:stCondLst>
                             <p:childTnLst>
                               <p:par>
-                                <p:cTn id="22" presetClass="entr" nodeType="clickEffect" presetSubtype="0" presetID="1" grpId="1" fill="hold">
+                                <p:cTn id="22" presetID="1" presetClass="entr" presetSubtype="0" fill="hold" grpId="1" nodeType="clickEffect">
                                   <p:stCondLst>
                                     <p:cond delay="0"/>
                                   </p:stCondLst>
-                                  <p:iterate type="el" backwards="0">
+                                  <p:iterate>
                                     <p:tmAbs val="0"/>
                                   </p:iterate>
                                   <p:childTnLst>
@@ -9295,11 +9553,11 @@
                             </p:stCondLst>
                             <p:childTnLst>
                               <p:par>
-                                <p:cTn id="26" presetClass="entr" nodeType="clickEffect" presetSubtype="0" presetID="1" grpId="1" fill="hold">
+                                <p:cTn id="26" presetID="1" presetClass="entr" presetSubtype="0" fill="hold" grpId="1" nodeType="clickEffect">
                                   <p:stCondLst>
                                     <p:cond delay="0"/>
                                   </p:stCondLst>
-                                  <p:iterate type="el" backwards="0">
+                                  <p:iterate>
                                     <p:tmAbs val="0"/>
                                   </p:iterate>
                                   <p:childTnLst>
@@ -9343,11 +9601,11 @@
                             </p:stCondLst>
                             <p:childTnLst>
                               <p:par>
-                                <p:cTn id="30" presetClass="entr" nodeType="clickEffect" presetSubtype="0" presetID="1" grpId="1" fill="hold">
+                                <p:cTn id="30" presetID="1" presetClass="entr" presetSubtype="0" fill="hold" grpId="1" nodeType="clickEffect">
                                   <p:stCondLst>
                                     <p:cond delay="0"/>
                                   </p:stCondLst>
-                                  <p:iterate type="el" backwards="0">
+                                  <p:iterate>
                                     <p:tmAbs val="0"/>
                                   </p:iterate>
                                   <p:childTnLst>
@@ -9381,14 +9639,14 @@
                 </p:childTnLst>
               </p:cTn>
               <p:prevCondLst>
-                <p:cond evt="onPrev">
+                <p:cond evt="onPrev" delay="0">
                   <p:tgtEl>
                     <p:sldTgt/>
                   </p:tgtEl>
                 </p:cond>
               </p:prevCondLst>
               <p:nextCondLst>
-                <p:cond evt="onNext">
+                <p:cond evt="onNext" delay="0">
                   <p:tgtEl>
                     <p:sldTgt/>
                   </p:tgtEl>
@@ -9400,14 +9658,14 @@
       </p:par>
     </p:tnLst>
     <p:bldLst>
-      <p:bldP build="p" bldLvl="5" animBg="1" rev="0" advAuto="0" spid="64" grpId="1"/>
+      <p:bldP spid="64" grpId="1" build="p" bldLvl="5" animBg="1" advAuto="0"/>
     </p:bldLst>
   </p:timing>
 </p:sld>
 </file>
 
 <file path=ppt/slides/slide6.xml><?xml version="1.0" encoding="utf-8"?>
-<p:sld xmlns:a="http://schemas.openxmlformats.org/drawingml/2006/main" xmlns:r="http://schemas.openxmlformats.org/officeDocument/2006/relationships" xmlns:p="http://schemas.openxmlformats.org/presentationml/2006/main" xmlns:m="http://schemas.openxmlformats.org/officeDocument/2006/math" xmlns:a14="http://schemas.microsoft.com/office/drawing/2010/main" showMasterSp="1" showMasterPhAnim="1">
+<p:sld xmlns:a="http://schemas.openxmlformats.org/drawingml/2006/main" xmlns:r="http://schemas.openxmlformats.org/officeDocument/2006/relationships" xmlns:p="http://schemas.openxmlformats.org/presentationml/2006/main">
   <p:cSld>
     <p:spTree>
       <p:nvGrpSpPr>
@@ -9426,7 +9684,9 @@
       <p:sp>
         <p:nvSpPr>
           <p:cNvPr id="69" name="제목 1"/>
-          <p:cNvSpPr txBox="1"/>
+          <p:cNvSpPr txBox="1">
+            <a:spLocks noGrp="1"/>
+          </p:cNvSpPr>
           <p:nvPr>
             <p:ph type="title"/>
           </p:nvPr>
@@ -9444,7 +9704,6 @@
           <a:bodyPr/>
           <a:lstStyle/>
           <a:p>
-            <a:pPr/>
             <a:r>
               <a:t>Example) ObjectClassTest (1/4)</a:t>
             </a:r>
@@ -9454,7 +9713,9 @@
       <p:sp>
         <p:nvSpPr>
           <p:cNvPr id="70" name="슬라이드 번호 개체 틀 3"/>
-          <p:cNvSpPr txBox="1"/>
+          <p:cNvSpPr txBox="1">
+            <a:spLocks noGrp="1"/>
+          </p:cNvSpPr>
           <p:nvPr>
             <p:ph type="sldNum" sz="quarter" idx="2"/>
           </p:nvPr>
@@ -9469,7 +9730,7 @@
           </a:prstGeom>
           <a:extLst>
             <a:ext uri="{C572A759-6A51-4108-AA02-DFA0A04FC94B}">
-              <ma14:wrappingTextBoxFlag xmlns:ma14="http://schemas.microsoft.com/office/mac/drawingml/2011/main" val="1"/>
+              <ma14:wrappingTextBoxFlag xmlns:ma14="http://schemas.microsoft.com/office/mac/drawingml/2011/main" xmlns:a14="http://schemas.microsoft.com/office/drawing/2010/main" xmlns:m="http://schemas.openxmlformats.org/officeDocument/2006/math" xmlns="" val="1"/>
             </a:ext>
           </a:extLst>
         </p:spPr>
@@ -9477,8 +9738,11 @@
           <a:bodyPr/>
           <a:lstStyle/>
           <a:p>
-            <a:pPr/>
-            <a:fld id="{86CB4B4D-7CA3-9044-876B-883B54F8677D}" type="slidenum"/>
+            <a:fld id="{86CB4B4D-7CA3-9044-876B-883B54F8677D}" type="slidenum">
+              <a:rPr/>
+              <a:t>6</a:t>
+            </a:fld>
+            <a:endParaRPr/>
           </a:p>
         </p:txBody>
       </p:sp>
@@ -9503,7 +9767,7 @@
           </a:ln>
           <a:extLst>
             <a:ext uri="{C572A759-6A51-4108-AA02-DFA0A04FC94B}">
-              <ma14:wrappingTextBoxFlag xmlns:ma14="http://schemas.microsoft.com/office/mac/drawingml/2011/main" val="1"/>
+              <ma14:wrappingTextBoxFlag xmlns:ma14="http://schemas.microsoft.com/office/mac/drawingml/2011/main" xmlns:a14="http://schemas.microsoft.com/office/drawing/2010/main" xmlns:m="http://schemas.openxmlformats.org/officeDocument/2006/math" xmlns="" val="1"/>
             </a:ext>
           </a:extLst>
         </p:spPr>
@@ -9604,6 +9868,7 @@
                 <a:sym typeface="Menlo Regular"/>
               </a:defRPr>
             </a:pPr>
+            <a:endParaRPr/>
           </a:p>
           <a:p>
             <a:pPr>
@@ -9784,6 +10049,7 @@
                 <a:sym typeface="Menlo Regular"/>
               </a:defRPr>
             </a:pPr>
+            <a:endParaRPr/>
           </a:p>
           <a:p>
             <a:pPr>
@@ -9864,14 +10130,14 @@
   <p:clrMapOvr>
     <a:masterClrMapping/>
   </p:clrMapOvr>
-  <p:transition xmlns:p14="http://schemas.microsoft.com/office/powerpoint/2010/main" spd="med" advClick="1"/>
+  <p:transition spd="med"/>
   <p:timing>
     <p:tnLst>
       <p:par>
-        <p:cTn id="1" nodeType="tmRoot" restart="never" dur="indefinite" fill="hold">
+        <p:cTn id="1" dur="indefinite" restart="never" fill="hold" nodeType="tmRoot">
           <p:childTnLst>
             <p:seq concurrent="1" prevAc="none" nextAc="seek">
-              <p:cTn id="2" nodeType="mainSeq" dur="indefinite" fill="hold">
+              <p:cTn id="2" dur="indefinite" fill="hold" nodeType="mainSeq">
                 <p:childTnLst>
                   <p:par>
                     <p:cTn id="3" fill="hold">
@@ -9886,11 +10152,11 @@
                             </p:stCondLst>
                             <p:childTnLst>
                               <p:par>
-                                <p:cTn id="5" presetClass="entr" nodeType="clickEffect" presetSubtype="0" presetID="1" grpId="1" fill="hold">
+                                <p:cTn id="5" presetID="1" presetClass="entr" presetSubtype="0" fill="hold" grpId="1" nodeType="clickEffect">
                                   <p:stCondLst>
                                     <p:cond delay="0"/>
                                   </p:stCondLst>
-                                  <p:iterate type="el" backwards="0">
+                                  <p:iterate>
                                     <p:tmAbs val="0"/>
                                   </p:iterate>
                                   <p:childTnLst>
@@ -9914,11 +10180,11 @@
                                 </p:cTn>
                               </p:par>
                               <p:par>
-                                <p:cTn id="7" presetClass="entr" nodeType="withEffect" presetSubtype="0" presetID="1" grpId="1" fill="hold">
+                                <p:cTn id="7" presetID="1" presetClass="entr" presetSubtype="0" fill="hold" grpId="1" nodeType="withEffect">
                                   <p:stCondLst>
                                     <p:cond delay="0"/>
                                   </p:stCondLst>
-                                  <p:iterate type="el" backwards="0">
+                                  <p:iterate>
                                     <p:tmAbs val="0"/>
                                   </p:iterate>
                                   <p:childTnLst>
@@ -9953,11 +10219,11 @@
                             </p:stCondLst>
                             <p:childTnLst>
                               <p:par>
-                                <p:cTn id="10" presetClass="entr" nodeType="afterEffect" presetSubtype="0" presetID="1" grpId="1" fill="hold">
+                                <p:cTn id="10" presetID="1" presetClass="entr" presetSubtype="0" fill="hold" grpId="1" nodeType="afterEffect">
                                   <p:stCondLst>
                                     <p:cond delay="0"/>
                                   </p:stCondLst>
-                                  <p:iterate type="el" backwards="0">
+                                  <p:iterate>
                                     <p:tmAbs val="0"/>
                                   </p:iterate>
                                   <p:childTnLst>
@@ -9992,11 +10258,11 @@
                             </p:stCondLst>
                             <p:childTnLst>
                               <p:par>
-                                <p:cTn id="13" presetClass="entr" nodeType="afterEffect" presetSubtype="0" presetID="1" grpId="1" fill="hold">
+                                <p:cTn id="13" presetID="1" presetClass="entr" presetSubtype="0" fill="hold" grpId="1" nodeType="afterEffect">
                                   <p:stCondLst>
                                     <p:cond delay="0"/>
                                   </p:stCondLst>
-                                  <p:iterate type="el" backwards="0">
+                                  <p:iterate>
                                     <p:tmAbs val="0"/>
                                   </p:iterate>
                                   <p:childTnLst>
@@ -10031,11 +10297,11 @@
                             </p:stCondLst>
                             <p:childTnLst>
                               <p:par>
-                                <p:cTn id="16" presetClass="entr" nodeType="afterEffect" presetSubtype="0" presetID="1" grpId="1" fill="hold">
+                                <p:cTn id="16" presetID="1" presetClass="entr" presetSubtype="0" fill="hold" grpId="1" nodeType="afterEffect">
                                   <p:stCondLst>
                                     <p:cond delay="0"/>
                                   </p:stCondLst>
-                                  <p:iterate type="el" backwards="0">
+                                  <p:iterate>
                                     <p:tmAbs val="0"/>
                                   </p:iterate>
                                   <p:childTnLst>
@@ -10079,11 +10345,11 @@
                             </p:stCondLst>
                             <p:childTnLst>
                               <p:par>
-                                <p:cTn id="20" presetClass="entr" nodeType="clickEffect" presetSubtype="0" presetID="1" grpId="1" fill="hold">
+                                <p:cTn id="20" presetID="1" presetClass="entr" presetSubtype="0" fill="hold" grpId="1" nodeType="clickEffect">
                                   <p:stCondLst>
                                     <p:cond delay="0"/>
                                   </p:stCondLst>
-                                  <p:iterate type="el" backwards="0">
+                                  <p:iterate>
                                     <p:tmAbs val="0"/>
                                   </p:iterate>
                                   <p:childTnLst>
@@ -10118,11 +10384,11 @@
                             </p:stCondLst>
                             <p:childTnLst>
                               <p:par>
-                                <p:cTn id="23" presetClass="entr" nodeType="afterEffect" presetSubtype="0" presetID="1" grpId="1" fill="hold">
+                                <p:cTn id="23" presetID="1" presetClass="entr" presetSubtype="0" fill="hold" grpId="1" nodeType="afterEffect">
                                   <p:stCondLst>
                                     <p:cond delay="0"/>
                                   </p:stCondLst>
-                                  <p:iterate type="el" backwards="0">
+                                  <p:iterate>
                                     <p:tmAbs val="0"/>
                                   </p:iterate>
                                   <p:childTnLst>
@@ -10157,11 +10423,11 @@
                             </p:stCondLst>
                             <p:childTnLst>
                               <p:par>
-                                <p:cTn id="26" presetClass="entr" nodeType="afterEffect" presetSubtype="0" presetID="1" grpId="1" fill="hold">
+                                <p:cTn id="26" presetID="1" presetClass="entr" presetSubtype="0" fill="hold" grpId="1" nodeType="afterEffect">
                                   <p:stCondLst>
                                     <p:cond delay="0"/>
                                   </p:stCondLst>
-                                  <p:iterate type="el" backwards="0">
+                                  <p:iterate>
                                     <p:tmAbs val="0"/>
                                   </p:iterate>
                                   <p:childTnLst>
@@ -10196,11 +10462,11 @@
                             </p:stCondLst>
                             <p:childTnLst>
                               <p:par>
-                                <p:cTn id="29" presetClass="entr" nodeType="afterEffect" presetSubtype="0" presetID="1" grpId="1" fill="hold">
+                                <p:cTn id="29" presetID="1" presetClass="entr" presetSubtype="0" fill="hold" grpId="1" nodeType="afterEffect">
                                   <p:stCondLst>
                                     <p:cond delay="0"/>
                                   </p:stCondLst>
-                                  <p:iterate type="el" backwards="0">
+                                  <p:iterate>
                                     <p:tmAbs val="0"/>
                                   </p:iterate>
                                   <p:childTnLst>
@@ -10235,11 +10501,11 @@
                             </p:stCondLst>
                             <p:childTnLst>
                               <p:par>
-                                <p:cTn id="32" presetClass="entr" nodeType="afterEffect" presetSubtype="0" presetID="1" grpId="1" fill="hold">
+                                <p:cTn id="32" presetID="1" presetClass="entr" presetSubtype="0" fill="hold" grpId="1" nodeType="afterEffect">
                                   <p:stCondLst>
                                     <p:cond delay="0"/>
                                   </p:stCondLst>
-                                  <p:iterate type="el" backwards="0">
+                                  <p:iterate>
                                     <p:tmAbs val="0"/>
                                   </p:iterate>
                                   <p:childTnLst>
@@ -10283,11 +10549,11 @@
                             </p:stCondLst>
                             <p:childTnLst>
                               <p:par>
-                                <p:cTn id="36" presetClass="entr" nodeType="clickEffect" presetSubtype="0" presetID="1" grpId="1" fill="hold">
+                                <p:cTn id="36" presetID="1" presetClass="entr" presetSubtype="0" fill="hold" grpId="1" nodeType="clickEffect">
                                   <p:stCondLst>
                                     <p:cond delay="0"/>
                                   </p:stCondLst>
-                                  <p:iterate type="el" backwards="0">
+                                  <p:iterate>
                                     <p:tmAbs val="0"/>
                                   </p:iterate>
                                   <p:childTnLst>
@@ -10322,11 +10588,11 @@
                             </p:stCondLst>
                             <p:childTnLst>
                               <p:par>
-                                <p:cTn id="39" presetClass="entr" nodeType="afterEffect" presetSubtype="0" presetID="1" grpId="1" fill="hold">
+                                <p:cTn id="39" presetID="1" presetClass="entr" presetSubtype="0" fill="hold" grpId="1" nodeType="afterEffect">
                                   <p:stCondLst>
                                     <p:cond delay="0"/>
                                   </p:stCondLst>
-                                  <p:iterate type="el" backwards="0">
+                                  <p:iterate>
                                     <p:tmAbs val="0"/>
                                   </p:iterate>
                                   <p:childTnLst>
@@ -10361,11 +10627,11 @@
                             </p:stCondLst>
                             <p:childTnLst>
                               <p:par>
-                                <p:cTn id="42" presetClass="entr" nodeType="afterEffect" presetSubtype="0" presetID="1" grpId="1" fill="hold">
+                                <p:cTn id="42" presetID="1" presetClass="entr" presetSubtype="0" fill="hold" grpId="1" nodeType="afterEffect">
                                   <p:stCondLst>
                                     <p:cond delay="0"/>
                                   </p:stCondLst>
-                                  <p:iterate type="el" backwards="0">
+                                  <p:iterate>
                                     <p:tmAbs val="0"/>
                                   </p:iterate>
                                   <p:childTnLst>
@@ -10400,11 +10666,11 @@
                             </p:stCondLst>
                             <p:childTnLst>
                               <p:par>
-                                <p:cTn id="45" presetClass="entr" nodeType="afterEffect" presetSubtype="0" presetID="1" grpId="1" fill="hold">
+                                <p:cTn id="45" presetID="1" presetClass="entr" presetSubtype="0" fill="hold" grpId="1" nodeType="afterEffect">
                                   <p:stCondLst>
                                     <p:cond delay="0"/>
                                   </p:stCondLst>
-                                  <p:iterate type="el" backwards="0">
+                                  <p:iterate>
                                     <p:tmAbs val="0"/>
                                   </p:iterate>
                                   <p:childTnLst>
@@ -10448,11 +10714,11 @@
                             </p:stCondLst>
                             <p:childTnLst>
                               <p:par>
-                                <p:cTn id="49" presetClass="entr" nodeType="clickEffect" presetSubtype="0" presetID="1" grpId="1" fill="hold">
+                                <p:cTn id="49" presetID="1" presetClass="entr" presetSubtype="0" fill="hold" grpId="1" nodeType="clickEffect">
                                   <p:stCondLst>
                                     <p:cond delay="0"/>
                                   </p:stCondLst>
-                                  <p:iterate type="el" backwards="0">
+                                  <p:iterate>
                                     <p:tmAbs val="0"/>
                                   </p:iterate>
                                   <p:childTnLst>
@@ -10487,11 +10753,11 @@
                             </p:stCondLst>
                             <p:childTnLst>
                               <p:par>
-                                <p:cTn id="52" presetClass="entr" nodeType="afterEffect" presetSubtype="0" presetID="1" grpId="1" fill="hold">
+                                <p:cTn id="52" presetID="1" presetClass="entr" presetSubtype="0" fill="hold" grpId="1" nodeType="afterEffect">
                                   <p:stCondLst>
                                     <p:cond delay="0"/>
                                   </p:stCondLst>
-                                  <p:iterate type="el" backwards="0">
+                                  <p:iterate>
                                     <p:tmAbs val="0"/>
                                   </p:iterate>
                                   <p:childTnLst>
@@ -10526,11 +10792,11 @@
                             </p:stCondLst>
                             <p:childTnLst>
                               <p:par>
-                                <p:cTn id="55" presetClass="entr" nodeType="afterEffect" presetSubtype="0" presetID="1" grpId="1" fill="hold">
+                                <p:cTn id="55" presetID="1" presetClass="entr" presetSubtype="0" fill="hold" grpId="1" nodeType="afterEffect">
                                   <p:stCondLst>
                                     <p:cond delay="0"/>
                                   </p:stCondLst>
-                                  <p:iterate type="el" backwards="0">
+                                  <p:iterate>
                                     <p:tmAbs val="0"/>
                                   </p:iterate>
                                   <p:childTnLst>
@@ -10564,14 +10830,14 @@
                 </p:childTnLst>
               </p:cTn>
               <p:prevCondLst>
-                <p:cond evt="onPrev">
+                <p:cond evt="onPrev" delay="0">
                   <p:tgtEl>
                     <p:sldTgt/>
                   </p:tgtEl>
                 </p:cond>
               </p:prevCondLst>
               <p:nextCondLst>
-                <p:cond evt="onNext">
+                <p:cond evt="onNext" delay="0">
                   <p:tgtEl>
                     <p:sldTgt/>
                   </p:tgtEl>
@@ -10583,14 +10849,14 @@
       </p:par>
     </p:tnLst>
     <p:bldLst>
-      <p:bldP build="p" bldLvl="5" animBg="1" rev="0" advAuto="0" spid="71" grpId="1"/>
+      <p:bldP spid="71" grpId="1" build="p" bldLvl="5" animBg="1" advAuto="0"/>
     </p:bldLst>
   </p:timing>
 </p:sld>
 </file>
 
 <file path=ppt/slides/slide7.xml><?xml version="1.0" encoding="utf-8"?>
-<p:sld xmlns:a="http://schemas.openxmlformats.org/drawingml/2006/main" xmlns:r="http://schemas.openxmlformats.org/officeDocument/2006/relationships" xmlns:p="http://schemas.openxmlformats.org/presentationml/2006/main" xmlns:m="http://schemas.openxmlformats.org/officeDocument/2006/math" xmlns:a14="http://schemas.microsoft.com/office/drawing/2010/main" showMasterSp="1" showMasterPhAnim="1">
+<p:sld xmlns:a="http://schemas.openxmlformats.org/drawingml/2006/main" xmlns:r="http://schemas.openxmlformats.org/officeDocument/2006/relationships" xmlns:p="http://schemas.openxmlformats.org/presentationml/2006/main">
   <p:cSld>
     <p:spTree>
       <p:nvGrpSpPr>
@@ -10609,7 +10875,9 @@
       <p:sp>
         <p:nvSpPr>
           <p:cNvPr id="75" name="제목 1"/>
-          <p:cNvSpPr txBox="1"/>
+          <p:cNvSpPr txBox="1">
+            <a:spLocks noGrp="1"/>
+          </p:cNvSpPr>
           <p:nvPr>
             <p:ph type="title"/>
           </p:nvPr>
@@ -10627,7 +10895,6 @@
           <a:bodyPr/>
           <a:lstStyle/>
           <a:p>
-            <a:pPr/>
             <a:r>
               <a:t>Example) ObjectClassTest (2/4)</a:t>
             </a:r>
@@ -10637,7 +10904,9 @@
       <p:sp>
         <p:nvSpPr>
           <p:cNvPr id="76" name="슬라이드 번호 개체 틀 3"/>
-          <p:cNvSpPr txBox="1"/>
+          <p:cNvSpPr txBox="1">
+            <a:spLocks noGrp="1"/>
+          </p:cNvSpPr>
           <p:nvPr>
             <p:ph type="sldNum" sz="quarter" idx="2"/>
           </p:nvPr>
@@ -10652,7 +10921,7 @@
           </a:prstGeom>
           <a:extLst>
             <a:ext uri="{C572A759-6A51-4108-AA02-DFA0A04FC94B}">
-              <ma14:wrappingTextBoxFlag xmlns:ma14="http://schemas.microsoft.com/office/mac/drawingml/2011/main" val="1"/>
+              <ma14:wrappingTextBoxFlag xmlns:ma14="http://schemas.microsoft.com/office/mac/drawingml/2011/main" xmlns:a14="http://schemas.microsoft.com/office/drawing/2010/main" xmlns:m="http://schemas.openxmlformats.org/officeDocument/2006/math" xmlns="" val="1"/>
             </a:ext>
           </a:extLst>
         </p:spPr>
@@ -10660,8 +10929,11 @@
           <a:bodyPr/>
           <a:lstStyle/>
           <a:p>
-            <a:pPr/>
-            <a:fld id="{86CB4B4D-7CA3-9044-876B-883B54F8677D}" type="slidenum"/>
+            <a:fld id="{86CB4B4D-7CA3-9044-876B-883B54F8677D}" type="slidenum">
+              <a:rPr/>
+              <a:t>7</a:t>
+            </a:fld>
+            <a:endParaRPr/>
           </a:p>
         </p:txBody>
       </p:sp>
@@ -10674,7 +10946,7 @@
         <p:spPr>
           <a:xfrm>
             <a:off x="551381" y="989548"/>
-            <a:ext cx="11089238" cy="3834766"/>
+            <a:ext cx="11089238" cy="3970318"/>
           </a:xfrm>
           <a:prstGeom prst="rect">
             <a:avLst/>
@@ -10686,7 +10958,7 @@
           </a:ln>
           <a:extLst>
             <a:ext uri="{C572A759-6A51-4108-AA02-DFA0A04FC94B}">
-              <ma14:wrappingTextBoxFlag xmlns:ma14="http://schemas.microsoft.com/office/mac/drawingml/2011/main" val="1"/>
+              <ma14:wrappingTextBoxFlag xmlns:ma14="http://schemas.microsoft.com/office/mac/drawingml/2011/main" xmlns:a14="http://schemas.microsoft.com/office/drawing/2010/main" xmlns:m="http://schemas.openxmlformats.org/officeDocument/2006/math" xmlns="" val="1"/>
             </a:ext>
           </a:extLst>
         </p:spPr>
@@ -10705,7 +10977,18 @@
               </a:defRPr>
             </a:pPr>
             <a:r>
-              <a:t>    @Override</a:t>
+              <a:rPr dirty="0"/>
+              <a:t>    </a:t>
+            </a:r>
+            <a:r>
+              <a:rPr dirty="0">
+                <a:solidFill>
+                  <a:schemeClr val="bg1">
+                    <a:lumMod val="50000"/>
+                  </a:schemeClr>
+                </a:solidFill>
+              </a:rPr>
+              <a:t>@Override</a:t>
             </a:r>
           </a:p>
           <a:p>
@@ -10718,10 +11001,11 @@
               </a:defRPr>
             </a:pPr>
             <a:r>
+              <a:rPr dirty="0"/>
               <a:t>    </a:t>
             </a:r>
             <a:r>
-              <a:rPr b="1">
+              <a:rPr b="1" dirty="0">
                 <a:solidFill>
                   <a:srgbClr val="9B2393"/>
                 </a:solidFill>
@@ -10729,10 +11013,11 @@
               <a:t>public</a:t>
             </a:r>
             <a:r>
+              <a:rPr dirty="0"/>
               <a:t> </a:t>
             </a:r>
             <a:r>
-              <a:rPr b="1">
+              <a:rPr b="1" dirty="0">
                 <a:solidFill>
                   <a:srgbClr val="9B2393"/>
                 </a:solidFill>
@@ -10740,6 +11025,7 @@
               <a:t>boolean</a:t>
             </a:r>
             <a:r>
+              <a:rPr dirty="0"/>
               <a:t> equals(Object other) {</a:t>
             </a:r>
           </a:p>
@@ -10752,6 +11038,7 @@
                 <a:sym typeface="Menlo Regular"/>
               </a:defRPr>
             </a:pPr>
+            <a:endParaRPr dirty="0"/>
           </a:p>
           <a:p>
             <a:pPr>
@@ -10763,10 +11050,11 @@
               </a:defRPr>
             </a:pPr>
             <a:r>
+              <a:rPr dirty="0"/>
               <a:t>        </a:t>
             </a:r>
             <a:r>
-              <a:rPr b="1">
+              <a:rPr b="1" dirty="0">
                 <a:solidFill>
                   <a:srgbClr val="9B2393"/>
                 </a:solidFill>
@@ -10774,10 +11062,11 @@
               <a:t>if</a:t>
             </a:r>
             <a:r>
+              <a:rPr dirty="0"/>
               <a:t> (</a:t>
             </a:r>
             <a:r>
-              <a:rPr b="1">
+              <a:rPr b="1" dirty="0">
                 <a:solidFill>
                   <a:srgbClr val="9B2393"/>
                 </a:solidFill>
@@ -10785,10 +11074,11 @@
               <a:t>this</a:t>
             </a:r>
             <a:r>
+              <a:rPr dirty="0"/>
               <a:t> == other) </a:t>
             </a:r>
             <a:r>
-              <a:rPr b="1">
+              <a:rPr b="1" dirty="0">
                 <a:solidFill>
                   <a:srgbClr val="9B2393"/>
                 </a:solidFill>
@@ -10796,10 +11086,11 @@
               <a:t>return</a:t>
             </a:r>
             <a:r>
+              <a:rPr dirty="0"/>
               <a:t> </a:t>
             </a:r>
             <a:r>
-              <a:rPr b="1">
+              <a:rPr b="1" dirty="0">
                 <a:solidFill>
                   <a:srgbClr val="9B2393"/>
                 </a:solidFill>
@@ -10807,6 +11098,7 @@
               <a:t>true</a:t>
             </a:r>
             <a:r>
+              <a:rPr dirty="0"/>
               <a:t>;</a:t>
             </a:r>
           </a:p>
@@ -10820,10 +11112,11 @@
               </a:defRPr>
             </a:pPr>
             <a:r>
+              <a:rPr dirty="0"/>
               <a:t>        </a:t>
             </a:r>
             <a:r>
-              <a:rPr b="1">
+              <a:rPr b="1" dirty="0">
                 <a:solidFill>
                   <a:srgbClr val="9B2393"/>
                 </a:solidFill>
@@ -10831,10 +11124,11 @@
               <a:t>if</a:t>
             </a:r>
             <a:r>
+              <a:rPr dirty="0"/>
               <a:t> (other == </a:t>
             </a:r>
             <a:r>
-              <a:rPr b="1">
+              <a:rPr b="1" dirty="0">
                 <a:solidFill>
                   <a:srgbClr val="9B2393"/>
                 </a:solidFill>
@@ -10842,10 +11136,27 @@
               <a:t>null</a:t>
             </a:r>
             <a:r>
-              <a:t> || getClass() != other.getClass()) </a:t>
-            </a:r>
-            <a:r>
-              <a:rPr b="1">
+              <a:rPr dirty="0"/>
+              <a:t> || </a:t>
+            </a:r>
+            <a:r>
+              <a:rPr dirty="0" err="1"/>
+              <a:t>getClass</a:t>
+            </a:r>
+            <a:r>
+              <a:rPr dirty="0"/>
+              <a:t>() != </a:t>
+            </a:r>
+            <a:r>
+              <a:rPr dirty="0" err="1"/>
+              <a:t>other.getClass</a:t>
+            </a:r>
+            <a:r>
+              <a:rPr dirty="0"/>
+              <a:t>()) </a:t>
+            </a:r>
+            <a:r>
+              <a:rPr b="1" dirty="0">
                 <a:solidFill>
                   <a:srgbClr val="9B2393"/>
                 </a:solidFill>
@@ -10853,10 +11164,11 @@
               <a:t>return</a:t>
             </a:r>
             <a:r>
+              <a:rPr dirty="0"/>
               <a:t> </a:t>
             </a:r>
             <a:r>
-              <a:rPr b="1">
+              <a:rPr b="1" dirty="0">
                 <a:solidFill>
                   <a:srgbClr val="9B2393"/>
                 </a:solidFill>
@@ -10864,6 +11176,7 @@
               <a:t>false</a:t>
             </a:r>
             <a:r>
+              <a:rPr dirty="0"/>
               <a:t>;</a:t>
             </a:r>
           </a:p>
@@ -10876,6 +11189,7 @@
                 <a:sym typeface="Menlo Regular"/>
               </a:defRPr>
             </a:pPr>
+            <a:endParaRPr dirty="0"/>
           </a:p>
           <a:p>
             <a:pPr>
@@ -10887,17 +11201,26 @@
               </a:defRPr>
             </a:pPr>
             <a:r>
+              <a:rPr dirty="0"/>
               <a:t>        Person person = (Person) other; </a:t>
             </a:r>
             <a:r>
-              <a:rPr>
+              <a:rPr dirty="0">
                 <a:solidFill>
                   <a:srgbClr val="267507"/>
                 </a:solidFill>
               </a:rPr>
-              <a:t>// downcasting</a:t>
-            </a:r>
-            <a:endParaRPr>
+              <a:t>// </a:t>
+            </a:r>
+            <a:r>
+              <a:rPr dirty="0" err="1">
+                <a:solidFill>
+                  <a:srgbClr val="267507"/>
+                </a:solidFill>
+              </a:rPr>
+              <a:t>downcasting</a:t>
+            </a:r>
+            <a:endParaRPr dirty="0">
               <a:solidFill>
                 <a:srgbClr val="267507"/>
               </a:solidFill>
@@ -10912,6 +11235,11 @@
                 <a:sym typeface="Menlo Regular"/>
               </a:defRPr>
             </a:pPr>
+            <a:endParaRPr dirty="0">
+              <a:solidFill>
+                <a:srgbClr val="267507"/>
+              </a:solidFill>
+            </a:endParaRPr>
           </a:p>
           <a:p>
             <a:pPr>
@@ -10923,10 +11251,11 @@
               </a:defRPr>
             </a:pPr>
             <a:r>
+              <a:rPr dirty="0"/>
               <a:t>        </a:t>
             </a:r>
             <a:r>
-              <a:rPr b="1">
+              <a:rPr b="1" dirty="0">
                 <a:solidFill>
                   <a:srgbClr val="9B2393"/>
                 </a:solidFill>
@@ -10934,7 +11263,16 @@
               <a:t>return</a:t>
             </a:r>
             <a:r>
-              <a:t> age == person.age &amp;&amp;</a:t>
+              <a:rPr dirty="0"/>
+              <a:t> age == </a:t>
+            </a:r>
+            <a:r>
+              <a:rPr dirty="0" err="1"/>
+              <a:t>person.age</a:t>
+            </a:r>
+            <a:r>
+              <a:rPr dirty="0"/>
+              <a:t> &amp;&amp;</a:t>
             </a:r>
           </a:p>
           <a:p>
@@ -10947,10 +11285,11 @@
               </a:defRPr>
             </a:pPr>
             <a:r>
+              <a:rPr dirty="0"/>
               <a:t>           (name == </a:t>
             </a:r>
             <a:r>
-              <a:rPr b="1">
+              <a:rPr b="1" dirty="0">
                 <a:solidFill>
                   <a:srgbClr val="9B2393"/>
                 </a:solidFill>
@@ -10958,6 +11297,7 @@
               <a:t>null</a:t>
             </a:r>
             <a:r>
+              <a:rPr dirty="0"/>
               <a:t> ? </a:t>
             </a:r>
           </a:p>
@@ -10971,10 +11311,19 @@
               </a:defRPr>
             </a:pPr>
             <a:r>
-              <a:t>            person.name == </a:t>
-            </a:r>
-            <a:r>
-              <a:rPr b="1">
+              <a:rPr dirty="0"/>
+              <a:t>            </a:t>
+            </a:r>
+            <a:r>
+              <a:rPr dirty="0" err="1"/>
+              <a:t>person.name</a:t>
+            </a:r>
+            <a:r>
+              <a:rPr dirty="0"/>
+              <a:t> == </a:t>
+            </a:r>
+            <a:r>
+              <a:rPr b="1" dirty="0">
                 <a:solidFill>
                   <a:srgbClr val="9B2393"/>
                 </a:solidFill>
@@ -10982,6 +11331,7 @@
               <a:t>null</a:t>
             </a:r>
             <a:r>
+              <a:rPr dirty="0"/>
               <a:t> : </a:t>
             </a:r>
           </a:p>
@@ -10995,7 +11345,24 @@
               </a:defRPr>
             </a:pPr>
             <a:r>
-              <a:t>            name.equals(person.name));</a:t>
+              <a:rPr dirty="0"/>
+              <a:t>            </a:t>
+            </a:r>
+            <a:r>
+              <a:rPr dirty="0" err="1"/>
+              <a:t>name.equals</a:t>
+            </a:r>
+            <a:r>
+              <a:rPr dirty="0"/>
+              <a:t>(</a:t>
+            </a:r>
+            <a:r>
+              <a:rPr dirty="0" err="1"/>
+              <a:t>person.name</a:t>
+            </a:r>
+            <a:r>
+              <a:rPr dirty="0"/>
+              <a:t>));</a:t>
             </a:r>
           </a:p>
           <a:p>
@@ -11007,6 +11374,7 @@
                 <a:sym typeface="Menlo Regular"/>
               </a:defRPr>
             </a:pPr>
+            <a:endParaRPr dirty="0"/>
           </a:p>
           <a:p>
             <a:pPr>
@@ -11018,6 +11386,7 @@
               </a:defRPr>
             </a:pPr>
             <a:r>
+              <a:rPr dirty="0"/>
               <a:t>    }</a:t>
             </a:r>
           </a:p>
@@ -11028,12 +11397,12 @@
   <p:clrMapOvr>
     <a:masterClrMapping/>
   </p:clrMapOvr>
-  <p:transition xmlns:p14="http://schemas.microsoft.com/office/powerpoint/2010/main" spd="med" advClick="1"/>
+  <p:transition spd="med"/>
 </p:sld>
 </file>
 
 <file path=ppt/slides/slide8.xml><?xml version="1.0" encoding="utf-8"?>
-<p:sld xmlns:a="http://schemas.openxmlformats.org/drawingml/2006/main" xmlns:r="http://schemas.openxmlformats.org/officeDocument/2006/relationships" xmlns:p="http://schemas.openxmlformats.org/presentationml/2006/main" xmlns:m="http://schemas.openxmlformats.org/officeDocument/2006/math" xmlns:a14="http://schemas.microsoft.com/office/drawing/2010/main" showMasterSp="1" showMasterPhAnim="1">
+<p:sld xmlns:a="http://schemas.openxmlformats.org/drawingml/2006/main" xmlns:r="http://schemas.openxmlformats.org/officeDocument/2006/relationships" xmlns:p="http://schemas.openxmlformats.org/presentationml/2006/main">
   <p:cSld>
     <p:spTree>
       <p:nvGrpSpPr>
@@ -11052,7 +11421,9 @@
       <p:sp>
         <p:nvSpPr>
           <p:cNvPr id="81" name="제목 1"/>
-          <p:cNvSpPr txBox="1"/>
+          <p:cNvSpPr txBox="1">
+            <a:spLocks noGrp="1"/>
+          </p:cNvSpPr>
           <p:nvPr>
             <p:ph type="title"/>
           </p:nvPr>
@@ -11070,7 +11441,6 @@
           <a:bodyPr/>
           <a:lstStyle/>
           <a:p>
-            <a:pPr/>
             <a:r>
               <a:t>Example) ObjectClassTest (3/4)</a:t>
             </a:r>
@@ -11080,7 +11450,9 @@
       <p:sp>
         <p:nvSpPr>
           <p:cNvPr id="82" name="슬라이드 번호 개체 틀 3"/>
-          <p:cNvSpPr txBox="1"/>
+          <p:cNvSpPr txBox="1">
+            <a:spLocks noGrp="1"/>
+          </p:cNvSpPr>
           <p:nvPr>
             <p:ph type="sldNum" sz="quarter" idx="2"/>
           </p:nvPr>
@@ -11095,7 +11467,7 @@
           </a:prstGeom>
           <a:extLst>
             <a:ext uri="{C572A759-6A51-4108-AA02-DFA0A04FC94B}">
-              <ma14:wrappingTextBoxFlag xmlns:ma14="http://schemas.microsoft.com/office/mac/drawingml/2011/main" val="1"/>
+              <ma14:wrappingTextBoxFlag xmlns:ma14="http://schemas.microsoft.com/office/mac/drawingml/2011/main" xmlns:a14="http://schemas.microsoft.com/office/drawing/2010/main" xmlns:m="http://schemas.openxmlformats.org/officeDocument/2006/math" xmlns="" val="1"/>
             </a:ext>
           </a:extLst>
         </p:spPr>
@@ -11103,8 +11475,11 @@
           <a:bodyPr/>
           <a:lstStyle/>
           <a:p>
-            <a:pPr/>
-            <a:fld id="{86CB4B4D-7CA3-9044-876B-883B54F8677D}" type="slidenum"/>
+            <a:fld id="{86CB4B4D-7CA3-9044-876B-883B54F8677D}" type="slidenum">
+              <a:rPr/>
+              <a:t>8</a:t>
+            </a:fld>
+            <a:endParaRPr/>
           </a:p>
         </p:txBody>
       </p:sp>
@@ -11117,7 +11492,7 @@
         <p:spPr>
           <a:xfrm>
             <a:off x="551382" y="1310095"/>
-            <a:ext cx="11043247" cy="4101466"/>
+            <a:ext cx="11043247" cy="4247317"/>
           </a:xfrm>
           <a:prstGeom prst="rect">
             <a:avLst/>
@@ -11129,7 +11504,7 @@
           </a:ln>
           <a:extLst>
             <a:ext uri="{C572A759-6A51-4108-AA02-DFA0A04FC94B}">
-              <ma14:wrappingTextBoxFlag xmlns:ma14="http://schemas.microsoft.com/office/mac/drawingml/2011/main" val="1"/>
+              <ma14:wrappingTextBoxFlag xmlns:ma14="http://schemas.microsoft.com/office/mac/drawingml/2011/main" xmlns:a14="http://schemas.microsoft.com/office/drawing/2010/main" xmlns:m="http://schemas.openxmlformats.org/officeDocument/2006/math" xmlns="" val="1"/>
             </a:ext>
           </a:extLst>
         </p:spPr>
@@ -11148,7 +11523,18 @@
               </a:defRPr>
             </a:pPr>
             <a:r>
-              <a:t>    @Override</a:t>
+              <a:rPr dirty="0"/>
+              <a:t>    </a:t>
+            </a:r>
+            <a:r>
+              <a:rPr dirty="0">
+                <a:solidFill>
+                  <a:schemeClr val="bg1">
+                    <a:lumMod val="50000"/>
+                  </a:schemeClr>
+                </a:solidFill>
+              </a:rPr>
+              <a:t>@Override</a:t>
             </a:r>
           </a:p>
           <a:p>
@@ -11161,10 +11547,11 @@
               </a:defRPr>
             </a:pPr>
             <a:r>
+              <a:rPr dirty="0"/>
               <a:t>    </a:t>
             </a:r>
             <a:r>
-              <a:rPr b="1">
+              <a:rPr b="1" dirty="0">
                 <a:solidFill>
                   <a:srgbClr val="9B2393"/>
                 </a:solidFill>
@@ -11172,10 +11559,11 @@
               <a:t>public</a:t>
             </a:r>
             <a:r>
+              <a:rPr dirty="0"/>
               <a:t> </a:t>
             </a:r>
             <a:r>
-              <a:rPr b="1">
+              <a:rPr b="1" dirty="0">
                 <a:solidFill>
                   <a:srgbClr val="9B2393"/>
                 </a:solidFill>
@@ -11183,7 +11571,16 @@
               <a:t>int</a:t>
             </a:r>
             <a:r>
-              <a:t> hashCode() {</a:t>
+              <a:rPr dirty="0"/>
+              <a:t> </a:t>
+            </a:r>
+            <a:r>
+              <a:rPr dirty="0" err="1"/>
+              <a:t>hashCode</a:t>
+            </a:r>
+            <a:r>
+              <a:rPr dirty="0"/>
+              <a:t>() {</a:t>
             </a:r>
           </a:p>
           <a:p>
@@ -11196,10 +11593,11 @@
               </a:defRPr>
             </a:pPr>
             <a:r>
+              <a:rPr dirty="0"/>
               <a:t>        </a:t>
             </a:r>
             <a:r>
-              <a:rPr b="1">
+              <a:rPr b="1" dirty="0">
                 <a:solidFill>
                   <a:srgbClr val="9B2393"/>
                 </a:solidFill>
@@ -11207,10 +11605,11 @@
               <a:t>int</a:t>
             </a:r>
             <a:r>
+              <a:rPr dirty="0"/>
               <a:t> result = ((name != </a:t>
             </a:r>
             <a:r>
-              <a:rPr b="1">
+              <a:rPr b="1" dirty="0">
                 <a:solidFill>
                   <a:srgbClr val="9B2393"/>
                 </a:solidFill>
@@ -11218,10 +11617,19 @@
               <a:t>null</a:t>
             </a:r>
             <a:r>
-              <a:t>) ? name.hashCode() : </a:t>
-            </a:r>
-            <a:r>
-              <a:rPr>
+              <a:rPr dirty="0"/>
+              <a:t>) ? </a:t>
+            </a:r>
+            <a:r>
+              <a:rPr dirty="0" err="1"/>
+              <a:t>name.hashCode</a:t>
+            </a:r>
+            <a:r>
+              <a:rPr dirty="0"/>
+              <a:t>() : </a:t>
+            </a:r>
+            <a:r>
+              <a:rPr dirty="0">
                 <a:solidFill>
                   <a:srgbClr val="1C00CF"/>
                 </a:solidFill>
@@ -11229,6 +11637,7 @@
               <a:t>0)</a:t>
             </a:r>
             <a:r>
+              <a:rPr dirty="0"/>
               <a:t>;</a:t>
             </a:r>
           </a:p>
@@ -11242,10 +11651,11 @@
               </a:defRPr>
             </a:pPr>
             <a:r>
+              <a:rPr dirty="0"/>
               <a:t>        result = </a:t>
             </a:r>
             <a:r>
-              <a:rPr>
+              <a:rPr dirty="0">
                 <a:solidFill>
                   <a:srgbClr val="1C00CF"/>
                 </a:solidFill>
@@ -11253,10 +11663,11 @@
               <a:t>31</a:t>
             </a:r>
             <a:r>
+              <a:rPr dirty="0"/>
               <a:t> * result + age; </a:t>
             </a:r>
             <a:r>
-              <a:rPr>
+              <a:rPr dirty="0">
                 <a:solidFill>
                   <a:srgbClr val="009051"/>
                 </a:solidFill>
@@ -11264,6 +11675,7 @@
               <a:t>// multiplying the prime number 31</a:t>
             </a:r>
             <a:r>
+              <a:rPr dirty="0"/>
               <a:t> </a:t>
             </a:r>
           </a:p>
@@ -11277,10 +11689,11 @@
               </a:defRPr>
             </a:pPr>
             <a:r>
+              <a:rPr dirty="0"/>
               <a:t>        </a:t>
             </a:r>
             <a:r>
-              <a:rPr b="1">
+              <a:rPr b="1" dirty="0">
                 <a:solidFill>
                   <a:srgbClr val="9B2393"/>
                 </a:solidFill>
@@ -11288,6 +11701,7 @@
               <a:t>return</a:t>
             </a:r>
             <a:r>
+              <a:rPr dirty="0"/>
               <a:t> result;</a:t>
             </a:r>
           </a:p>
@@ -11301,6 +11715,7 @@
               </a:defRPr>
             </a:pPr>
             <a:r>
+              <a:rPr dirty="0"/>
               <a:t>    }</a:t>
             </a:r>
           </a:p>
@@ -11313,6 +11728,7 @@
                 <a:sym typeface="Menlo Regular"/>
               </a:defRPr>
             </a:pPr>
+            <a:endParaRPr dirty="0"/>
           </a:p>
           <a:p>
             <a:pPr>
@@ -11324,7 +11740,18 @@
               </a:defRPr>
             </a:pPr>
             <a:r>
-              <a:t>    @Override</a:t>
+              <a:rPr dirty="0"/>
+              <a:t>    </a:t>
+            </a:r>
+            <a:r>
+              <a:rPr dirty="0">
+                <a:solidFill>
+                  <a:schemeClr val="bg1">
+                    <a:lumMod val="50000"/>
+                  </a:schemeClr>
+                </a:solidFill>
+              </a:rPr>
+              <a:t>@Override</a:t>
             </a:r>
           </a:p>
           <a:p>
@@ -11337,10 +11764,11 @@
               </a:defRPr>
             </a:pPr>
             <a:r>
+              <a:rPr dirty="0"/>
               <a:t>    </a:t>
             </a:r>
             <a:r>
-              <a:rPr b="1">
+              <a:rPr b="1" dirty="0">
                 <a:solidFill>
                   <a:srgbClr val="9B2393"/>
                 </a:solidFill>
@@ -11348,7 +11776,16 @@
               <a:t>public</a:t>
             </a:r>
             <a:r>
-              <a:t> String toString() {</a:t>
+              <a:rPr dirty="0"/>
+              <a:t> String </a:t>
+            </a:r>
+            <a:r>
+              <a:rPr dirty="0" err="1"/>
+              <a:t>toString</a:t>
+            </a:r>
+            <a:r>
+              <a:rPr dirty="0"/>
+              <a:t>() {</a:t>
             </a:r>
           </a:p>
           <a:p>
@@ -11361,10 +11798,11 @@
               </a:defRPr>
             </a:pPr>
             <a:r>
+              <a:rPr dirty="0"/>
               <a:t>        </a:t>
             </a:r>
             <a:r>
-              <a:rPr b="1">
+              <a:rPr b="1" dirty="0">
                 <a:solidFill>
                   <a:srgbClr val="9B2393"/>
                 </a:solidFill>
@@ -11372,10 +11810,11 @@
               <a:t>return</a:t>
             </a:r>
             <a:r>
+              <a:rPr dirty="0"/>
               <a:t> </a:t>
             </a:r>
             <a:r>
-              <a:rPr>
+              <a:rPr dirty="0">
                 <a:solidFill>
                   <a:srgbClr val="C41A16"/>
                 </a:solidFill>
@@ -11383,6 +11822,7 @@
               <a:t>"Person{"</a:t>
             </a:r>
             <a:r>
+              <a:rPr dirty="0"/>
               <a:t> +</a:t>
             </a:r>
           </a:p>
@@ -11396,10 +11836,11 @@
               </a:defRPr>
             </a:pPr>
             <a:r>
+              <a:rPr dirty="0"/>
               <a:t>                </a:t>
             </a:r>
             <a:r>
-              <a:rPr>
+              <a:rPr dirty="0">
                 <a:solidFill>
                   <a:srgbClr val="C41A16"/>
                 </a:solidFill>
@@ -11407,10 +11848,11 @@
               <a:t>"name='"</a:t>
             </a:r>
             <a:r>
+              <a:rPr dirty="0"/>
               <a:t> + name + </a:t>
             </a:r>
             <a:r>
-              <a:rPr>
+              <a:rPr dirty="0">
                 <a:solidFill>
                   <a:srgbClr val="1C00CF"/>
                 </a:solidFill>
@@ -11418,6 +11860,7 @@
               <a:t>'\''</a:t>
             </a:r>
             <a:r>
+              <a:rPr dirty="0"/>
               <a:t> +</a:t>
             </a:r>
           </a:p>
@@ -11431,10 +11874,11 @@
               </a:defRPr>
             </a:pPr>
             <a:r>
+              <a:rPr dirty="0"/>
               <a:t>                </a:t>
             </a:r>
             <a:r>
-              <a:rPr>
+              <a:rPr dirty="0">
                 <a:solidFill>
                   <a:srgbClr val="C41A16"/>
                 </a:solidFill>
@@ -11442,6 +11886,7 @@
               <a:t>", age="</a:t>
             </a:r>
             <a:r>
+              <a:rPr dirty="0"/>
               <a:t> + age +</a:t>
             </a:r>
           </a:p>
@@ -11455,10 +11900,11 @@
               </a:defRPr>
             </a:pPr>
             <a:r>
+              <a:rPr dirty="0"/>
               <a:t>                </a:t>
             </a:r>
             <a:r>
-              <a:rPr>
+              <a:rPr dirty="0">
                 <a:solidFill>
                   <a:srgbClr val="1C00CF"/>
                 </a:solidFill>
@@ -11466,6 +11912,7 @@
               <a:t>'}'</a:t>
             </a:r>
             <a:r>
+              <a:rPr dirty="0"/>
               <a:t>;</a:t>
             </a:r>
           </a:p>
@@ -11479,6 +11926,7 @@
               </a:defRPr>
             </a:pPr>
             <a:r>
+              <a:rPr dirty="0"/>
               <a:t>    }</a:t>
             </a:r>
           </a:p>
@@ -11492,7 +11940,227 @@
               </a:defRPr>
             </a:pPr>
             <a:r>
+              <a:rPr dirty="0"/>
               <a:t>}</a:t>
+            </a:r>
+          </a:p>
+        </p:txBody>
+      </p:sp>
+      <p:sp>
+        <p:nvSpPr>
+          <p:cNvPr id="2" name="TextBox 1">
+            <a:extLst>
+              <a:ext uri="{FF2B5EF4-FFF2-40B4-BE49-F238E27FC236}">
+                <a16:creationId xmlns:a16="http://schemas.microsoft.com/office/drawing/2014/main" id="{1F2931FD-C7D4-17DE-97B7-9513B3A99099}"/>
+              </a:ext>
+            </a:extLst>
+          </p:cNvPr>
+          <p:cNvSpPr txBox="1"/>
+          <p:nvPr/>
+        </p:nvSpPr>
+        <p:spPr>
+          <a:xfrm>
+            <a:off x="6325984" y="2598007"/>
+            <a:ext cx="4103042" cy="830993"/>
+          </a:xfrm>
+          <a:prstGeom prst="rect">
+            <a:avLst/>
+          </a:prstGeom>
+          <a:noFill/>
+          <a:ln w="12700" cap="flat">
+            <a:solidFill>
+              <a:schemeClr val="bg1">
+                <a:lumMod val="75000"/>
+              </a:schemeClr>
+            </a:solidFill>
+            <a:miter lim="400000"/>
+          </a:ln>
+          <a:effectLst/>
+          <a:sp3d/>
+        </p:spPr>
+        <p:style>
+          <a:lnRef idx="0">
+            <a:scrgbClr r="0" g="0" b="0"/>
+          </a:lnRef>
+          <a:fillRef idx="0">
+            <a:scrgbClr r="0" g="0" b="0"/>
+          </a:fillRef>
+          <a:effectRef idx="0">
+            <a:scrgbClr r="0" g="0" b="0"/>
+          </a:effectRef>
+          <a:fontRef idx="none"/>
+        </p:style>
+        <p:txBody>
+          <a:bodyPr rot="0" spcFirstLastPara="1" vertOverflow="overflow" horzOverflow="overflow" vert="horz" wrap="none" lIns="45718" tIns="45718" rIns="45718" bIns="45718" numCol="1" spcCol="38100" rtlCol="0" anchor="ctr">
+            <a:spAutoFit/>
+          </a:bodyPr>
+          <a:lstStyle/>
+          <a:p>
+            <a:pPr marL="0" marR="0" indent="0" algn="l" defTabSz="914400" rtl="0" fontAlgn="auto" latinLnBrk="0" hangingPunct="0">
+              <a:lnSpc>
+                <a:spcPct val="100000"/>
+              </a:lnSpc>
+              <a:spcBef>
+                <a:spcPts val="0"/>
+              </a:spcBef>
+              <a:spcAft>
+                <a:spcPts val="0"/>
+              </a:spcAft>
+              <a:buClrTx/>
+              <a:buSzTx/>
+              <a:buFontTx/>
+              <a:buNone/>
+              <a:tabLst/>
+            </a:pPr>
+            <a:r>
+              <a:rPr lang="en-US" altLang="ko-KR" sz="1600" dirty="0">
+                <a:solidFill>
+                  <a:srgbClr val="FF0000"/>
+                </a:solidFill>
+              </a:rPr>
+              <a:t>prime number</a:t>
+            </a:r>
+            <a:r>
+              <a:rPr lang="ko-KR" altLang="en-US" sz="1600" dirty="0">
+                <a:solidFill>
+                  <a:srgbClr val="FF0000"/>
+                </a:solidFill>
+              </a:rPr>
+              <a:t>를 곱하면</a:t>
+            </a:r>
+            <a:r>
+              <a:rPr lang="en-US" altLang="ko-KR" sz="1600" dirty="0">
+                <a:solidFill>
+                  <a:srgbClr val="FF0000"/>
+                </a:solidFill>
+              </a:rPr>
+              <a:t>,</a:t>
+            </a:r>
+            <a:r>
+              <a:rPr lang="ko-KR" altLang="en-US" sz="1600" dirty="0">
+                <a:solidFill>
+                  <a:srgbClr val="FF0000"/>
+                </a:solidFill>
+              </a:rPr>
+              <a:t> </a:t>
+            </a:r>
+            <a:r>
+              <a:rPr lang="en-US" altLang="ko-KR" sz="1600" dirty="0">
+                <a:solidFill>
+                  <a:srgbClr val="FF0000"/>
+                </a:solidFill>
+              </a:rPr>
+              <a:t>bit</a:t>
+            </a:r>
+            <a:r>
+              <a:rPr lang="ko-KR" altLang="en-US" sz="1600" dirty="0">
+                <a:solidFill>
+                  <a:srgbClr val="FF0000"/>
+                </a:solidFill>
+              </a:rPr>
+              <a:t>의 </a:t>
+            </a:r>
+            <a:r>
+              <a:rPr lang="en-US" altLang="ko-KR" sz="1600" dirty="0">
+                <a:solidFill>
+                  <a:srgbClr val="FF0000"/>
+                </a:solidFill>
+              </a:rPr>
+              <a:t>pattern</a:t>
+            </a:r>
+            <a:r>
+              <a:rPr lang="ko-KR" altLang="en-US" sz="1600" dirty="0">
+                <a:solidFill>
+                  <a:srgbClr val="FF0000"/>
+                </a:solidFill>
+              </a:rPr>
+              <a:t>이</a:t>
+            </a:r>
+            <a:endParaRPr lang="en-US" altLang="ko-KR" sz="1600" dirty="0">
+              <a:solidFill>
+                <a:srgbClr val="FF0000"/>
+              </a:solidFill>
+            </a:endParaRPr>
+          </a:p>
+          <a:p>
+            <a:pPr marL="0" marR="0" indent="0" algn="l" defTabSz="914400" rtl="0" fontAlgn="auto" latinLnBrk="0" hangingPunct="0">
+              <a:lnSpc>
+                <a:spcPct val="100000"/>
+              </a:lnSpc>
+              <a:spcBef>
+                <a:spcPts val="0"/>
+              </a:spcBef>
+              <a:spcAft>
+                <a:spcPts val="0"/>
+              </a:spcAft>
+              <a:buClrTx/>
+              <a:buSzTx/>
+              <a:buFontTx/>
+              <a:buNone/>
+              <a:tabLst/>
+            </a:pPr>
+            <a:r>
+              <a:rPr lang="ko-KR" altLang="en-US" sz="1600" dirty="0">
+                <a:solidFill>
+                  <a:srgbClr val="FF0000"/>
+                </a:solidFill>
+              </a:rPr>
+              <a:t>골고루 퍼지게 하는 효과로 같은 </a:t>
+            </a:r>
+            <a:r>
+              <a:rPr lang="en-US" altLang="ko-KR" sz="1600" dirty="0" err="1">
+                <a:solidFill>
+                  <a:srgbClr val="FF0000"/>
+                </a:solidFill>
+              </a:rPr>
+              <a:t>hashCode</a:t>
+            </a:r>
+            <a:r>
+              <a:rPr lang="ko-KR" altLang="en-US" sz="1600" dirty="0">
+                <a:solidFill>
+                  <a:srgbClr val="FF0000"/>
+                </a:solidFill>
+              </a:rPr>
+              <a:t>가</a:t>
+            </a:r>
+            <a:endParaRPr lang="en-US" altLang="ko-KR" sz="1600" dirty="0">
+              <a:solidFill>
+                <a:srgbClr val="FF0000"/>
+              </a:solidFill>
+            </a:endParaRPr>
+          </a:p>
+          <a:p>
+            <a:pPr marL="0" marR="0" indent="0" algn="l" defTabSz="914400" rtl="0" fontAlgn="auto" latinLnBrk="0" hangingPunct="0">
+              <a:lnSpc>
+                <a:spcPct val="100000"/>
+              </a:lnSpc>
+              <a:spcBef>
+                <a:spcPts val="0"/>
+              </a:spcBef>
+              <a:spcAft>
+                <a:spcPts val="0"/>
+              </a:spcAft>
+              <a:buClrTx/>
+              <a:buSzTx/>
+              <a:buFontTx/>
+              <a:buNone/>
+              <a:tabLst/>
+            </a:pPr>
+            <a:r>
+              <a:rPr lang="ko-KR" altLang="en-US" sz="1600" dirty="0">
+                <a:solidFill>
+                  <a:srgbClr val="FF0000"/>
+                </a:solidFill>
+              </a:rPr>
+              <a:t>나오는 경우의 확률을 줄일 수 있음</a:t>
+            </a:r>
+            <a:r>
+              <a:rPr lang="en-US" altLang="ko-KR" sz="1600" dirty="0">
+                <a:solidFill>
+                  <a:srgbClr val="FF0000"/>
+                </a:solidFill>
+              </a:rPr>
+              <a:t>.</a:t>
             </a:r>
           </a:p>
         </p:txBody>
@@ -11502,14 +12170,14 @@
   <p:clrMapOvr>
     <a:masterClrMapping/>
   </p:clrMapOvr>
-  <p:transition xmlns:p14="http://schemas.microsoft.com/office/powerpoint/2010/main" spd="med" advClick="1"/>
+  <p:transition spd="med"/>
   <p:timing>
     <p:tnLst>
       <p:par>
-        <p:cTn id="1" nodeType="tmRoot" restart="never" dur="indefinite" fill="hold">
+        <p:cTn id="1" dur="indefinite" restart="never" fill="hold" nodeType="tmRoot">
           <p:childTnLst>
             <p:seq concurrent="1" prevAc="none" nextAc="seek">
-              <p:cTn id="2" nodeType="mainSeq" dur="indefinite" fill="hold">
+              <p:cTn id="2" dur="indefinite" fill="hold" nodeType="mainSeq">
                 <p:childTnLst>
                   <p:par>
                     <p:cTn id="3" fill="hold">
@@ -11524,11 +12192,11 @@
                             </p:stCondLst>
                             <p:childTnLst>
                               <p:par>
-                                <p:cTn id="5" presetClass="entr" nodeType="clickEffect" presetSubtype="0" presetID="1" grpId="1" fill="hold">
+                                <p:cTn id="5" presetID="1" presetClass="entr" presetSubtype="0" fill="hold" grpId="1" nodeType="clickEffect">
                                   <p:stCondLst>
                                     <p:cond delay="0"/>
                                   </p:stCondLst>
-                                  <p:iterate type="el" backwards="0">
+                                  <p:iterate>
                                     <p:tmAbs val="0"/>
                                   </p:iterate>
                                   <p:childTnLst>
@@ -11552,11 +12220,11 @@
                                 </p:cTn>
                               </p:par>
                               <p:par>
-                                <p:cTn id="7" presetClass="entr" nodeType="withEffect" presetSubtype="0" presetID="1" grpId="1" fill="hold">
+                                <p:cTn id="7" presetID="1" presetClass="entr" presetSubtype="0" fill="hold" grpId="1" nodeType="withEffect">
                                   <p:stCondLst>
                                     <p:cond delay="0"/>
                                   </p:stCondLst>
-                                  <p:iterate type="el" backwards="0">
+                                  <p:iterate>
                                     <p:tmAbs val="0"/>
                                   </p:iterate>
                                   <p:childTnLst>
@@ -11591,11 +12259,11 @@
                             </p:stCondLst>
                             <p:childTnLst>
                               <p:par>
-                                <p:cTn id="10" presetClass="entr" nodeType="afterEffect" presetSubtype="0" presetID="1" grpId="1" fill="hold">
+                                <p:cTn id="10" presetID="1" presetClass="entr" presetSubtype="0" fill="hold" grpId="1" nodeType="afterEffect">
                                   <p:stCondLst>
                                     <p:cond delay="0"/>
                                   </p:stCondLst>
-                                  <p:iterate type="el" backwards="0">
+                                  <p:iterate>
                                     <p:tmAbs val="0"/>
                                   </p:iterate>
                                   <p:childTnLst>
@@ -11630,11 +12298,11 @@
                             </p:stCondLst>
                             <p:childTnLst>
                               <p:par>
-                                <p:cTn id="13" presetClass="entr" nodeType="afterEffect" presetSubtype="0" presetID="1" grpId="1" fill="hold">
+                                <p:cTn id="13" presetID="1" presetClass="entr" presetSubtype="0" fill="hold" grpId="1" nodeType="afterEffect">
                                   <p:stCondLst>
                                     <p:cond delay="0"/>
                                   </p:stCondLst>
-                                  <p:iterate type="el" backwards="0">
+                                  <p:iterate>
                                     <p:tmAbs val="0"/>
                                   </p:iterate>
                                   <p:childTnLst>
@@ -11669,11 +12337,11 @@
                             </p:stCondLst>
                             <p:childTnLst>
                               <p:par>
-                                <p:cTn id="16" presetClass="entr" nodeType="afterEffect" presetSubtype="0" presetID="1" grpId="1" fill="hold">
+                                <p:cTn id="16" presetID="1" presetClass="entr" presetSubtype="0" fill="hold" grpId="1" nodeType="afterEffect">
                                   <p:stCondLst>
                                     <p:cond delay="0"/>
                                   </p:stCondLst>
-                                  <p:iterate type="el" backwards="0">
+                                  <p:iterate>
                                     <p:tmAbs val="0"/>
                                   </p:iterate>
                                   <p:childTnLst>
@@ -11708,11 +12376,11 @@
                             </p:stCondLst>
                             <p:childTnLst>
                               <p:par>
-                                <p:cTn id="19" presetClass="entr" nodeType="afterEffect" presetSubtype="0" presetID="1" grpId="1" fill="hold">
+                                <p:cTn id="19" presetID="1" presetClass="entr" presetSubtype="0" fill="hold" grpId="1" nodeType="afterEffect">
                                   <p:stCondLst>
                                     <p:cond delay="0"/>
                                   </p:stCondLst>
-                                  <p:iterate type="el" backwards="0">
+                                  <p:iterate>
                                     <p:tmAbs val="0"/>
                                   </p:iterate>
                                   <p:childTnLst>
@@ -11747,11 +12415,11 @@
                             </p:stCondLst>
                             <p:childTnLst>
                               <p:par>
-                                <p:cTn id="22" presetClass="entr" nodeType="afterEffect" presetSubtype="0" presetID="1" grpId="1" fill="hold">
+                                <p:cTn id="22" presetID="1" presetClass="entr" presetSubtype="0" fill="hold" grpId="1" nodeType="afterEffect">
                                   <p:stCondLst>
                                     <p:cond delay="0"/>
                                   </p:stCondLst>
-                                  <p:iterate type="el" backwards="0">
+                                  <p:iterate>
                                     <p:tmAbs val="0"/>
                                   </p:iterate>
                                   <p:childTnLst>
@@ -11786,11 +12454,11 @@
                             </p:stCondLst>
                             <p:childTnLst>
                               <p:par>
-                                <p:cTn id="25" presetClass="entr" nodeType="afterEffect" presetSubtype="0" presetID="1" grpId="1" fill="hold">
+                                <p:cTn id="25" presetID="1" presetClass="entr" presetSubtype="0" fill="hold" grpId="1" nodeType="afterEffect">
                                   <p:stCondLst>
                                     <p:cond delay="0"/>
                                   </p:stCondLst>
-                                  <p:iterate type="el" backwards="0">
+                                  <p:iterate>
                                     <p:tmAbs val="0"/>
                                   </p:iterate>
                                   <p:childTnLst>
@@ -11834,11 +12502,11 @@
                             </p:stCondLst>
                             <p:childTnLst>
                               <p:par>
-                                <p:cTn id="29" presetClass="entr" nodeType="clickEffect" presetSubtype="0" presetID="1" grpId="1" fill="hold">
+                                <p:cTn id="29" presetID="1" presetClass="entr" presetSubtype="0" fill="hold" grpId="1" nodeType="clickEffect">
                                   <p:stCondLst>
                                     <p:cond delay="0"/>
                                   </p:stCondLst>
-                                  <p:iterate type="el" backwards="0">
+                                  <p:iterate>
                                     <p:tmAbs val="0"/>
                                   </p:iterate>
                                   <p:childTnLst>
@@ -11873,11 +12541,11 @@
                             </p:stCondLst>
                             <p:childTnLst>
                               <p:par>
-                                <p:cTn id="32" presetClass="entr" nodeType="afterEffect" presetSubtype="0" presetID="1" grpId="1" fill="hold">
+                                <p:cTn id="32" presetID="1" presetClass="entr" presetSubtype="0" fill="hold" grpId="1" nodeType="afterEffect">
                                   <p:stCondLst>
                                     <p:cond delay="0"/>
                                   </p:stCondLst>
-                                  <p:iterate type="el" backwards="0">
+                                  <p:iterate>
                                     <p:tmAbs val="0"/>
                                   </p:iterate>
                                   <p:childTnLst>
@@ -11912,11 +12580,11 @@
                             </p:stCondLst>
                             <p:childTnLst>
                               <p:par>
-                                <p:cTn id="35" presetClass="entr" nodeType="afterEffect" presetSubtype="0" presetID="1" grpId="1" fill="hold">
+                                <p:cTn id="35" presetID="1" presetClass="entr" presetSubtype="0" fill="hold" grpId="1" nodeType="afterEffect">
                                   <p:stCondLst>
                                     <p:cond delay="0"/>
                                   </p:stCondLst>
-                                  <p:iterate type="el" backwards="0">
+                                  <p:iterate>
                                     <p:tmAbs val="0"/>
                                   </p:iterate>
                                   <p:childTnLst>
@@ -11951,11 +12619,11 @@
                             </p:stCondLst>
                             <p:childTnLst>
                               <p:par>
-                                <p:cTn id="38" presetClass="entr" nodeType="afterEffect" presetSubtype="0" presetID="1" grpId="1" fill="hold">
+                                <p:cTn id="38" presetID="1" presetClass="entr" presetSubtype="0" fill="hold" grpId="1" nodeType="afterEffect">
                                   <p:stCondLst>
                                     <p:cond delay="0"/>
                                   </p:stCondLst>
-                                  <p:iterate type="el" backwards="0">
+                                  <p:iterate>
                                     <p:tmAbs val="0"/>
                                   </p:iterate>
                                   <p:childTnLst>
@@ -11990,11 +12658,11 @@
                             </p:stCondLst>
                             <p:childTnLst>
                               <p:par>
-                                <p:cTn id="41" presetClass="entr" nodeType="afterEffect" presetSubtype="0" presetID="1" grpId="1" fill="hold">
+                                <p:cTn id="41" presetID="1" presetClass="entr" presetSubtype="0" fill="hold" grpId="1" nodeType="afterEffect">
                                   <p:stCondLst>
                                     <p:cond delay="0"/>
                                   </p:stCondLst>
-                                  <p:iterate type="el" backwards="0">
+                                  <p:iterate>
                                     <p:tmAbs val="0"/>
                                   </p:iterate>
                                   <p:childTnLst>
@@ -12029,11 +12697,11 @@
                             </p:stCondLst>
                             <p:childTnLst>
                               <p:par>
-                                <p:cTn id="44" presetClass="entr" nodeType="afterEffect" presetSubtype="0" presetID="1" grpId="1" fill="hold">
+                                <p:cTn id="44" presetID="1" presetClass="entr" presetSubtype="0" fill="hold" grpId="1" nodeType="afterEffect">
                                   <p:stCondLst>
                                     <p:cond delay="0"/>
                                   </p:stCondLst>
-                                  <p:iterate type="el" backwards="0">
+                                  <p:iterate>
                                     <p:tmAbs val="0"/>
                                   </p:iterate>
                                   <p:childTnLst>
@@ -12068,11 +12736,11 @@
                             </p:stCondLst>
                             <p:childTnLst>
                               <p:par>
-                                <p:cTn id="47" presetClass="entr" nodeType="afterEffect" presetSubtype="0" presetID="1" grpId="1" fill="hold">
+                                <p:cTn id="47" presetID="1" presetClass="entr" presetSubtype="0" fill="hold" grpId="1" nodeType="afterEffect">
                                   <p:stCondLst>
                                     <p:cond delay="0"/>
                                   </p:stCondLst>
-                                  <p:iterate type="el" backwards="0">
+                                  <p:iterate>
                                     <p:tmAbs val="0"/>
                                   </p:iterate>
                                   <p:childTnLst>
@@ -12107,11 +12775,11 @@
                             </p:stCondLst>
                             <p:childTnLst>
                               <p:par>
-                                <p:cTn id="50" presetClass="entr" nodeType="afterEffect" presetSubtype="0" presetID="1" grpId="1" fill="hold">
+                                <p:cTn id="50" presetID="1" presetClass="entr" presetSubtype="0" fill="hold" grpId="1" nodeType="afterEffect">
                                   <p:stCondLst>
                                     <p:cond delay="0"/>
                                   </p:stCondLst>
-                                  <p:iterate type="el" backwards="0">
+                                  <p:iterate>
                                     <p:tmAbs val="0"/>
                                   </p:iterate>
                                   <p:childTnLst>
@@ -12145,14 +12813,14 @@
                 </p:childTnLst>
               </p:cTn>
               <p:prevCondLst>
-                <p:cond evt="onPrev">
+                <p:cond evt="onPrev" delay="0">
                   <p:tgtEl>
                     <p:sldTgt/>
                   </p:tgtEl>
                 </p:cond>
               </p:prevCondLst>
               <p:nextCondLst>
-                <p:cond evt="onNext">
+                <p:cond evt="onNext" delay="0">
                   <p:tgtEl>
                     <p:sldTgt/>
                   </p:tgtEl>
@@ -12164,14 +12832,14 @@
       </p:par>
     </p:tnLst>
     <p:bldLst>
-      <p:bldP build="p" bldLvl="5" animBg="1" rev="0" advAuto="0" spid="83" grpId="1"/>
+      <p:bldP spid="83" grpId="1" build="p" bldLvl="5" animBg="1" advAuto="0"/>
     </p:bldLst>
   </p:timing>
 </p:sld>
 </file>
 
 <file path=ppt/slides/slide9.xml><?xml version="1.0" encoding="utf-8"?>
-<p:sld xmlns:a="http://schemas.openxmlformats.org/drawingml/2006/main" xmlns:r="http://schemas.openxmlformats.org/officeDocument/2006/relationships" xmlns:p="http://schemas.openxmlformats.org/presentationml/2006/main" xmlns:m="http://schemas.openxmlformats.org/officeDocument/2006/math" xmlns:a14="http://schemas.microsoft.com/office/drawing/2010/main" showMasterSp="1" showMasterPhAnim="1">
+<p:sld xmlns:a="http://schemas.openxmlformats.org/drawingml/2006/main" xmlns:r="http://schemas.openxmlformats.org/officeDocument/2006/relationships" xmlns:p="http://schemas.openxmlformats.org/presentationml/2006/main">
   <p:cSld>
     <p:spTree>
       <p:nvGrpSpPr>
@@ -12190,7 +12858,9 @@
       <p:sp>
         <p:nvSpPr>
           <p:cNvPr id="87" name="제목 1"/>
-          <p:cNvSpPr txBox="1"/>
+          <p:cNvSpPr txBox="1">
+            <a:spLocks noGrp="1"/>
+          </p:cNvSpPr>
           <p:nvPr>
             <p:ph type="title"/>
           </p:nvPr>
@@ -12208,7 +12878,6 @@
           <a:bodyPr/>
           <a:lstStyle/>
           <a:p>
-            <a:pPr/>
             <a:r>
               <a:t>Example) ObjectClassTest (4/4)</a:t>
             </a:r>
@@ -12218,7 +12887,9 @@
       <p:sp>
         <p:nvSpPr>
           <p:cNvPr id="88" name="슬라이드 번호 개체 틀 3"/>
-          <p:cNvSpPr txBox="1"/>
+          <p:cNvSpPr txBox="1">
+            <a:spLocks noGrp="1"/>
+          </p:cNvSpPr>
           <p:nvPr>
             <p:ph type="sldNum" sz="quarter" idx="2"/>
           </p:nvPr>
@@ -12233,7 +12904,7 @@
           </a:prstGeom>
           <a:extLst>
             <a:ext uri="{C572A759-6A51-4108-AA02-DFA0A04FC94B}">
-              <ma14:wrappingTextBoxFlag xmlns:ma14="http://schemas.microsoft.com/office/mac/drawingml/2011/main" val="1"/>
+              <ma14:wrappingTextBoxFlag xmlns:ma14="http://schemas.microsoft.com/office/mac/drawingml/2011/main" xmlns:a14="http://schemas.microsoft.com/office/drawing/2010/main" xmlns:m="http://schemas.openxmlformats.org/officeDocument/2006/math" xmlns="" val="1"/>
             </a:ext>
           </a:extLst>
         </p:spPr>
@@ -12241,8 +12912,11 @@
           <a:bodyPr/>
           <a:lstStyle/>
           <a:p>
-            <a:pPr/>
-            <a:fld id="{86CB4B4D-7CA3-9044-876B-883B54F8677D}" type="slidenum"/>
+            <a:fld id="{86CB4B4D-7CA3-9044-876B-883B54F8677D}" type="slidenum">
+              <a:rPr/>
+              <a:t>9</a:t>
+            </a:fld>
+            <a:endParaRPr/>
           </a:p>
         </p:txBody>
       </p:sp>
@@ -12267,7 +12941,7 @@
           </a:ln>
           <a:extLst>
             <a:ext uri="{C572A759-6A51-4108-AA02-DFA0A04FC94B}">
-              <ma14:wrappingTextBoxFlag xmlns:ma14="http://schemas.microsoft.com/office/mac/drawingml/2011/main" val="1"/>
+              <ma14:wrappingTextBoxFlag xmlns:ma14="http://schemas.microsoft.com/office/mac/drawingml/2011/main" xmlns:a14="http://schemas.microsoft.com/office/drawing/2010/main" xmlns:m="http://schemas.openxmlformats.org/officeDocument/2006/math" xmlns="" val="1"/>
             </a:ext>
           </a:extLst>
         </p:spPr>
@@ -12278,7 +12952,7 @@
           <a:lstStyle/>
           <a:p>
             <a:pPr>
-              <a:defRPr b="1" sz="1600">
+              <a:defRPr sz="1600" b="1">
                 <a:solidFill>
                   <a:srgbClr val="9B2393"/>
                 </a:solidFill>
@@ -12320,6 +12994,11 @@
                 <a:sym typeface="Menlo Regular"/>
               </a:defRPr>
             </a:pPr>
+            <a:endParaRPr b="0">
+              <a:solidFill>
+                <a:srgbClr val="000000"/>
+              </a:solidFill>
+            </a:endParaRPr>
           </a:p>
           <a:p>
             <a:pPr>
@@ -12514,6 +13193,7 @@
                 <a:sym typeface="Menlo Regular"/>
               </a:defRPr>
             </a:pPr>
+            <a:endParaRPr/>
           </a:p>
           <a:p>
             <a:pPr>
@@ -12588,6 +13268,11 @@
                 <a:sym typeface="Menlo Regular"/>
               </a:defRPr>
             </a:pPr>
+            <a:endParaRPr>
+              <a:solidFill>
+                <a:srgbClr val="00627A"/>
+              </a:solidFill>
+            </a:endParaRPr>
           </a:p>
           <a:p>
             <a:pPr>
@@ -12694,6 +13379,11 @@
                 <a:sym typeface="Menlo Regular"/>
               </a:defRPr>
             </a:pPr>
+            <a:endParaRPr>
+              <a:solidFill>
+                <a:srgbClr val="00627A"/>
+              </a:solidFill>
+            </a:endParaRPr>
           </a:p>
           <a:p>
             <a:pPr>
@@ -12808,14 +13498,14 @@
   <p:clrMapOvr>
     <a:masterClrMapping/>
   </p:clrMapOvr>
-  <p:transition xmlns:p14="http://schemas.microsoft.com/office/powerpoint/2010/main" spd="med" advClick="1"/>
+  <p:transition spd="med"/>
   <p:timing>
     <p:tnLst>
       <p:par>
-        <p:cTn id="1" nodeType="tmRoot" restart="never" dur="indefinite" fill="hold">
+        <p:cTn id="1" dur="indefinite" restart="never" fill="hold" nodeType="tmRoot">
           <p:childTnLst>
             <p:seq concurrent="1" prevAc="none" nextAc="seek">
-              <p:cTn id="2" nodeType="mainSeq" dur="indefinite" fill="hold">
+              <p:cTn id="2" dur="indefinite" fill="hold" nodeType="mainSeq">
                 <p:childTnLst>
                   <p:par>
                     <p:cTn id="3" fill="hold">
@@ -12830,11 +13520,11 @@
                             </p:stCondLst>
                             <p:childTnLst>
                               <p:par>
-                                <p:cTn id="5" presetClass="entr" nodeType="clickEffect" presetSubtype="0" presetID="1" grpId="1" fill="hold">
+                                <p:cTn id="5" presetID="1" presetClass="entr" presetSubtype="0" fill="hold" grpId="1" nodeType="clickEffect">
                                   <p:stCondLst>
                                     <p:cond delay="0"/>
                                   </p:stCondLst>
-                                  <p:iterate type="el" backwards="0">
+                                  <p:iterate>
                                     <p:tmAbs val="0"/>
                                   </p:iterate>
                                   <p:childTnLst>
@@ -12858,11 +13548,11 @@
                                 </p:cTn>
                               </p:par>
                               <p:par>
-                                <p:cTn id="7" presetClass="entr" nodeType="withEffect" presetSubtype="0" presetID="1" grpId="1" fill="hold">
+                                <p:cTn id="7" presetID="1" presetClass="entr" presetSubtype="0" fill="hold" grpId="1" nodeType="withEffect">
                                   <p:stCondLst>
                                     <p:cond delay="0"/>
                                   </p:stCondLst>
-                                  <p:iterate type="el" backwards="0">
+                                  <p:iterate>
                                     <p:tmAbs val="0"/>
                                   </p:iterate>
                                   <p:childTnLst>
@@ -12897,11 +13587,11 @@
                             </p:stCondLst>
                             <p:childTnLst>
                               <p:par>
-                                <p:cTn id="10" presetClass="entr" nodeType="afterEffect" presetSubtype="0" presetID="1" grpId="1" fill="hold">
+                                <p:cTn id="10" presetID="1" presetClass="entr" presetSubtype="0" fill="hold" grpId="1" nodeType="afterEffect">
                                   <p:stCondLst>
                                     <p:cond delay="0"/>
                                   </p:stCondLst>
-                                  <p:iterate type="el" backwards="0">
+                                  <p:iterate>
                                     <p:tmAbs val="0"/>
                                   </p:iterate>
                                   <p:childTnLst>
@@ -12936,11 +13626,11 @@
                             </p:stCondLst>
                             <p:childTnLst>
                               <p:par>
-                                <p:cTn id="13" presetClass="entr" nodeType="afterEffect" presetSubtype="0" presetID="1" grpId="1" fill="hold">
+                                <p:cTn id="13" presetID="1" presetClass="entr" presetSubtype="0" fill="hold" grpId="1" nodeType="afterEffect">
                                   <p:stCondLst>
                                     <p:cond delay="0"/>
                                   </p:stCondLst>
-                                  <p:iterate type="el" backwards="0">
+                                  <p:iterate>
                                     <p:tmAbs val="0"/>
                                   </p:iterate>
                                   <p:childTnLst>
@@ -12975,11 +13665,11 @@
                             </p:stCondLst>
                             <p:childTnLst>
                               <p:par>
-                                <p:cTn id="16" presetClass="entr" nodeType="afterEffect" presetSubtype="0" presetID="1" grpId="1" fill="hold">
+                                <p:cTn id="16" presetID="1" presetClass="entr" presetSubtype="0" fill="hold" grpId="1" nodeType="afterEffect">
                                   <p:stCondLst>
                                     <p:cond delay="0"/>
                                   </p:stCondLst>
-                                  <p:iterate type="el" backwards="0">
+                                  <p:iterate>
                                     <p:tmAbs val="0"/>
                                   </p:iterate>
                                   <p:childTnLst>
@@ -13014,11 +13704,11 @@
                             </p:stCondLst>
                             <p:childTnLst>
                               <p:par>
-                                <p:cTn id="19" presetClass="entr" nodeType="afterEffect" presetSubtype="0" presetID="1" grpId="1" fill="hold">
+                                <p:cTn id="19" presetID="1" presetClass="entr" presetSubtype="0" fill="hold" grpId="1" nodeType="afterEffect">
                                   <p:stCondLst>
                                     <p:cond delay="0"/>
                                   </p:stCondLst>
-                                  <p:iterate type="el" backwards="0">
+                                  <p:iterate>
                                     <p:tmAbs val="0"/>
                                   </p:iterate>
                                   <p:childTnLst>
@@ -13053,11 +13743,11 @@
                             </p:stCondLst>
                             <p:childTnLst>
                               <p:par>
-                                <p:cTn id="22" presetClass="entr" nodeType="afterEffect" presetSubtype="0" presetID="1" grpId="1" fill="hold">
+                                <p:cTn id="22" presetID="1" presetClass="entr" presetSubtype="0" fill="hold" grpId="1" nodeType="afterEffect">
                                   <p:stCondLst>
                                     <p:cond delay="0"/>
                                   </p:stCondLst>
-                                  <p:iterate type="el" backwards="0">
+                                  <p:iterate>
                                     <p:tmAbs val="0"/>
                                   </p:iterate>
                                   <p:childTnLst>
@@ -13092,11 +13782,11 @@
                             </p:stCondLst>
                             <p:childTnLst>
                               <p:par>
-                                <p:cTn id="25" presetClass="entr" nodeType="afterEffect" presetSubtype="0" presetID="1" grpId="1" fill="hold">
+                                <p:cTn id="25" presetID="1" presetClass="entr" presetSubtype="0" fill="hold" grpId="1" nodeType="afterEffect">
                                   <p:stCondLst>
                                     <p:cond delay="0"/>
                                   </p:stCondLst>
-                                  <p:iterate type="el" backwards="0">
+                                  <p:iterate>
                                     <p:tmAbs val="0"/>
                                   </p:iterate>
                                   <p:childTnLst>
@@ -13140,11 +13830,11 @@
                             </p:stCondLst>
                             <p:childTnLst>
                               <p:par>
-                                <p:cTn id="29" presetClass="entr" nodeType="clickEffect" presetSubtype="0" presetID="1" grpId="1" fill="hold">
+                                <p:cTn id="29" presetID="1" presetClass="entr" presetSubtype="0" fill="hold" grpId="1" nodeType="clickEffect">
                                   <p:stCondLst>
                                     <p:cond delay="0"/>
                                   </p:stCondLst>
-                                  <p:iterate type="el" backwards="0">
+                                  <p:iterate>
                                     <p:tmAbs val="0"/>
                                   </p:iterate>
                                   <p:childTnLst>
@@ -13179,11 +13869,11 @@
                             </p:stCondLst>
                             <p:childTnLst>
                               <p:par>
-                                <p:cTn id="32" presetClass="entr" nodeType="afterEffect" presetSubtype="0" presetID="1" grpId="1" fill="hold">
+                                <p:cTn id="32" presetID="1" presetClass="entr" presetSubtype="0" fill="hold" grpId="1" nodeType="afterEffect">
                                   <p:stCondLst>
                                     <p:cond delay="0"/>
                                   </p:stCondLst>
-                                  <p:iterate type="el" backwards="0">
+                                  <p:iterate>
                                     <p:tmAbs val="0"/>
                                   </p:iterate>
                                   <p:childTnLst>
@@ -13218,11 +13908,11 @@
                             </p:stCondLst>
                             <p:childTnLst>
                               <p:par>
-                                <p:cTn id="35" presetClass="entr" nodeType="afterEffect" presetSubtype="0" presetID="1" grpId="1" fill="hold">
+                                <p:cTn id="35" presetID="1" presetClass="entr" presetSubtype="0" fill="hold" grpId="1" nodeType="afterEffect">
                                   <p:stCondLst>
                                     <p:cond delay="0"/>
                                   </p:stCondLst>
-                                  <p:iterate type="el" backwards="0">
+                                  <p:iterate>
                                     <p:tmAbs val="0"/>
                                   </p:iterate>
                                   <p:childTnLst>
@@ -13266,11 +13956,11 @@
                             </p:stCondLst>
                             <p:childTnLst>
                               <p:par>
-                                <p:cTn id="39" presetClass="entr" nodeType="clickEffect" presetSubtype="0" presetID="1" grpId="1" fill="hold">
+                                <p:cTn id="39" presetID="1" presetClass="entr" presetSubtype="0" fill="hold" grpId="1" nodeType="clickEffect">
                                   <p:stCondLst>
                                     <p:cond delay="0"/>
                                   </p:stCondLst>
-                                  <p:iterate type="el" backwards="0">
+                                  <p:iterate>
                                     <p:tmAbs val="0"/>
                                   </p:iterate>
                                   <p:childTnLst>
@@ -13305,11 +13995,11 @@
                             </p:stCondLst>
                             <p:childTnLst>
                               <p:par>
-                                <p:cTn id="42" presetClass="entr" nodeType="afterEffect" presetSubtype="0" presetID="1" grpId="1" fill="hold">
+                                <p:cTn id="42" presetID="1" presetClass="entr" presetSubtype="0" fill="hold" grpId="1" nodeType="afterEffect">
                                   <p:stCondLst>
                                     <p:cond delay="0"/>
                                   </p:stCondLst>
-                                  <p:iterate type="el" backwards="0">
+                                  <p:iterate>
                                     <p:tmAbs val="0"/>
                                   </p:iterate>
                                   <p:childTnLst>
@@ -13344,11 +14034,11 @@
                             </p:stCondLst>
                             <p:childTnLst>
                               <p:par>
-                                <p:cTn id="45" presetClass="entr" nodeType="afterEffect" presetSubtype="0" presetID="1" grpId="1" fill="hold">
+                                <p:cTn id="45" presetID="1" presetClass="entr" presetSubtype="0" fill="hold" grpId="1" nodeType="afterEffect">
                                   <p:stCondLst>
                                     <p:cond delay="0"/>
                                   </p:stCondLst>
-                                  <p:iterate type="el" backwards="0">
+                                  <p:iterate>
                                     <p:tmAbs val="0"/>
                                   </p:iterate>
                                   <p:childTnLst>
@@ -13383,11 +14073,11 @@
                             </p:stCondLst>
                             <p:childTnLst>
                               <p:par>
-                                <p:cTn id="48" presetClass="entr" nodeType="afterEffect" presetSubtype="0" presetID="1" grpId="1" fill="hold">
+                                <p:cTn id="48" presetID="1" presetClass="entr" presetSubtype="0" fill="hold" grpId="1" nodeType="afterEffect">
                                   <p:stCondLst>
                                     <p:cond delay="0"/>
                                   </p:stCondLst>
-                                  <p:iterate type="el" backwards="0">
+                                  <p:iterate>
                                     <p:tmAbs val="0"/>
                                   </p:iterate>
                                   <p:childTnLst>
@@ -13431,11 +14121,11 @@
                             </p:stCondLst>
                             <p:childTnLst>
                               <p:par>
-                                <p:cTn id="52" presetClass="entr" nodeType="clickEffect" presetSubtype="0" presetID="1" grpId="1" fill="hold">
+                                <p:cTn id="52" presetID="1" presetClass="entr" presetSubtype="0" fill="hold" grpId="1" nodeType="clickEffect">
                                   <p:stCondLst>
                                     <p:cond delay="0"/>
                                   </p:stCondLst>
-                                  <p:iterate type="el" backwards="0">
+                                  <p:iterate>
                                     <p:tmAbs val="0"/>
                                   </p:iterate>
                                   <p:childTnLst>
@@ -13470,11 +14160,11 @@
                             </p:stCondLst>
                             <p:childTnLst>
                               <p:par>
-                                <p:cTn id="55" presetClass="entr" nodeType="afterEffect" presetSubtype="0" presetID="1" grpId="1" fill="hold">
+                                <p:cTn id="55" presetID="1" presetClass="entr" presetSubtype="0" fill="hold" grpId="1" nodeType="afterEffect">
                                   <p:stCondLst>
                                     <p:cond delay="0"/>
                                   </p:stCondLst>
-                                  <p:iterate type="el" backwards="0">
+                                  <p:iterate>
                                     <p:tmAbs val="0"/>
                                   </p:iterate>
                                   <p:childTnLst>
@@ -13509,11 +14199,11 @@
                             </p:stCondLst>
                             <p:childTnLst>
                               <p:par>
-                                <p:cTn id="58" presetClass="entr" nodeType="afterEffect" presetSubtype="0" presetID="1" grpId="1" fill="hold">
+                                <p:cTn id="58" presetID="1" presetClass="entr" presetSubtype="0" fill="hold" grpId="1" nodeType="afterEffect">
                                   <p:stCondLst>
                                     <p:cond delay="0"/>
                                   </p:stCondLst>
-                                  <p:iterate type="el" backwards="0">
+                                  <p:iterate>
                                     <p:tmAbs val="0"/>
                                   </p:iterate>
                                   <p:childTnLst>
@@ -13548,11 +14238,11 @@
                             </p:stCondLst>
                             <p:childTnLst>
                               <p:par>
-                                <p:cTn id="61" presetClass="entr" nodeType="afterEffect" presetSubtype="0" presetID="1" grpId="1" fill="hold">
+                                <p:cTn id="61" presetID="1" presetClass="entr" presetSubtype="0" fill="hold" grpId="1" nodeType="afterEffect">
                                   <p:stCondLst>
                                     <p:cond delay="0"/>
                                   </p:stCondLst>
-                                  <p:iterate type="el" backwards="0">
+                                  <p:iterate>
                                     <p:tmAbs val="0"/>
                                   </p:iterate>
                                   <p:childTnLst>
@@ -13587,11 +14277,11 @@
                             </p:stCondLst>
                             <p:childTnLst>
                               <p:par>
-                                <p:cTn id="64" presetClass="entr" nodeType="afterEffect" presetSubtype="0" presetID="1" grpId="1" fill="hold">
+                                <p:cTn id="64" presetID="1" presetClass="entr" presetSubtype="0" fill="hold" grpId="1" nodeType="afterEffect">
                                   <p:stCondLst>
                                     <p:cond delay="0"/>
                                   </p:stCondLst>
-                                  <p:iterate type="el" backwards="0">
+                                  <p:iterate>
                                     <p:tmAbs val="0"/>
                                   </p:iterate>
                                   <p:childTnLst>
@@ -13625,14 +14315,14 @@
                 </p:childTnLst>
               </p:cTn>
               <p:prevCondLst>
-                <p:cond evt="onPrev">
+                <p:cond evt="onPrev" delay="0">
                   <p:tgtEl>
                     <p:sldTgt/>
                   </p:tgtEl>
                 </p:cond>
               </p:prevCondLst>
               <p:nextCondLst>
-                <p:cond evt="onNext">
+                <p:cond evt="onNext" delay="0">
                   <p:tgtEl>
                     <p:sldTgt/>
                   </p:tgtEl>
@@ -13644,14 +14334,14 @@
       </p:par>
     </p:tnLst>
     <p:bldLst>
-      <p:bldP build="p" bldLvl="5" animBg="1" rev="0" advAuto="0" spid="89" grpId="1"/>
+      <p:bldP spid="89" grpId="1" build="p" bldLvl="5" animBg="1" advAuto="0"/>
     </p:bldLst>
   </p:timing>
 </p:sld>
 </file>
 
 <file path=ppt/theme/theme1.xml><?xml version="1.0" encoding="utf-8"?>
-<a:theme xmlns:a="http://schemas.openxmlformats.org/drawingml/2006/main" xmlns:r="http://schemas.openxmlformats.org/officeDocument/2006/relationships" name="Office 테마">
+<a:theme xmlns:a="http://schemas.openxmlformats.org/drawingml/2006/main" name="Office 테마">
   <a:themeElements>
     <a:clrScheme name="Office 테마">
       <a:dk1>
@@ -13853,7 +14543,7 @@
         <a:effectLst/>
         <a:sp3d/>
       </a:spPr>
-      <a:bodyPr rot="0" spcFirstLastPara="1" vertOverflow="overflow" horzOverflow="overflow" vert="horz" wrap="square" lIns="45718" tIns="45718" rIns="45718" bIns="45718" numCol="1" spcCol="38100" rtlCol="0" anchor="ctr" upright="0">
+      <a:bodyPr rot="0" spcFirstLastPara="1" vertOverflow="overflow" horzOverflow="overflow" vert="horz" wrap="square" lIns="45718" tIns="45718" rIns="45718" bIns="45718" numCol="1" spcCol="38100" rtlCol="0" anchor="ctr">
         <a:spAutoFit/>
       </a:bodyPr>
       <a:lstStyle>
@@ -13872,7 +14562,7 @@
           <a:buFontTx/>
           <a:buNone/>
           <a:tabLst/>
-          <a:defRPr b="0" baseline="0" cap="none" i="0" spc="0" strike="noStrike" sz="1800" u="none" kumimoji="0" normalizeH="0">
+          <a:defRPr kumimoji="0" sz="1800" b="0" i="0" u="none" strike="noStrike" cap="none" spc="0" normalizeH="0" baseline="0">
             <a:ln>
               <a:noFill/>
             </a:ln>
@@ -13902,7 +14592,7 @@
           <a:buFontTx/>
           <a:buNone/>
           <a:tabLst/>
-          <a:defRPr b="0" baseline="0" cap="none" i="0" spc="0" strike="noStrike" sz="1800" u="none" kumimoji="0" normalizeH="0">
+          <a:defRPr kumimoji="0" sz="1800" b="0" i="0" u="none" strike="noStrike" cap="none" spc="0" normalizeH="0" baseline="0">
             <a:ln>
               <a:noFill/>
             </a:ln>
@@ -13928,7 +14618,7 @@
           <a:buFontTx/>
           <a:buNone/>
           <a:tabLst/>
-          <a:defRPr b="0" baseline="0" cap="none" i="0" spc="0" strike="noStrike" sz="1800" u="none" kumimoji="0" normalizeH="0">
+          <a:defRPr kumimoji="0" sz="1800" b="0" i="0" u="none" strike="noStrike" cap="none" spc="0" normalizeH="0" baseline="0">
             <a:ln>
               <a:noFill/>
             </a:ln>
@@ -13954,7 +14644,7 @@
           <a:buFontTx/>
           <a:buNone/>
           <a:tabLst/>
-          <a:defRPr b="0" baseline="0" cap="none" i="0" spc="0" strike="noStrike" sz="1800" u="none" kumimoji="0" normalizeH="0">
+          <a:defRPr kumimoji="0" sz="1800" b="0" i="0" u="none" strike="noStrike" cap="none" spc="0" normalizeH="0" baseline="0">
             <a:ln>
               <a:noFill/>
             </a:ln>
@@ -13980,7 +14670,7 @@
           <a:buFontTx/>
           <a:buNone/>
           <a:tabLst/>
-          <a:defRPr b="0" baseline="0" cap="none" i="0" spc="0" strike="noStrike" sz="1800" u="none" kumimoji="0" normalizeH="0">
+          <a:defRPr kumimoji="0" sz="1800" b="0" i="0" u="none" strike="noStrike" cap="none" spc="0" normalizeH="0" baseline="0">
             <a:ln>
               <a:noFill/>
             </a:ln>
@@ -14006,7 +14696,7 @@
           <a:buFontTx/>
           <a:buNone/>
           <a:tabLst/>
-          <a:defRPr b="0" baseline="0" cap="none" i="0" spc="0" strike="noStrike" sz="1800" u="none" kumimoji="0" normalizeH="0">
+          <a:defRPr kumimoji="0" sz="1800" b="0" i="0" u="none" strike="noStrike" cap="none" spc="0" normalizeH="0" baseline="0">
             <a:ln>
               <a:noFill/>
             </a:ln>
@@ -14032,7 +14722,7 @@
           <a:buFontTx/>
           <a:buNone/>
           <a:tabLst/>
-          <a:defRPr b="0" baseline="0" cap="none" i="0" spc="0" strike="noStrike" sz="1800" u="none" kumimoji="0" normalizeH="0">
+          <a:defRPr kumimoji="0" sz="1800" b="0" i="0" u="none" strike="noStrike" cap="none" spc="0" normalizeH="0" baseline="0">
             <a:ln>
               <a:noFill/>
             </a:ln>
@@ -14058,7 +14748,7 @@
           <a:buFontTx/>
           <a:buNone/>
           <a:tabLst/>
-          <a:defRPr b="0" baseline="0" cap="none" i="0" spc="0" strike="noStrike" sz="1800" u="none" kumimoji="0" normalizeH="0">
+          <a:defRPr kumimoji="0" sz="1800" b="0" i="0" u="none" strike="noStrike" cap="none" spc="0" normalizeH="0" baseline="0">
             <a:ln>
               <a:noFill/>
             </a:ln>
@@ -14084,7 +14774,7 @@
           <a:buFontTx/>
           <a:buNone/>
           <a:tabLst/>
-          <a:defRPr b="0" baseline="0" cap="none" i="0" spc="0" strike="noStrike" sz="1800" u="none" kumimoji="0" normalizeH="0">
+          <a:defRPr kumimoji="0" sz="1800" b="0" i="0" u="none" strike="noStrike" cap="none" spc="0" normalizeH="0" baseline="0">
             <a:ln>
               <a:noFill/>
             </a:ln>
@@ -14110,7 +14800,7 @@
           <a:buFontTx/>
           <a:buNone/>
           <a:tabLst/>
-          <a:defRPr b="0" baseline="0" cap="none" i="0" spc="0" strike="noStrike" sz="1800" u="none" kumimoji="0" normalizeH="0">
+          <a:defRPr kumimoji="0" sz="1800" b="0" i="0" u="none" strike="noStrike" cap="none" spc="0" normalizeH="0" baseline="0">
             <a:ln>
               <a:noFill/>
             </a:ln>
@@ -14123,9 +14813,15 @@
         </a:lvl9pPr>
       </a:lstStyle>
       <a:style>
-        <a:lnRef idx="0"/>
-        <a:fillRef idx="0"/>
-        <a:effectRef idx="0"/>
+        <a:lnRef idx="0">
+          <a:scrgbClr r="0" g="0" b="0"/>
+        </a:lnRef>
+        <a:fillRef idx="0">
+          <a:scrgbClr r="0" g="0" b="0"/>
+        </a:fillRef>
+        <a:effectRef idx="0">
+          <a:scrgbClr r="0" g="0" b="0"/>
+        </a:effectRef>
         <a:fontRef idx="none"/>
       </a:style>
     </a:spDef>
@@ -14142,7 +14838,7 @@
         <a:effectLst/>
         <a:sp3d/>
       </a:spPr>
-      <a:bodyPr rot="0" spcFirstLastPara="1" vertOverflow="overflow" horzOverflow="overflow" vert="horz" wrap="square" lIns="91439" tIns="45719" rIns="91439" bIns="45719" numCol="1" spcCol="38100" rtlCol="0" anchor="t" upright="0">
+      <a:bodyPr rot="0" spcFirstLastPara="1" vertOverflow="overflow" horzOverflow="overflow" vert="horz" wrap="square" lIns="91439" tIns="45719" rIns="91439" bIns="45719" numCol="1" spcCol="38100" rtlCol="0" anchor="t">
         <a:noAutofit/>
       </a:bodyPr>
       <a:lstStyle>
@@ -14161,7 +14857,7 @@
           <a:buFontTx/>
           <a:buNone/>
           <a:tabLst/>
-          <a:defRPr b="0" baseline="0" cap="none" i="0" spc="0" strike="noStrike" sz="1800" u="none" kumimoji="0" normalizeH="0">
+          <a:defRPr kumimoji="0" sz="1800" b="0" i="0" u="none" strike="noStrike" cap="none" spc="0" normalizeH="0" baseline="0">
             <a:ln>
               <a:noFill/>
             </a:ln>
@@ -14187,7 +14883,7 @@
           <a:buFontTx/>
           <a:buNone/>
           <a:tabLst/>
-          <a:defRPr b="0" baseline="0" cap="none" i="0" spc="0" strike="noStrike" sz="1800" u="none" kumimoji="0" normalizeH="0">
+          <a:defRPr kumimoji="0" sz="1800" b="0" i="0" u="none" strike="noStrike" cap="none" spc="0" normalizeH="0" baseline="0">
             <a:ln>
               <a:noFill/>
             </a:ln>
@@ -14213,7 +14909,7 @@
           <a:buFontTx/>
           <a:buNone/>
           <a:tabLst/>
-          <a:defRPr b="0" baseline="0" cap="none" i="0" spc="0" strike="noStrike" sz="1800" u="none" kumimoji="0" normalizeH="0">
+          <a:defRPr kumimoji="0" sz="1800" b="0" i="0" u="none" strike="noStrike" cap="none" spc="0" normalizeH="0" baseline="0">
             <a:ln>
               <a:noFill/>
             </a:ln>
@@ -14239,7 +14935,7 @@
           <a:buFontTx/>
           <a:buNone/>
           <a:tabLst/>
-          <a:defRPr b="0" baseline="0" cap="none" i="0" spc="0" strike="noStrike" sz="1800" u="none" kumimoji="0" normalizeH="0">
+          <a:defRPr kumimoji="0" sz="1800" b="0" i="0" u="none" strike="noStrike" cap="none" spc="0" normalizeH="0" baseline="0">
             <a:ln>
               <a:noFill/>
             </a:ln>
@@ -14265,7 +14961,7 @@
           <a:buFontTx/>
           <a:buNone/>
           <a:tabLst/>
-          <a:defRPr b="0" baseline="0" cap="none" i="0" spc="0" strike="noStrike" sz="1800" u="none" kumimoji="0" normalizeH="0">
+          <a:defRPr kumimoji="0" sz="1800" b="0" i="0" u="none" strike="noStrike" cap="none" spc="0" normalizeH="0" baseline="0">
             <a:ln>
               <a:noFill/>
             </a:ln>
@@ -14291,7 +14987,7 @@
           <a:buFontTx/>
           <a:buNone/>
           <a:tabLst/>
-          <a:defRPr b="0" baseline="0" cap="none" i="0" spc="0" strike="noStrike" sz="1800" u="none" kumimoji="0" normalizeH="0">
+          <a:defRPr kumimoji="0" sz="1800" b="0" i="0" u="none" strike="noStrike" cap="none" spc="0" normalizeH="0" baseline="0">
             <a:ln>
               <a:noFill/>
             </a:ln>
@@ -14317,7 +15013,7 @@
           <a:buFontTx/>
           <a:buNone/>
           <a:tabLst/>
-          <a:defRPr b="0" baseline="0" cap="none" i="0" spc="0" strike="noStrike" sz="1800" u="none" kumimoji="0" normalizeH="0">
+          <a:defRPr kumimoji="0" sz="1800" b="0" i="0" u="none" strike="noStrike" cap="none" spc="0" normalizeH="0" baseline="0">
             <a:ln>
               <a:noFill/>
             </a:ln>
@@ -14343,7 +15039,7 @@
           <a:buFontTx/>
           <a:buNone/>
           <a:tabLst/>
-          <a:defRPr b="0" baseline="0" cap="none" i="0" spc="0" strike="noStrike" sz="1800" u="none" kumimoji="0" normalizeH="0">
+          <a:defRPr kumimoji="0" sz="1800" b="0" i="0" u="none" strike="noStrike" cap="none" spc="0" normalizeH="0" baseline="0">
             <a:ln>
               <a:noFill/>
             </a:ln>
@@ -14369,7 +15065,7 @@
           <a:buFontTx/>
           <a:buNone/>
           <a:tabLst/>
-          <a:defRPr b="0" baseline="0" cap="none" i="0" spc="0" strike="noStrike" sz="1800" u="none" kumimoji="0" normalizeH="0">
+          <a:defRPr kumimoji="0" sz="1800" b="0" i="0" u="none" strike="noStrike" cap="none" spc="0" normalizeH="0" baseline="0">
             <a:ln>
               <a:noFill/>
             </a:ln>
@@ -14395,7 +15091,7 @@
           <a:buFontTx/>
           <a:buNone/>
           <a:tabLst/>
-          <a:defRPr b="0" baseline="0" cap="none" i="0" spc="0" strike="noStrike" sz="1800" u="none" kumimoji="0" normalizeH="0">
+          <a:defRPr kumimoji="0" sz="1800" b="0" i="0" u="none" strike="noStrike" cap="none" spc="0" normalizeH="0" baseline="0">
             <a:ln>
               <a:noFill/>
             </a:ln>
@@ -14408,9 +15104,15 @@
         </a:lvl9pPr>
       </a:lstStyle>
       <a:style>
-        <a:lnRef idx="0"/>
-        <a:fillRef idx="0"/>
-        <a:effectRef idx="0"/>
+        <a:lnRef idx="0">
+          <a:scrgbClr r="0" g="0" b="0"/>
+        </a:lnRef>
+        <a:fillRef idx="0">
+          <a:scrgbClr r="0" g="0" b="0"/>
+        </a:fillRef>
+        <a:effectRef idx="0">
+          <a:scrgbClr r="0" g="0" b="0"/>
+        </a:effectRef>
         <a:fontRef idx="none"/>
       </a:style>
     </a:lnDef>
@@ -14424,7 +15126,7 @@
         <a:effectLst/>
         <a:sp3d/>
       </a:spPr>
-      <a:bodyPr rot="0" spcFirstLastPara="1" vertOverflow="overflow" horzOverflow="overflow" vert="horz" wrap="square" lIns="45718" tIns="45718" rIns="45718" bIns="45718" numCol="1" spcCol="38100" rtlCol="0" anchor="ctr" upright="0">
+      <a:bodyPr rot="0" spcFirstLastPara="1" vertOverflow="overflow" horzOverflow="overflow" vert="horz" wrap="square" lIns="45718" tIns="45718" rIns="45718" bIns="45718" numCol="1" spcCol="38100" rtlCol="0" anchor="ctr">
         <a:spAutoFit/>
       </a:bodyPr>
       <a:lstStyle>
@@ -14443,7 +15145,7 @@
           <a:buFontTx/>
           <a:buNone/>
           <a:tabLst/>
-          <a:defRPr b="0" baseline="0" cap="none" i="0" spc="0" strike="noStrike" sz="1800" u="none" kumimoji="0" normalizeH="0">
+          <a:defRPr kumimoji="0" sz="1800" b="0" i="0" u="none" strike="noStrike" cap="none" spc="0" normalizeH="0" baseline="0">
             <a:ln>
               <a:noFill/>
             </a:ln>
@@ -14473,7 +15175,7 @@
           <a:buFontTx/>
           <a:buNone/>
           <a:tabLst/>
-          <a:defRPr b="0" baseline="0" cap="none" i="0" spc="0" strike="noStrike" sz="1800" u="none" kumimoji="0" normalizeH="0">
+          <a:defRPr kumimoji="0" sz="1800" b="0" i="0" u="none" strike="noStrike" cap="none" spc="0" normalizeH="0" baseline="0">
             <a:ln>
               <a:noFill/>
             </a:ln>
@@ -14499,7 +15201,7 @@
           <a:buFontTx/>
           <a:buNone/>
           <a:tabLst/>
-          <a:defRPr b="0" baseline="0" cap="none" i="0" spc="0" strike="noStrike" sz="1800" u="none" kumimoji="0" normalizeH="0">
+          <a:defRPr kumimoji="0" sz="1800" b="0" i="0" u="none" strike="noStrike" cap="none" spc="0" normalizeH="0" baseline="0">
             <a:ln>
               <a:noFill/>
             </a:ln>
@@ -14525,7 +15227,7 @@
           <a:buFontTx/>
           <a:buNone/>
           <a:tabLst/>
-          <a:defRPr b="0" baseline="0" cap="none" i="0" spc="0" strike="noStrike" sz="1800" u="none" kumimoji="0" normalizeH="0">
+          <a:defRPr kumimoji="0" sz="1800" b="0" i="0" u="none" strike="noStrike" cap="none" spc="0" normalizeH="0" baseline="0">
             <a:ln>
               <a:noFill/>
             </a:ln>
@@ -14551,7 +15253,7 @@
           <a:buFontTx/>
           <a:buNone/>
           <a:tabLst/>
-          <a:defRPr b="0" baseline="0" cap="none" i="0" spc="0" strike="noStrike" sz="1800" u="none" kumimoji="0" normalizeH="0">
+          <a:defRPr kumimoji="0" sz="1800" b="0" i="0" u="none" strike="noStrike" cap="none" spc="0" normalizeH="0" baseline="0">
             <a:ln>
               <a:noFill/>
             </a:ln>
@@ -14577,7 +15279,7 @@
           <a:buFontTx/>
           <a:buNone/>
           <a:tabLst/>
-          <a:defRPr b="0" baseline="0" cap="none" i="0" spc="0" strike="noStrike" sz="1800" u="none" kumimoji="0" normalizeH="0">
+          <a:defRPr kumimoji="0" sz="1800" b="0" i="0" u="none" strike="noStrike" cap="none" spc="0" normalizeH="0" baseline="0">
             <a:ln>
               <a:noFill/>
             </a:ln>
@@ -14603,7 +15305,7 @@
           <a:buFontTx/>
           <a:buNone/>
           <a:tabLst/>
-          <a:defRPr b="0" baseline="0" cap="none" i="0" spc="0" strike="noStrike" sz="1800" u="none" kumimoji="0" normalizeH="0">
+          <a:defRPr kumimoji="0" sz="1800" b="0" i="0" u="none" strike="noStrike" cap="none" spc="0" normalizeH="0" baseline="0">
             <a:ln>
               <a:noFill/>
             </a:ln>
@@ -14629,7 +15331,7 @@
           <a:buFontTx/>
           <a:buNone/>
           <a:tabLst/>
-          <a:defRPr b="0" baseline="0" cap="none" i="0" spc="0" strike="noStrike" sz="1800" u="none" kumimoji="0" normalizeH="0">
+          <a:defRPr kumimoji="0" sz="1800" b="0" i="0" u="none" strike="noStrike" cap="none" spc="0" normalizeH="0" baseline="0">
             <a:ln>
               <a:noFill/>
             </a:ln>
@@ -14655,7 +15357,7 @@
           <a:buFontTx/>
           <a:buNone/>
           <a:tabLst/>
-          <a:defRPr b="0" baseline="0" cap="none" i="0" spc="0" strike="noStrike" sz="1800" u="none" kumimoji="0" normalizeH="0">
+          <a:defRPr kumimoji="0" sz="1800" b="0" i="0" u="none" strike="noStrike" cap="none" spc="0" normalizeH="0" baseline="0">
             <a:ln>
               <a:noFill/>
             </a:ln>
@@ -14681,7 +15383,7 @@
           <a:buFontTx/>
           <a:buNone/>
           <a:tabLst/>
-          <a:defRPr b="0" baseline="0" cap="none" i="0" spc="0" strike="noStrike" sz="1800" u="none" kumimoji="0" normalizeH="0">
+          <a:defRPr kumimoji="0" sz="1800" b="0" i="0" u="none" strike="noStrike" cap="none" spc="0" normalizeH="0" baseline="0">
             <a:ln>
               <a:noFill/>
             </a:ln>
@@ -14694,18 +15396,25 @@
         </a:lvl9pPr>
       </a:lstStyle>
       <a:style>
-        <a:lnRef idx="0"/>
-        <a:fillRef idx="0"/>
-        <a:effectRef idx="0"/>
+        <a:lnRef idx="0">
+          <a:scrgbClr r="0" g="0" b="0"/>
+        </a:lnRef>
+        <a:fillRef idx="0">
+          <a:scrgbClr r="0" g="0" b="0"/>
+        </a:fillRef>
+        <a:effectRef idx="0">
+          <a:scrgbClr r="0" g="0" b="0"/>
+        </a:effectRef>
         <a:fontRef idx="none"/>
       </a:style>
     </a:txDef>
   </a:objectDefaults>
+  <a:extraClrSchemeLst/>
 </a:theme>
 </file>
 
 <file path=ppt/theme/theme2.xml><?xml version="1.0" encoding="utf-8"?>
-<a:theme xmlns:a="http://schemas.openxmlformats.org/drawingml/2006/main" xmlns:r="http://schemas.openxmlformats.org/officeDocument/2006/relationships" name="Office 테마">
+<a:theme xmlns:a="http://schemas.openxmlformats.org/drawingml/2006/main" name="Office 테마">
   <a:themeElements>
     <a:clrScheme name="Office 테마">
       <a:dk1>
@@ -14907,7 +15616,7 @@
         <a:effectLst/>
         <a:sp3d/>
       </a:spPr>
-      <a:bodyPr rot="0" spcFirstLastPara="1" vertOverflow="overflow" horzOverflow="overflow" vert="horz" wrap="square" lIns="45718" tIns="45718" rIns="45718" bIns="45718" numCol="1" spcCol="38100" rtlCol="0" anchor="ctr" upright="0">
+      <a:bodyPr rot="0" spcFirstLastPara="1" vertOverflow="overflow" horzOverflow="overflow" vert="horz" wrap="square" lIns="45718" tIns="45718" rIns="45718" bIns="45718" numCol="1" spcCol="38100" rtlCol="0" anchor="ctr">
         <a:spAutoFit/>
       </a:bodyPr>
       <a:lstStyle>
@@ -14926,7 +15635,7 @@
           <a:buFontTx/>
           <a:buNone/>
           <a:tabLst/>
-          <a:defRPr b="0" baseline="0" cap="none" i="0" spc="0" strike="noStrike" sz="1800" u="none" kumimoji="0" normalizeH="0">
+          <a:defRPr kumimoji="0" sz="1800" b="0" i="0" u="none" strike="noStrike" cap="none" spc="0" normalizeH="0" baseline="0">
             <a:ln>
               <a:noFill/>
             </a:ln>
@@ -14956,7 +15665,7 @@
           <a:buFontTx/>
           <a:buNone/>
           <a:tabLst/>
-          <a:defRPr b="0" baseline="0" cap="none" i="0" spc="0" strike="noStrike" sz="1800" u="none" kumimoji="0" normalizeH="0">
+          <a:defRPr kumimoji="0" sz="1800" b="0" i="0" u="none" strike="noStrike" cap="none" spc="0" normalizeH="0" baseline="0">
             <a:ln>
               <a:noFill/>
             </a:ln>
@@ -14982,7 +15691,7 @@
           <a:buFontTx/>
           <a:buNone/>
           <a:tabLst/>
-          <a:defRPr b="0" baseline="0" cap="none" i="0" spc="0" strike="noStrike" sz="1800" u="none" kumimoji="0" normalizeH="0">
+          <a:defRPr kumimoji="0" sz="1800" b="0" i="0" u="none" strike="noStrike" cap="none" spc="0" normalizeH="0" baseline="0">
             <a:ln>
               <a:noFill/>
             </a:ln>
@@ -15008,7 +15717,7 @@
           <a:buFontTx/>
           <a:buNone/>
           <a:tabLst/>
-          <a:defRPr b="0" baseline="0" cap="none" i="0" spc="0" strike="noStrike" sz="1800" u="none" kumimoji="0" normalizeH="0">
+          <a:defRPr kumimoji="0" sz="1800" b="0" i="0" u="none" strike="noStrike" cap="none" spc="0" normalizeH="0" baseline="0">
             <a:ln>
               <a:noFill/>
             </a:ln>
@@ -15034,7 +15743,7 @@
           <a:buFontTx/>
           <a:buNone/>
           <a:tabLst/>
-          <a:defRPr b="0" baseline="0" cap="none" i="0" spc="0" strike="noStrike" sz="1800" u="none" kumimoji="0" normalizeH="0">
+          <a:defRPr kumimoji="0" sz="1800" b="0" i="0" u="none" strike="noStrike" cap="none" spc="0" normalizeH="0" baseline="0">
             <a:ln>
               <a:noFill/>
             </a:ln>
@@ -15060,7 +15769,7 @@
           <a:buFontTx/>
           <a:buNone/>
           <a:tabLst/>
-          <a:defRPr b="0" baseline="0" cap="none" i="0" spc="0" strike="noStrike" sz="1800" u="none" kumimoji="0" normalizeH="0">
+          <a:defRPr kumimoji="0" sz="1800" b="0" i="0" u="none" strike="noStrike" cap="none" spc="0" normalizeH="0" baseline="0">
             <a:ln>
               <a:noFill/>
             </a:ln>
@@ -15086,7 +15795,7 @@
           <a:buFontTx/>
           <a:buNone/>
           <a:tabLst/>
-          <a:defRPr b="0" baseline="0" cap="none" i="0" spc="0" strike="noStrike" sz="1800" u="none" kumimoji="0" normalizeH="0">
+          <a:defRPr kumimoji="0" sz="1800" b="0" i="0" u="none" strike="noStrike" cap="none" spc="0" normalizeH="0" baseline="0">
             <a:ln>
               <a:noFill/>
             </a:ln>
@@ -15112,7 +15821,7 @@
           <a:buFontTx/>
           <a:buNone/>
           <a:tabLst/>
-          <a:defRPr b="0" baseline="0" cap="none" i="0" spc="0" strike="noStrike" sz="1800" u="none" kumimoji="0" normalizeH="0">
+          <a:defRPr kumimoji="0" sz="1800" b="0" i="0" u="none" strike="noStrike" cap="none" spc="0" normalizeH="0" baseline="0">
             <a:ln>
               <a:noFill/>
             </a:ln>
@@ -15138,7 +15847,7 @@
           <a:buFontTx/>
           <a:buNone/>
           <a:tabLst/>
-          <a:defRPr b="0" baseline="0" cap="none" i="0" spc="0" strike="noStrike" sz="1800" u="none" kumimoji="0" normalizeH="0">
+          <a:defRPr kumimoji="0" sz="1800" b="0" i="0" u="none" strike="noStrike" cap="none" spc="0" normalizeH="0" baseline="0">
             <a:ln>
               <a:noFill/>
             </a:ln>
@@ -15164,7 +15873,7 @@
           <a:buFontTx/>
           <a:buNone/>
           <a:tabLst/>
-          <a:defRPr b="0" baseline="0" cap="none" i="0" spc="0" strike="noStrike" sz="1800" u="none" kumimoji="0" normalizeH="0">
+          <a:defRPr kumimoji="0" sz="1800" b="0" i="0" u="none" strike="noStrike" cap="none" spc="0" normalizeH="0" baseline="0">
             <a:ln>
               <a:noFill/>
             </a:ln>
@@ -15177,9 +15886,15 @@
         </a:lvl9pPr>
       </a:lstStyle>
       <a:style>
-        <a:lnRef idx="0"/>
-        <a:fillRef idx="0"/>
-        <a:effectRef idx="0"/>
+        <a:lnRef idx="0">
+          <a:scrgbClr r="0" g="0" b="0"/>
+        </a:lnRef>
+        <a:fillRef idx="0">
+          <a:scrgbClr r="0" g="0" b="0"/>
+        </a:fillRef>
+        <a:effectRef idx="0">
+          <a:scrgbClr r="0" g="0" b="0"/>
+        </a:effectRef>
         <a:fontRef idx="none"/>
       </a:style>
     </a:spDef>
@@ -15196,7 +15911,7 @@
         <a:effectLst/>
         <a:sp3d/>
       </a:spPr>
-      <a:bodyPr rot="0" spcFirstLastPara="1" vertOverflow="overflow" horzOverflow="overflow" vert="horz" wrap="square" lIns="91439" tIns="45719" rIns="91439" bIns="45719" numCol="1" spcCol="38100" rtlCol="0" anchor="t" upright="0">
+      <a:bodyPr rot="0" spcFirstLastPara="1" vertOverflow="overflow" horzOverflow="overflow" vert="horz" wrap="square" lIns="91439" tIns="45719" rIns="91439" bIns="45719" numCol="1" spcCol="38100" rtlCol="0" anchor="t">
         <a:noAutofit/>
       </a:bodyPr>
       <a:lstStyle>
@@ -15215,7 +15930,7 @@
           <a:buFontTx/>
           <a:buNone/>
           <a:tabLst/>
-          <a:defRPr b="0" baseline="0" cap="none" i="0" spc="0" strike="noStrike" sz="1800" u="none" kumimoji="0" normalizeH="0">
+          <a:defRPr kumimoji="0" sz="1800" b="0" i="0" u="none" strike="noStrike" cap="none" spc="0" normalizeH="0" baseline="0">
             <a:ln>
               <a:noFill/>
             </a:ln>
@@ -15241,7 +15956,7 @@
           <a:buFontTx/>
           <a:buNone/>
           <a:tabLst/>
-          <a:defRPr b="0" baseline="0" cap="none" i="0" spc="0" strike="noStrike" sz="1800" u="none" kumimoji="0" normalizeH="0">
+          <a:defRPr kumimoji="0" sz="1800" b="0" i="0" u="none" strike="noStrike" cap="none" spc="0" normalizeH="0" baseline="0">
             <a:ln>
               <a:noFill/>
             </a:ln>
@@ -15267,7 +15982,7 @@
           <a:buFontTx/>
           <a:buNone/>
           <a:tabLst/>
-          <a:defRPr b="0" baseline="0" cap="none" i="0" spc="0" strike="noStrike" sz="1800" u="none" kumimoji="0" normalizeH="0">
+          <a:defRPr kumimoji="0" sz="1800" b="0" i="0" u="none" strike="noStrike" cap="none" spc="0" normalizeH="0" baseline="0">
             <a:ln>
               <a:noFill/>
             </a:ln>
@@ -15293,7 +16008,7 @@
           <a:buFontTx/>
           <a:buNone/>
           <a:tabLst/>
-          <a:defRPr b="0" baseline="0" cap="none" i="0" spc="0" strike="noStrike" sz="1800" u="none" kumimoji="0" normalizeH="0">
+          <a:defRPr kumimoji="0" sz="1800" b="0" i="0" u="none" strike="noStrike" cap="none" spc="0" normalizeH="0" baseline="0">
             <a:ln>
               <a:noFill/>
             </a:ln>
@@ -15319,7 +16034,7 @@
           <a:buFontTx/>
           <a:buNone/>
           <a:tabLst/>
-          <a:defRPr b="0" baseline="0" cap="none" i="0" spc="0" strike="noStrike" sz="1800" u="none" kumimoji="0" normalizeH="0">
+          <a:defRPr kumimoji="0" sz="1800" b="0" i="0" u="none" strike="noStrike" cap="none" spc="0" normalizeH="0" baseline="0">
             <a:ln>
               <a:noFill/>
             </a:ln>
@@ -15345,7 +16060,7 @@
           <a:buFontTx/>
           <a:buNone/>
           <a:tabLst/>
-          <a:defRPr b="0" baseline="0" cap="none" i="0" spc="0" strike="noStrike" sz="1800" u="none" kumimoji="0" normalizeH="0">
+          <a:defRPr kumimoji="0" sz="1800" b="0" i="0" u="none" strike="noStrike" cap="none" spc="0" normalizeH="0" baseline="0">
             <a:ln>
               <a:noFill/>
             </a:ln>
@@ -15371,7 +16086,7 @@
           <a:buFontTx/>
           <a:buNone/>
           <a:tabLst/>
-          <a:defRPr b="0" baseline="0" cap="none" i="0" spc="0" strike="noStrike" sz="1800" u="none" kumimoji="0" normalizeH="0">
+          <a:defRPr kumimoji="0" sz="1800" b="0" i="0" u="none" strike="noStrike" cap="none" spc="0" normalizeH="0" baseline="0">
             <a:ln>
               <a:noFill/>
             </a:ln>
@@ -15397,7 +16112,7 @@
           <a:buFontTx/>
           <a:buNone/>
           <a:tabLst/>
-          <a:defRPr b="0" baseline="0" cap="none" i="0" spc="0" strike="noStrike" sz="1800" u="none" kumimoji="0" normalizeH="0">
+          <a:defRPr kumimoji="0" sz="1800" b="0" i="0" u="none" strike="noStrike" cap="none" spc="0" normalizeH="0" baseline="0">
             <a:ln>
               <a:noFill/>
             </a:ln>
@@ -15423,7 +16138,7 @@
           <a:buFontTx/>
           <a:buNone/>
           <a:tabLst/>
-          <a:defRPr b="0" baseline="0" cap="none" i="0" spc="0" strike="noStrike" sz="1800" u="none" kumimoji="0" normalizeH="0">
+          <a:defRPr kumimoji="0" sz="1800" b="0" i="0" u="none" strike="noStrike" cap="none" spc="0" normalizeH="0" baseline="0">
             <a:ln>
               <a:noFill/>
             </a:ln>
@@ -15449,7 +16164,7 @@
           <a:buFontTx/>
           <a:buNone/>
           <a:tabLst/>
-          <a:defRPr b="0" baseline="0" cap="none" i="0" spc="0" strike="noStrike" sz="1800" u="none" kumimoji="0" normalizeH="0">
+          <a:defRPr kumimoji="0" sz="1800" b="0" i="0" u="none" strike="noStrike" cap="none" spc="0" normalizeH="0" baseline="0">
             <a:ln>
               <a:noFill/>
             </a:ln>
@@ -15462,9 +16177,15 @@
         </a:lvl9pPr>
       </a:lstStyle>
       <a:style>
-        <a:lnRef idx="0"/>
-        <a:fillRef idx="0"/>
-        <a:effectRef idx="0"/>
+        <a:lnRef idx="0">
+          <a:scrgbClr r="0" g="0" b="0"/>
+        </a:lnRef>
+        <a:fillRef idx="0">
+          <a:scrgbClr r="0" g="0" b="0"/>
+        </a:fillRef>
+        <a:effectRef idx="0">
+          <a:scrgbClr r="0" g="0" b="0"/>
+        </a:effectRef>
         <a:fontRef idx="none"/>
       </a:style>
     </a:lnDef>
@@ -15478,7 +16199,7 @@
         <a:effectLst/>
         <a:sp3d/>
       </a:spPr>
-      <a:bodyPr rot="0" spcFirstLastPara="1" vertOverflow="overflow" horzOverflow="overflow" vert="horz" wrap="square" lIns="45718" tIns="45718" rIns="45718" bIns="45718" numCol="1" spcCol="38100" rtlCol="0" anchor="ctr" upright="0">
+      <a:bodyPr rot="0" spcFirstLastPara="1" vertOverflow="overflow" horzOverflow="overflow" vert="horz" wrap="square" lIns="45718" tIns="45718" rIns="45718" bIns="45718" numCol="1" spcCol="38100" rtlCol="0" anchor="ctr">
         <a:spAutoFit/>
       </a:bodyPr>
       <a:lstStyle>
@@ -15497,7 +16218,7 @@
           <a:buFontTx/>
           <a:buNone/>
           <a:tabLst/>
-          <a:defRPr b="0" baseline="0" cap="none" i="0" spc="0" strike="noStrike" sz="1800" u="none" kumimoji="0" normalizeH="0">
+          <a:defRPr kumimoji="0" sz="1800" b="0" i="0" u="none" strike="noStrike" cap="none" spc="0" normalizeH="0" baseline="0">
             <a:ln>
               <a:noFill/>
             </a:ln>
@@ -15527,7 +16248,7 @@
           <a:buFontTx/>
           <a:buNone/>
           <a:tabLst/>
-          <a:defRPr b="0" baseline="0" cap="none" i="0" spc="0" strike="noStrike" sz="1800" u="none" kumimoji="0" normalizeH="0">
+          <a:defRPr kumimoji="0" sz="1800" b="0" i="0" u="none" strike="noStrike" cap="none" spc="0" normalizeH="0" baseline="0">
             <a:ln>
               <a:noFill/>
             </a:ln>
@@ -15553,7 +16274,7 @@
           <a:buFontTx/>
           <a:buNone/>
           <a:tabLst/>
-          <a:defRPr b="0" baseline="0" cap="none" i="0" spc="0" strike="noStrike" sz="1800" u="none" kumimoji="0" normalizeH="0">
+          <a:defRPr kumimoji="0" sz="1800" b="0" i="0" u="none" strike="noStrike" cap="none" spc="0" normalizeH="0" baseline="0">
             <a:ln>
               <a:noFill/>
             </a:ln>
@@ -15579,7 +16300,7 @@
           <a:buFontTx/>
           <a:buNone/>
           <a:tabLst/>
-          <a:defRPr b="0" baseline="0" cap="none" i="0" spc="0" strike="noStrike" sz="1800" u="none" kumimoji="0" normalizeH="0">
+          <a:defRPr kumimoji="0" sz="1800" b="0" i="0" u="none" strike="noStrike" cap="none" spc="0" normalizeH="0" baseline="0">
             <a:ln>
               <a:noFill/>
             </a:ln>
@@ -15605,7 +16326,7 @@
           <a:buFontTx/>
           <a:buNone/>
           <a:tabLst/>
-          <a:defRPr b="0" baseline="0" cap="none" i="0" spc="0" strike="noStrike" sz="1800" u="none" kumimoji="0" normalizeH="0">
+          <a:defRPr kumimoji="0" sz="1800" b="0" i="0" u="none" strike="noStrike" cap="none" spc="0" normalizeH="0" baseline="0">
             <a:ln>
               <a:noFill/>
             </a:ln>
@@ -15631,7 +16352,7 @@
           <a:buFontTx/>
           <a:buNone/>
           <a:tabLst/>
-          <a:defRPr b="0" baseline="0" cap="none" i="0" spc="0" strike="noStrike" sz="1800" u="none" kumimoji="0" normalizeH="0">
+          <a:defRPr kumimoji="0" sz="1800" b="0" i="0" u="none" strike="noStrike" cap="none" spc="0" normalizeH="0" baseline="0">
             <a:ln>
               <a:noFill/>
             </a:ln>
@@ -15657,7 +16378,7 @@
           <a:buFontTx/>
           <a:buNone/>
           <a:tabLst/>
-          <a:defRPr b="0" baseline="0" cap="none" i="0" spc="0" strike="noStrike" sz="1800" u="none" kumimoji="0" normalizeH="0">
+          <a:defRPr kumimoji="0" sz="1800" b="0" i="0" u="none" strike="noStrike" cap="none" spc="0" normalizeH="0" baseline="0">
             <a:ln>
               <a:noFill/>
             </a:ln>
@@ -15683,7 +16404,7 @@
           <a:buFontTx/>
           <a:buNone/>
           <a:tabLst/>
-          <a:defRPr b="0" baseline="0" cap="none" i="0" spc="0" strike="noStrike" sz="1800" u="none" kumimoji="0" normalizeH="0">
+          <a:defRPr kumimoji="0" sz="1800" b="0" i="0" u="none" strike="noStrike" cap="none" spc="0" normalizeH="0" baseline="0">
             <a:ln>
               <a:noFill/>
             </a:ln>
@@ -15709,7 +16430,7 @@
           <a:buFontTx/>
           <a:buNone/>
           <a:tabLst/>
-          <a:defRPr b="0" baseline="0" cap="none" i="0" spc="0" strike="noStrike" sz="1800" u="none" kumimoji="0" normalizeH="0">
+          <a:defRPr kumimoji="0" sz="1800" b="0" i="0" u="none" strike="noStrike" cap="none" spc="0" normalizeH="0" baseline="0">
             <a:ln>
               <a:noFill/>
             </a:ln>
@@ -15735,7 +16456,7 @@
           <a:buFontTx/>
           <a:buNone/>
           <a:tabLst/>
-          <a:defRPr b="0" baseline="0" cap="none" i="0" spc="0" strike="noStrike" sz="1800" u="none" kumimoji="0" normalizeH="0">
+          <a:defRPr kumimoji="0" sz="1800" b="0" i="0" u="none" strike="noStrike" cap="none" spc="0" normalizeH="0" baseline="0">
             <a:ln>
               <a:noFill/>
             </a:ln>
@@ -15748,12 +16469,19 @@
         </a:lvl9pPr>
       </a:lstStyle>
       <a:style>
-        <a:lnRef idx="0"/>
-        <a:fillRef idx="0"/>
-        <a:effectRef idx="0"/>
+        <a:lnRef idx="0">
+          <a:scrgbClr r="0" g="0" b="0"/>
+        </a:lnRef>
+        <a:fillRef idx="0">
+          <a:scrgbClr r="0" g="0" b="0"/>
+        </a:fillRef>
+        <a:effectRef idx="0">
+          <a:scrgbClr r="0" g="0" b="0"/>
+        </a:effectRef>
         <a:fontRef idx="none"/>
       </a:style>
     </a:txDef>
   </a:objectDefaults>
+  <a:extraClrSchemeLst/>
 </a:theme>
 </file>